--- a/Intro_To_Git/Slides/Introduction_to_Git_and_GitHub.pptx
+++ b/Intro_To_Git/Slides/Introduction_to_Git_and_GitHub.pptx
@@ -18,6 +18,7 @@
     <p:sldId id="266" r:id="rId12"/>
     <p:sldId id="265" r:id="rId13"/>
     <p:sldId id="267" r:id="rId14"/>
+    <p:sldId id="270" r:id="rId15"/>
   </p:sldIdLst>
   <p:sldSz cx="12192000" cy="6858000"/>
   <p:notesSz cx="6858000" cy="9144000"/>
@@ -280,7 +281,7 @@
           <a:p>
             <a:fld id="{02AC24A9-CCB6-4F8D-B8DB-C2F3692CFA5A}" type="datetimeFigureOut">
               <a:rPr lang="en-US" smtClean="0"/>
-              <a:t>2/2/2022</a:t>
+              <a:t>2/1/2023</a:t>
             </a:fld>
             <a:endParaRPr lang="en-US" dirty="0"/>
           </a:p>
@@ -650,7 +651,7 @@
           <a:p>
             <a:fld id="{02AC24A9-CCB6-4F8D-B8DB-C2F3692CFA5A}" type="datetimeFigureOut">
               <a:rPr lang="en-US" smtClean="0"/>
-              <a:t>2/2/2022</a:t>
+              <a:t>2/1/2023</a:t>
             </a:fld>
             <a:endParaRPr lang="en-US"/>
           </a:p>
@@ -859,7 +860,7 @@
           <a:p>
             <a:fld id="{02AC24A9-CCB6-4F8D-B8DB-C2F3692CFA5A}" type="datetimeFigureOut">
               <a:rPr lang="en-US" smtClean="0"/>
-              <a:t>2/2/2022</a:t>
+              <a:t>2/1/2023</a:t>
             </a:fld>
             <a:endParaRPr lang="en-US"/>
           </a:p>
@@ -1329,7 +1330,7 @@
           <a:p>
             <a:fld id="{02AC24A9-CCB6-4F8D-B8DB-C2F3692CFA5A}" type="datetimeFigureOut">
               <a:rPr lang="en-US" smtClean="0"/>
-              <a:t>2/2/2022</a:t>
+              <a:t>2/1/2023</a:t>
             </a:fld>
             <a:endParaRPr lang="en-US"/>
           </a:p>
@@ -1783,7 +1784,7 @@
           <a:p>
             <a:fld id="{02AC24A9-CCB6-4F8D-B8DB-C2F3692CFA5A}" type="datetimeFigureOut">
               <a:rPr lang="en-US" smtClean="0"/>
-              <a:t>2/2/2022</a:t>
+              <a:t>2/1/2023</a:t>
             </a:fld>
             <a:endParaRPr lang="en-US"/>
           </a:p>
@@ -2315,7 +2316,7 @@
           <a:p>
             <a:fld id="{02AC24A9-CCB6-4F8D-B8DB-C2F3692CFA5A}" type="datetimeFigureOut">
               <a:rPr lang="en-US" smtClean="0"/>
-              <a:t>2/2/2022</a:t>
+              <a:t>2/1/2023</a:t>
             </a:fld>
             <a:endParaRPr lang="en-US"/>
           </a:p>
@@ -3014,7 +3015,7 @@
           <a:p>
             <a:fld id="{02AC24A9-CCB6-4F8D-B8DB-C2F3692CFA5A}" type="datetimeFigureOut">
               <a:rPr lang="en-US" smtClean="0"/>
-              <a:t>2/2/2022</a:t>
+              <a:t>2/1/2023</a:t>
             </a:fld>
             <a:endParaRPr lang="en-US"/>
           </a:p>
@@ -3343,7 +3344,7 @@
           <a:p>
             <a:fld id="{02AC24A9-CCB6-4F8D-B8DB-C2F3692CFA5A}" type="datetimeFigureOut">
               <a:rPr lang="en-US" smtClean="0"/>
-              <a:t>2/2/2022</a:t>
+              <a:t>2/1/2023</a:t>
             </a:fld>
             <a:endParaRPr lang="en-US"/>
           </a:p>
@@ -3456,7 +3457,7 @@
           <a:p>
             <a:fld id="{02AC24A9-CCB6-4F8D-B8DB-C2F3692CFA5A}" type="datetimeFigureOut">
               <a:rPr lang="en-US" smtClean="0"/>
-              <a:t>2/2/2022</a:t>
+              <a:t>2/1/2023</a:t>
             </a:fld>
             <a:endParaRPr lang="en-US"/>
           </a:p>
@@ -3951,7 +3952,7 @@
           <a:p>
             <a:fld id="{02AC24A9-CCB6-4F8D-B8DB-C2F3692CFA5A}" type="datetimeFigureOut">
               <a:rPr lang="en-US" smtClean="0"/>
-              <a:t>2/2/2022</a:t>
+              <a:t>2/1/2023</a:t>
             </a:fld>
             <a:endParaRPr lang="en-US" dirty="0"/>
           </a:p>
@@ -4428,7 +4429,7 @@
           <a:p>
             <a:fld id="{02AC24A9-CCB6-4F8D-B8DB-C2F3692CFA5A}" type="datetimeFigureOut">
               <a:rPr lang="en-US" smtClean="0"/>
-              <a:t>2/2/2022</a:t>
+              <a:t>2/1/2023</a:t>
             </a:fld>
             <a:endParaRPr lang="en-US"/>
           </a:p>
@@ -4671,7 +4672,7 @@
           <a:p>
             <a:fld id="{02AC24A9-CCB6-4F8D-B8DB-C2F3692CFA5A}" type="datetimeFigureOut">
               <a:rPr lang="en-US" smtClean="0"/>
-              <a:t>2/2/2022</a:t>
+              <a:t>2/1/2023</a:t>
             </a:fld>
             <a:endParaRPr lang="en-US"/>
           </a:p>
@@ -5330,14 +5331,14 @@
           <a:lstStyle/>
           <a:p>
             <a:r>
-              <a:rPr lang="en-US" sz="2000"/>
+              <a:rPr lang="en-US" sz="2000" dirty="0"/>
               <a:t>GIS714</a:t>
             </a:r>
           </a:p>
           <a:p>
             <a:r>
-              <a:rPr lang="en-US" sz="2000"/>
-              <a:t>Spring 2022</a:t>
+              <a:rPr lang="en-US" sz="2000" dirty="0"/>
+              <a:t>Spring 2023</a:t>
             </a:r>
           </a:p>
         </p:txBody>
@@ -17291,10 +17292,5606 @@
           </a:p>
         </p:txBody>
       </p:sp>
+      <p:sp>
+        <p:nvSpPr>
+          <p:cNvPr id="3" name="TextBox 2">
+            <a:extLst>
+              <a:ext uri="{FF2B5EF4-FFF2-40B4-BE49-F238E27FC236}">
+                <a16:creationId xmlns:a16="http://schemas.microsoft.com/office/drawing/2014/main" id="{B1E81B59-BFF1-0B47-6B7E-DB960C8866BC}"/>
+              </a:ext>
+            </a:extLst>
+          </p:cNvPr>
+          <p:cNvSpPr txBox="1"/>
+          <p:nvPr/>
+        </p:nvSpPr>
+        <p:spPr>
+          <a:xfrm>
+            <a:off x="3077592" y="3429000"/>
+            <a:ext cx="6036816" cy="707886"/>
+          </a:xfrm>
+          <a:prstGeom prst="rect">
+            <a:avLst/>
+          </a:prstGeom>
+          <a:noFill/>
+        </p:spPr>
+        <p:txBody>
+          <a:bodyPr wrap="square" rtlCol="0">
+            <a:spAutoFit/>
+          </a:bodyPr>
+          <a:lstStyle/>
+          <a:p>
+            <a:pPr algn="ctr"/>
+            <a:r>
+              <a:rPr lang="en-US" sz="4000" dirty="0" err="1"/>
+              <a:t>chaedri</a:t>
+            </a:r>
+            <a:r>
+              <a:rPr lang="en-US" sz="4000" dirty="0"/>
+              <a:t>/GIS714-PR-tests</a:t>
+            </a:r>
+          </a:p>
+        </p:txBody>
+      </p:sp>
     </p:spTree>
     <p:extLst>
       <p:ext uri="{BB962C8B-B14F-4D97-AF65-F5344CB8AC3E}">
         <p14:creationId xmlns:p14="http://schemas.microsoft.com/office/powerpoint/2010/main" val="1859978476"/>
+      </p:ext>
+    </p:extLst>
+  </p:cSld>
+  <p:clrMapOvr>
+    <a:masterClrMapping/>
+  </p:clrMapOvr>
+</p:sld>
+</file>
+
+<file path=ppt/slides/slide14.xml><?xml version="1.0" encoding="utf-8"?>
+<p:sld xmlns:a="http://schemas.openxmlformats.org/drawingml/2006/main" xmlns:r="http://schemas.openxmlformats.org/officeDocument/2006/relationships" xmlns:p="http://schemas.openxmlformats.org/presentationml/2006/main">
+  <p:cSld>
+    <p:spTree>
+      <p:nvGrpSpPr>
+        <p:cNvPr id="1" name=""/>
+        <p:cNvGrpSpPr/>
+        <p:nvPr/>
+      </p:nvGrpSpPr>
+      <p:grpSpPr>
+        <a:xfrm>
+          <a:off x="0" y="0"/>
+          <a:ext cx="0" cy="0"/>
+          <a:chOff x="0" y="0"/>
+          <a:chExt cx="0" cy="0"/>
+        </a:xfrm>
+      </p:grpSpPr>
+      <p:sp>
+        <p:nvSpPr>
+          <p:cNvPr id="2" name="Title 1">
+            <a:extLst>
+              <a:ext uri="{FF2B5EF4-FFF2-40B4-BE49-F238E27FC236}">
+                <a16:creationId xmlns:a16="http://schemas.microsoft.com/office/drawing/2014/main" id="{973E7029-9113-4FA7-B382-23B75856F2DB}"/>
+              </a:ext>
+            </a:extLst>
+          </p:cNvPr>
+          <p:cNvSpPr>
+            <a:spLocks noGrp="1"/>
+          </p:cNvSpPr>
+          <p:nvPr>
+            <p:ph type="title"/>
+          </p:nvPr>
+        </p:nvSpPr>
+        <p:spPr/>
+        <p:txBody>
+          <a:bodyPr/>
+          <a:lstStyle/>
+          <a:p>
+            <a:r>
+              <a:rPr lang="en-US" dirty="0"/>
+              <a:t>Collaborating with GitHub</a:t>
+            </a:r>
+          </a:p>
+        </p:txBody>
+      </p:sp>
+      <p:grpSp>
+        <p:nvGrpSpPr>
+          <p:cNvPr id="7" name="Group 6">
+            <a:extLst>
+              <a:ext uri="{FF2B5EF4-FFF2-40B4-BE49-F238E27FC236}">
+                <a16:creationId xmlns:a16="http://schemas.microsoft.com/office/drawing/2014/main" id="{4922D0CB-4731-46FC-9CCB-8A5C3DFA01FE}"/>
+              </a:ext>
+            </a:extLst>
+          </p:cNvPr>
+          <p:cNvGrpSpPr/>
+          <p:nvPr/>
+        </p:nvGrpSpPr>
+        <p:grpSpPr>
+          <a:xfrm>
+            <a:off x="996927" y="2045400"/>
+            <a:ext cx="3530786" cy="1916447"/>
+            <a:chOff x="1288169" y="2742321"/>
+            <a:chExt cx="3530786" cy="1916447"/>
+          </a:xfrm>
+        </p:grpSpPr>
+        <p:sp>
+          <p:nvSpPr>
+            <p:cNvPr id="5" name="Rectangle: Rounded Corners 4">
+              <a:extLst>
+                <a:ext uri="{FF2B5EF4-FFF2-40B4-BE49-F238E27FC236}">
+                  <a16:creationId xmlns:a16="http://schemas.microsoft.com/office/drawing/2014/main" id="{3EB4245A-8B45-4F24-8CD3-D147E6CF5B5C}"/>
+                </a:ext>
+              </a:extLst>
+            </p:cNvPr>
+            <p:cNvSpPr/>
+            <p:nvPr/>
+          </p:nvSpPr>
+          <p:spPr>
+            <a:xfrm>
+              <a:off x="1288169" y="2742321"/>
+              <a:ext cx="3530786" cy="1916447"/>
+            </a:xfrm>
+            <a:prstGeom prst="roundRect">
+              <a:avLst/>
+            </a:prstGeom>
+            <a:solidFill>
+              <a:schemeClr val="accent4">
+                <a:lumMod val="20000"/>
+                <a:lumOff val="80000"/>
+              </a:schemeClr>
+            </a:solidFill>
+            <a:ln>
+              <a:solidFill>
+                <a:schemeClr val="accent4">
+                  <a:lumMod val="75000"/>
+                </a:schemeClr>
+              </a:solidFill>
+            </a:ln>
+          </p:spPr>
+          <p:style>
+            <a:lnRef idx="2">
+              <a:schemeClr val="accent1">
+                <a:shade val="50000"/>
+              </a:schemeClr>
+            </a:lnRef>
+            <a:fillRef idx="1">
+              <a:schemeClr val="accent1"/>
+            </a:fillRef>
+            <a:effectRef idx="0">
+              <a:schemeClr val="accent1"/>
+            </a:effectRef>
+            <a:fontRef idx="minor">
+              <a:schemeClr val="lt1"/>
+            </a:fontRef>
+          </p:style>
+          <p:txBody>
+            <a:bodyPr rtlCol="0" anchor="ctr"/>
+            <a:lstStyle/>
+            <a:p>
+              <a:pPr algn="ctr"/>
+              <a:endParaRPr lang="en-US" dirty="0"/>
+            </a:p>
+          </p:txBody>
+        </p:sp>
+        <p:grpSp>
+          <p:nvGrpSpPr>
+            <p:cNvPr id="75" name="Group 74">
+              <a:extLst>
+                <a:ext uri="{FF2B5EF4-FFF2-40B4-BE49-F238E27FC236}">
+                  <a16:creationId xmlns:a16="http://schemas.microsoft.com/office/drawing/2014/main" id="{2EA4EF90-890A-41AF-A33D-357E6F552A5E}"/>
+                </a:ext>
+              </a:extLst>
+            </p:cNvPr>
+            <p:cNvGrpSpPr/>
+            <p:nvPr/>
+          </p:nvGrpSpPr>
+          <p:grpSpPr>
+            <a:xfrm>
+              <a:off x="1639219" y="3735940"/>
+              <a:ext cx="2832597" cy="544109"/>
+              <a:chOff x="1539028" y="2693926"/>
+              <a:chExt cx="8499289" cy="1632614"/>
+            </a:xfrm>
+          </p:grpSpPr>
+          <p:cxnSp>
+            <p:nvCxnSpPr>
+              <p:cNvPr id="76" name="Straight Connector 75">
+                <a:extLst>
+                  <a:ext uri="{FF2B5EF4-FFF2-40B4-BE49-F238E27FC236}">
+                    <a16:creationId xmlns:a16="http://schemas.microsoft.com/office/drawing/2014/main" id="{2CA620EB-2161-4454-9A69-748A5EE0E48E}"/>
+                  </a:ext>
+                </a:extLst>
+              </p:cNvPr>
+              <p:cNvCxnSpPr>
+                <a:cxnSpLocks/>
+                <a:stCxn id="78" idx="6"/>
+                <a:endCxn id="82" idx="2"/>
+              </p:cNvCxnSpPr>
+              <p:nvPr/>
+            </p:nvCxnSpPr>
+            <p:spPr>
+              <a:xfrm flipV="1">
+                <a:off x="3288552" y="2990765"/>
+                <a:ext cx="548520" cy="1038936"/>
+              </a:xfrm>
+              <a:prstGeom prst="line">
+                <a:avLst/>
+              </a:prstGeom>
+              <a:ln w="38100">
+                <a:solidFill>
+                  <a:schemeClr val="accent6"/>
+                </a:solidFill>
+              </a:ln>
+            </p:spPr>
+            <p:style>
+              <a:lnRef idx="1">
+                <a:schemeClr val="accent1"/>
+              </a:lnRef>
+              <a:fillRef idx="0">
+                <a:schemeClr val="accent1"/>
+              </a:fillRef>
+              <a:effectRef idx="0">
+                <a:schemeClr val="accent1"/>
+              </a:effectRef>
+              <a:fontRef idx="minor">
+                <a:schemeClr val="tx1"/>
+              </a:fontRef>
+            </p:style>
+          </p:cxnSp>
+          <p:sp>
+            <p:nvSpPr>
+              <p:cNvPr id="77" name="Oval 76">
+                <a:extLst>
+                  <a:ext uri="{FF2B5EF4-FFF2-40B4-BE49-F238E27FC236}">
+                    <a16:creationId xmlns:a16="http://schemas.microsoft.com/office/drawing/2014/main" id="{0DBCBF3E-AC62-444E-8B12-73AC1B7697AA}"/>
+                  </a:ext>
+                </a:extLst>
+              </p:cNvPr>
+              <p:cNvSpPr/>
+              <p:nvPr/>
+            </p:nvSpPr>
+            <p:spPr>
+              <a:xfrm>
+                <a:off x="1539028" y="3732862"/>
+                <a:ext cx="600502" cy="593678"/>
+              </a:xfrm>
+              <a:prstGeom prst="ellipse">
+                <a:avLst/>
+              </a:prstGeom>
+            </p:spPr>
+            <p:style>
+              <a:lnRef idx="2">
+                <a:schemeClr val="accent1">
+                  <a:shade val="50000"/>
+                </a:schemeClr>
+              </a:lnRef>
+              <a:fillRef idx="1">
+                <a:schemeClr val="accent1"/>
+              </a:fillRef>
+              <a:effectRef idx="0">
+                <a:schemeClr val="accent1"/>
+              </a:effectRef>
+              <a:fontRef idx="minor">
+                <a:schemeClr val="lt1"/>
+              </a:fontRef>
+            </p:style>
+            <p:txBody>
+              <a:bodyPr rtlCol="0" anchor="ctr"/>
+              <a:lstStyle/>
+              <a:p>
+                <a:pPr algn="ctr"/>
+                <a:endParaRPr lang="en-US"/>
+              </a:p>
+            </p:txBody>
+          </p:sp>
+          <p:sp>
+            <p:nvSpPr>
+              <p:cNvPr id="78" name="Oval 77">
+                <a:extLst>
+                  <a:ext uri="{FF2B5EF4-FFF2-40B4-BE49-F238E27FC236}">
+                    <a16:creationId xmlns:a16="http://schemas.microsoft.com/office/drawing/2014/main" id="{40F45F4B-69F8-4128-8E7F-B5195CDF68D5}"/>
+                  </a:ext>
+                </a:extLst>
+              </p:cNvPr>
+              <p:cNvSpPr/>
+              <p:nvPr/>
+            </p:nvSpPr>
+            <p:spPr>
+              <a:xfrm>
+                <a:off x="2688050" y="3732862"/>
+                <a:ext cx="600502" cy="593678"/>
+              </a:xfrm>
+              <a:prstGeom prst="ellipse">
+                <a:avLst/>
+              </a:prstGeom>
+            </p:spPr>
+            <p:style>
+              <a:lnRef idx="2">
+                <a:schemeClr val="accent1">
+                  <a:shade val="50000"/>
+                </a:schemeClr>
+              </a:lnRef>
+              <a:fillRef idx="1">
+                <a:schemeClr val="accent1"/>
+              </a:fillRef>
+              <a:effectRef idx="0">
+                <a:schemeClr val="accent1"/>
+              </a:effectRef>
+              <a:fontRef idx="minor">
+                <a:schemeClr val="lt1"/>
+              </a:fontRef>
+            </p:style>
+            <p:txBody>
+              <a:bodyPr rtlCol="0" anchor="ctr"/>
+              <a:lstStyle/>
+              <a:p>
+                <a:pPr algn="ctr"/>
+                <a:endParaRPr lang="en-US"/>
+              </a:p>
+            </p:txBody>
+          </p:sp>
+          <p:cxnSp>
+            <p:nvCxnSpPr>
+              <p:cNvPr id="79" name="Straight Connector 78">
+                <a:extLst>
+                  <a:ext uri="{FF2B5EF4-FFF2-40B4-BE49-F238E27FC236}">
+                    <a16:creationId xmlns:a16="http://schemas.microsoft.com/office/drawing/2014/main" id="{48D6CF91-4C96-438F-9637-E9E050679D08}"/>
+                  </a:ext>
+                </a:extLst>
+              </p:cNvPr>
+              <p:cNvCxnSpPr>
+                <a:stCxn id="77" idx="6"/>
+                <a:endCxn id="78" idx="2"/>
+              </p:cNvCxnSpPr>
+              <p:nvPr/>
+            </p:nvCxnSpPr>
+            <p:spPr>
+              <a:xfrm>
+                <a:off x="2139530" y="4029701"/>
+                <a:ext cx="548520" cy="0"/>
+              </a:xfrm>
+              <a:prstGeom prst="line">
+                <a:avLst/>
+              </a:prstGeom>
+              <a:ln w="38100"/>
+            </p:spPr>
+            <p:style>
+              <a:lnRef idx="1">
+                <a:schemeClr val="accent1"/>
+              </a:lnRef>
+              <a:fillRef idx="0">
+                <a:schemeClr val="accent1"/>
+              </a:fillRef>
+              <a:effectRef idx="0">
+                <a:schemeClr val="accent1"/>
+              </a:effectRef>
+              <a:fontRef idx="minor">
+                <a:schemeClr val="tx1"/>
+              </a:fontRef>
+            </p:style>
+          </p:cxnSp>
+          <p:sp>
+            <p:nvSpPr>
+              <p:cNvPr id="80" name="Oval 79">
+                <a:extLst>
+                  <a:ext uri="{FF2B5EF4-FFF2-40B4-BE49-F238E27FC236}">
+                    <a16:creationId xmlns:a16="http://schemas.microsoft.com/office/drawing/2014/main" id="{8803113E-5E14-441F-AD4D-DDD21ABB3A88}"/>
+                  </a:ext>
+                </a:extLst>
+              </p:cNvPr>
+              <p:cNvSpPr/>
+              <p:nvPr/>
+            </p:nvSpPr>
+            <p:spPr>
+              <a:xfrm>
+                <a:off x="3837072" y="3732862"/>
+                <a:ext cx="600502" cy="593678"/>
+              </a:xfrm>
+              <a:prstGeom prst="ellipse">
+                <a:avLst/>
+              </a:prstGeom>
+            </p:spPr>
+            <p:style>
+              <a:lnRef idx="2">
+                <a:schemeClr val="accent1">
+                  <a:shade val="50000"/>
+                </a:schemeClr>
+              </a:lnRef>
+              <a:fillRef idx="1">
+                <a:schemeClr val="accent1"/>
+              </a:fillRef>
+              <a:effectRef idx="0">
+                <a:schemeClr val="accent1"/>
+              </a:effectRef>
+              <a:fontRef idx="minor">
+                <a:schemeClr val="lt1"/>
+              </a:fontRef>
+            </p:style>
+            <p:txBody>
+              <a:bodyPr rtlCol="0" anchor="ctr"/>
+              <a:lstStyle/>
+              <a:p>
+                <a:pPr algn="ctr"/>
+                <a:endParaRPr lang="en-US"/>
+              </a:p>
+            </p:txBody>
+          </p:sp>
+          <p:cxnSp>
+            <p:nvCxnSpPr>
+              <p:cNvPr id="81" name="Straight Connector 80">
+                <a:extLst>
+                  <a:ext uri="{FF2B5EF4-FFF2-40B4-BE49-F238E27FC236}">
+                    <a16:creationId xmlns:a16="http://schemas.microsoft.com/office/drawing/2014/main" id="{05C73231-B436-4A6B-948E-D0D15C82354C}"/>
+                  </a:ext>
+                </a:extLst>
+              </p:cNvPr>
+              <p:cNvCxnSpPr>
+                <a:endCxn id="80" idx="2"/>
+              </p:cNvCxnSpPr>
+              <p:nvPr/>
+            </p:nvCxnSpPr>
+            <p:spPr>
+              <a:xfrm>
+                <a:off x="3288552" y="4029701"/>
+                <a:ext cx="548520" cy="0"/>
+              </a:xfrm>
+              <a:prstGeom prst="line">
+                <a:avLst/>
+              </a:prstGeom>
+              <a:ln w="38100"/>
+            </p:spPr>
+            <p:style>
+              <a:lnRef idx="1">
+                <a:schemeClr val="accent1"/>
+              </a:lnRef>
+              <a:fillRef idx="0">
+                <a:schemeClr val="accent1"/>
+              </a:fillRef>
+              <a:effectRef idx="0">
+                <a:schemeClr val="accent1"/>
+              </a:effectRef>
+              <a:fontRef idx="minor">
+                <a:schemeClr val="tx1"/>
+              </a:fontRef>
+            </p:style>
+          </p:cxnSp>
+          <p:sp>
+            <p:nvSpPr>
+              <p:cNvPr id="82" name="Oval 81">
+                <a:extLst>
+                  <a:ext uri="{FF2B5EF4-FFF2-40B4-BE49-F238E27FC236}">
+                    <a16:creationId xmlns:a16="http://schemas.microsoft.com/office/drawing/2014/main" id="{C23909E8-EED5-4E67-91F8-26AC50D61863}"/>
+                  </a:ext>
+                </a:extLst>
+              </p:cNvPr>
+              <p:cNvSpPr/>
+              <p:nvPr/>
+            </p:nvSpPr>
+            <p:spPr>
+              <a:xfrm>
+                <a:off x="3837072" y="2693926"/>
+                <a:ext cx="600502" cy="593678"/>
+              </a:xfrm>
+              <a:prstGeom prst="ellipse">
+                <a:avLst/>
+              </a:prstGeom>
+              <a:solidFill>
+                <a:schemeClr val="accent6">
+                  <a:lumMod val="60000"/>
+                  <a:lumOff val="40000"/>
+                </a:schemeClr>
+              </a:solidFill>
+              <a:ln>
+                <a:solidFill>
+                  <a:schemeClr val="accent6">
+                    <a:lumMod val="75000"/>
+                  </a:schemeClr>
+                </a:solidFill>
+              </a:ln>
+            </p:spPr>
+            <p:style>
+              <a:lnRef idx="2">
+                <a:schemeClr val="accent1">
+                  <a:shade val="50000"/>
+                </a:schemeClr>
+              </a:lnRef>
+              <a:fillRef idx="1">
+                <a:schemeClr val="accent1"/>
+              </a:fillRef>
+              <a:effectRef idx="0">
+                <a:schemeClr val="accent1"/>
+              </a:effectRef>
+              <a:fontRef idx="minor">
+                <a:schemeClr val="lt1"/>
+              </a:fontRef>
+            </p:style>
+            <p:txBody>
+              <a:bodyPr rtlCol="0" anchor="ctr"/>
+              <a:lstStyle/>
+              <a:p>
+                <a:pPr algn="ctr"/>
+                <a:endParaRPr lang="en-US"/>
+              </a:p>
+            </p:txBody>
+          </p:sp>
+          <p:sp>
+            <p:nvSpPr>
+              <p:cNvPr id="83" name="Oval 82">
+                <a:extLst>
+                  <a:ext uri="{FF2B5EF4-FFF2-40B4-BE49-F238E27FC236}">
+                    <a16:creationId xmlns:a16="http://schemas.microsoft.com/office/drawing/2014/main" id="{80150F1A-FFCC-4418-BE49-25E4ADE0C395}"/>
+                  </a:ext>
+                </a:extLst>
+              </p:cNvPr>
+              <p:cNvSpPr/>
+              <p:nvPr/>
+            </p:nvSpPr>
+            <p:spPr>
+              <a:xfrm>
+                <a:off x="4986094" y="2693926"/>
+                <a:ext cx="600502" cy="593678"/>
+              </a:xfrm>
+              <a:prstGeom prst="ellipse">
+                <a:avLst/>
+              </a:prstGeom>
+              <a:solidFill>
+                <a:schemeClr val="accent6">
+                  <a:lumMod val="60000"/>
+                  <a:lumOff val="40000"/>
+                </a:schemeClr>
+              </a:solidFill>
+              <a:ln>
+                <a:solidFill>
+                  <a:schemeClr val="accent6">
+                    <a:lumMod val="75000"/>
+                  </a:schemeClr>
+                </a:solidFill>
+              </a:ln>
+            </p:spPr>
+            <p:style>
+              <a:lnRef idx="2">
+                <a:schemeClr val="accent1">
+                  <a:shade val="50000"/>
+                </a:schemeClr>
+              </a:lnRef>
+              <a:fillRef idx="1">
+                <a:schemeClr val="accent1"/>
+              </a:fillRef>
+              <a:effectRef idx="0">
+                <a:schemeClr val="accent1"/>
+              </a:effectRef>
+              <a:fontRef idx="minor">
+                <a:schemeClr val="lt1"/>
+              </a:fontRef>
+            </p:style>
+            <p:txBody>
+              <a:bodyPr rtlCol="0" anchor="ctr"/>
+              <a:lstStyle/>
+              <a:p>
+                <a:pPr algn="ctr"/>
+                <a:endParaRPr lang="en-US"/>
+              </a:p>
+            </p:txBody>
+          </p:sp>
+          <p:cxnSp>
+            <p:nvCxnSpPr>
+              <p:cNvPr id="84" name="Straight Connector 83">
+                <a:extLst>
+                  <a:ext uri="{FF2B5EF4-FFF2-40B4-BE49-F238E27FC236}">
+                    <a16:creationId xmlns:a16="http://schemas.microsoft.com/office/drawing/2014/main" id="{3EE99F96-0A7E-4F35-A28B-83A9F9ED8DAC}"/>
+                  </a:ext>
+                </a:extLst>
+              </p:cNvPr>
+              <p:cNvCxnSpPr>
+                <a:endCxn id="83" idx="2"/>
+              </p:cNvCxnSpPr>
+              <p:nvPr/>
+            </p:nvCxnSpPr>
+            <p:spPr>
+              <a:xfrm>
+                <a:off x="4437574" y="2990765"/>
+                <a:ext cx="548520" cy="0"/>
+              </a:xfrm>
+              <a:prstGeom prst="line">
+                <a:avLst/>
+              </a:prstGeom>
+              <a:ln w="38100">
+                <a:solidFill>
+                  <a:schemeClr val="accent6">
+                    <a:lumMod val="75000"/>
+                  </a:schemeClr>
+                </a:solidFill>
+              </a:ln>
+            </p:spPr>
+            <p:style>
+              <a:lnRef idx="1">
+                <a:schemeClr val="accent1"/>
+              </a:lnRef>
+              <a:fillRef idx="0">
+                <a:schemeClr val="accent1"/>
+              </a:fillRef>
+              <a:effectRef idx="0">
+                <a:schemeClr val="accent1"/>
+              </a:effectRef>
+              <a:fontRef idx="minor">
+                <a:schemeClr val="tx1"/>
+              </a:fontRef>
+            </p:style>
+          </p:cxnSp>
+          <p:sp>
+            <p:nvSpPr>
+              <p:cNvPr id="85" name="Oval 84">
+                <a:extLst>
+                  <a:ext uri="{FF2B5EF4-FFF2-40B4-BE49-F238E27FC236}">
+                    <a16:creationId xmlns:a16="http://schemas.microsoft.com/office/drawing/2014/main" id="{B5908D68-1734-4BF4-B1E8-A29269B040DD}"/>
+                  </a:ext>
+                </a:extLst>
+              </p:cNvPr>
+              <p:cNvSpPr/>
+              <p:nvPr/>
+            </p:nvSpPr>
+            <p:spPr>
+              <a:xfrm>
+                <a:off x="4986094" y="3732862"/>
+                <a:ext cx="600502" cy="593678"/>
+              </a:xfrm>
+              <a:prstGeom prst="ellipse">
+                <a:avLst/>
+              </a:prstGeom>
+            </p:spPr>
+            <p:style>
+              <a:lnRef idx="2">
+                <a:schemeClr val="accent1">
+                  <a:shade val="50000"/>
+                </a:schemeClr>
+              </a:lnRef>
+              <a:fillRef idx="1">
+                <a:schemeClr val="accent1"/>
+              </a:fillRef>
+              <a:effectRef idx="0">
+                <a:schemeClr val="accent1"/>
+              </a:effectRef>
+              <a:fontRef idx="minor">
+                <a:schemeClr val="lt1"/>
+              </a:fontRef>
+            </p:style>
+            <p:txBody>
+              <a:bodyPr rtlCol="0" anchor="ctr"/>
+              <a:lstStyle/>
+              <a:p>
+                <a:pPr algn="ctr"/>
+                <a:endParaRPr lang="en-US"/>
+              </a:p>
+            </p:txBody>
+          </p:sp>
+          <p:cxnSp>
+            <p:nvCxnSpPr>
+              <p:cNvPr id="86" name="Straight Connector 85">
+                <a:extLst>
+                  <a:ext uri="{FF2B5EF4-FFF2-40B4-BE49-F238E27FC236}">
+                    <a16:creationId xmlns:a16="http://schemas.microsoft.com/office/drawing/2014/main" id="{680EB633-5217-4C18-ACA3-EDC3F8B03584}"/>
+                  </a:ext>
+                </a:extLst>
+              </p:cNvPr>
+              <p:cNvCxnSpPr>
+                <a:cxnSpLocks/>
+                <a:stCxn id="80" idx="6"/>
+                <a:endCxn id="85" idx="2"/>
+              </p:cNvCxnSpPr>
+              <p:nvPr/>
+            </p:nvCxnSpPr>
+            <p:spPr>
+              <a:xfrm>
+                <a:off x="4437574" y="4029701"/>
+                <a:ext cx="548520" cy="0"/>
+              </a:xfrm>
+              <a:prstGeom prst="line">
+                <a:avLst/>
+              </a:prstGeom>
+              <a:ln w="38100"/>
+            </p:spPr>
+            <p:style>
+              <a:lnRef idx="1">
+                <a:schemeClr val="accent1"/>
+              </a:lnRef>
+              <a:fillRef idx="0">
+                <a:schemeClr val="accent1"/>
+              </a:fillRef>
+              <a:effectRef idx="0">
+                <a:schemeClr val="accent1"/>
+              </a:effectRef>
+              <a:fontRef idx="minor">
+                <a:schemeClr val="tx1"/>
+              </a:fontRef>
+            </p:style>
+          </p:cxnSp>
+          <p:sp>
+            <p:nvSpPr>
+              <p:cNvPr id="87" name="Oval 86">
+                <a:extLst>
+                  <a:ext uri="{FF2B5EF4-FFF2-40B4-BE49-F238E27FC236}">
+                    <a16:creationId xmlns:a16="http://schemas.microsoft.com/office/drawing/2014/main" id="{E1FE3B5D-A477-4D5A-B8BC-916C79956186}"/>
+                  </a:ext>
+                </a:extLst>
+              </p:cNvPr>
+              <p:cNvSpPr/>
+              <p:nvPr/>
+            </p:nvSpPr>
+            <p:spPr>
+              <a:xfrm>
+                <a:off x="6135116" y="2693926"/>
+                <a:ext cx="600502" cy="593678"/>
+              </a:xfrm>
+              <a:prstGeom prst="ellipse">
+                <a:avLst/>
+              </a:prstGeom>
+              <a:solidFill>
+                <a:schemeClr val="accent6">
+                  <a:lumMod val="60000"/>
+                  <a:lumOff val="40000"/>
+                </a:schemeClr>
+              </a:solidFill>
+              <a:ln>
+                <a:solidFill>
+                  <a:schemeClr val="accent6">
+                    <a:lumMod val="75000"/>
+                  </a:schemeClr>
+                </a:solidFill>
+              </a:ln>
+            </p:spPr>
+            <p:style>
+              <a:lnRef idx="2">
+                <a:schemeClr val="accent1">
+                  <a:shade val="50000"/>
+                </a:schemeClr>
+              </a:lnRef>
+              <a:fillRef idx="1">
+                <a:schemeClr val="accent1"/>
+              </a:fillRef>
+              <a:effectRef idx="0">
+                <a:schemeClr val="accent1"/>
+              </a:effectRef>
+              <a:fontRef idx="minor">
+                <a:schemeClr val="lt1"/>
+              </a:fontRef>
+            </p:style>
+            <p:txBody>
+              <a:bodyPr rtlCol="0" anchor="ctr"/>
+              <a:lstStyle/>
+              <a:p>
+                <a:pPr algn="ctr"/>
+                <a:endParaRPr lang="en-US"/>
+              </a:p>
+            </p:txBody>
+          </p:sp>
+          <p:cxnSp>
+            <p:nvCxnSpPr>
+              <p:cNvPr id="88" name="Straight Connector 87">
+                <a:extLst>
+                  <a:ext uri="{FF2B5EF4-FFF2-40B4-BE49-F238E27FC236}">
+                    <a16:creationId xmlns:a16="http://schemas.microsoft.com/office/drawing/2014/main" id="{886CD127-EA75-4206-9067-38252B3BE48F}"/>
+                  </a:ext>
+                </a:extLst>
+              </p:cNvPr>
+              <p:cNvCxnSpPr>
+                <a:endCxn id="87" idx="2"/>
+              </p:cNvCxnSpPr>
+              <p:nvPr/>
+            </p:nvCxnSpPr>
+            <p:spPr>
+              <a:xfrm>
+                <a:off x="5586596" y="2990765"/>
+                <a:ext cx="548520" cy="0"/>
+              </a:xfrm>
+              <a:prstGeom prst="line">
+                <a:avLst/>
+              </a:prstGeom>
+              <a:ln w="38100">
+                <a:solidFill>
+                  <a:schemeClr val="accent6">
+                    <a:lumMod val="75000"/>
+                  </a:schemeClr>
+                </a:solidFill>
+              </a:ln>
+            </p:spPr>
+            <p:style>
+              <a:lnRef idx="1">
+                <a:schemeClr val="accent1"/>
+              </a:lnRef>
+              <a:fillRef idx="0">
+                <a:schemeClr val="accent1"/>
+              </a:fillRef>
+              <a:effectRef idx="0">
+                <a:schemeClr val="accent1"/>
+              </a:effectRef>
+              <a:fontRef idx="minor">
+                <a:schemeClr val="tx1"/>
+              </a:fontRef>
+            </p:style>
+          </p:cxnSp>
+          <p:sp>
+            <p:nvSpPr>
+              <p:cNvPr id="89" name="Oval 88">
+                <a:extLst>
+                  <a:ext uri="{FF2B5EF4-FFF2-40B4-BE49-F238E27FC236}">
+                    <a16:creationId xmlns:a16="http://schemas.microsoft.com/office/drawing/2014/main" id="{2B6306F0-20B9-4D4F-A1E1-93BDF201F5D3}"/>
+                  </a:ext>
+                </a:extLst>
+              </p:cNvPr>
+              <p:cNvSpPr/>
+              <p:nvPr/>
+            </p:nvSpPr>
+            <p:spPr>
+              <a:xfrm>
+                <a:off x="7284138" y="2693926"/>
+                <a:ext cx="600502" cy="593678"/>
+              </a:xfrm>
+              <a:prstGeom prst="ellipse">
+                <a:avLst/>
+              </a:prstGeom>
+              <a:solidFill>
+                <a:schemeClr val="accent6">
+                  <a:lumMod val="60000"/>
+                  <a:lumOff val="40000"/>
+                </a:schemeClr>
+              </a:solidFill>
+              <a:ln>
+                <a:solidFill>
+                  <a:schemeClr val="accent6">
+                    <a:lumMod val="75000"/>
+                  </a:schemeClr>
+                </a:solidFill>
+              </a:ln>
+            </p:spPr>
+            <p:style>
+              <a:lnRef idx="2">
+                <a:schemeClr val="accent1">
+                  <a:shade val="50000"/>
+                </a:schemeClr>
+              </a:lnRef>
+              <a:fillRef idx="1">
+                <a:schemeClr val="accent1"/>
+              </a:fillRef>
+              <a:effectRef idx="0">
+                <a:schemeClr val="accent1"/>
+              </a:effectRef>
+              <a:fontRef idx="minor">
+                <a:schemeClr val="lt1"/>
+              </a:fontRef>
+            </p:style>
+            <p:txBody>
+              <a:bodyPr rtlCol="0" anchor="ctr"/>
+              <a:lstStyle/>
+              <a:p>
+                <a:pPr algn="ctr"/>
+                <a:endParaRPr lang="en-US"/>
+              </a:p>
+            </p:txBody>
+          </p:sp>
+          <p:cxnSp>
+            <p:nvCxnSpPr>
+              <p:cNvPr id="90" name="Straight Connector 89">
+                <a:extLst>
+                  <a:ext uri="{FF2B5EF4-FFF2-40B4-BE49-F238E27FC236}">
+                    <a16:creationId xmlns:a16="http://schemas.microsoft.com/office/drawing/2014/main" id="{32C5CB0B-B94E-4F24-AD14-B07D4F067F2A}"/>
+                  </a:ext>
+                </a:extLst>
+              </p:cNvPr>
+              <p:cNvCxnSpPr>
+                <a:endCxn id="89" idx="2"/>
+              </p:cNvCxnSpPr>
+              <p:nvPr/>
+            </p:nvCxnSpPr>
+            <p:spPr>
+              <a:xfrm>
+                <a:off x="6735618" y="2990765"/>
+                <a:ext cx="548520" cy="0"/>
+              </a:xfrm>
+              <a:prstGeom prst="line">
+                <a:avLst/>
+              </a:prstGeom>
+              <a:ln w="38100">
+                <a:solidFill>
+                  <a:schemeClr val="accent6">
+                    <a:lumMod val="75000"/>
+                  </a:schemeClr>
+                </a:solidFill>
+              </a:ln>
+            </p:spPr>
+            <p:style>
+              <a:lnRef idx="1">
+                <a:schemeClr val="accent1"/>
+              </a:lnRef>
+              <a:fillRef idx="0">
+                <a:schemeClr val="accent1"/>
+              </a:fillRef>
+              <a:effectRef idx="0">
+                <a:schemeClr val="accent1"/>
+              </a:effectRef>
+              <a:fontRef idx="minor">
+                <a:schemeClr val="tx1"/>
+              </a:fontRef>
+            </p:style>
+          </p:cxnSp>
+          <p:cxnSp>
+            <p:nvCxnSpPr>
+              <p:cNvPr id="91" name="Straight Connector 90">
+                <a:extLst>
+                  <a:ext uri="{FF2B5EF4-FFF2-40B4-BE49-F238E27FC236}">
+                    <a16:creationId xmlns:a16="http://schemas.microsoft.com/office/drawing/2014/main" id="{8DA50C77-B3B7-48E4-9DA3-7595758FA8FC}"/>
+                  </a:ext>
+                </a:extLst>
+              </p:cNvPr>
+              <p:cNvCxnSpPr>
+                <a:cxnSpLocks/>
+                <a:stCxn id="85" idx="6"/>
+                <a:endCxn id="92" idx="2"/>
+              </p:cNvCxnSpPr>
+              <p:nvPr/>
+            </p:nvCxnSpPr>
+            <p:spPr>
+              <a:xfrm flipV="1">
+                <a:off x="5586596" y="4020765"/>
+                <a:ext cx="2696400" cy="8936"/>
+              </a:xfrm>
+              <a:prstGeom prst="line">
+                <a:avLst/>
+              </a:prstGeom>
+              <a:ln w="38100"/>
+            </p:spPr>
+            <p:style>
+              <a:lnRef idx="1">
+                <a:schemeClr val="accent1"/>
+              </a:lnRef>
+              <a:fillRef idx="0">
+                <a:schemeClr val="accent1"/>
+              </a:fillRef>
+              <a:effectRef idx="0">
+                <a:schemeClr val="accent1"/>
+              </a:effectRef>
+              <a:fontRef idx="minor">
+                <a:schemeClr val="tx1"/>
+              </a:fontRef>
+            </p:style>
+          </p:cxnSp>
+          <p:sp>
+            <p:nvSpPr>
+              <p:cNvPr id="92" name="Oval 91">
+                <a:extLst>
+                  <a:ext uri="{FF2B5EF4-FFF2-40B4-BE49-F238E27FC236}">
+                    <a16:creationId xmlns:a16="http://schemas.microsoft.com/office/drawing/2014/main" id="{D5003A55-01F9-4AF4-844B-416A62D43207}"/>
+                  </a:ext>
+                </a:extLst>
+              </p:cNvPr>
+              <p:cNvSpPr/>
+              <p:nvPr/>
+            </p:nvSpPr>
+            <p:spPr>
+              <a:xfrm>
+                <a:off x="8282996" y="3723926"/>
+                <a:ext cx="600502" cy="593678"/>
+              </a:xfrm>
+              <a:prstGeom prst="ellipse">
+                <a:avLst/>
+              </a:prstGeom>
+            </p:spPr>
+            <p:style>
+              <a:lnRef idx="2">
+                <a:schemeClr val="accent1">
+                  <a:shade val="50000"/>
+                </a:schemeClr>
+              </a:lnRef>
+              <a:fillRef idx="1">
+                <a:schemeClr val="accent1"/>
+              </a:fillRef>
+              <a:effectRef idx="0">
+                <a:schemeClr val="accent1"/>
+              </a:effectRef>
+              <a:fontRef idx="minor">
+                <a:schemeClr val="lt1"/>
+              </a:fontRef>
+            </p:style>
+            <p:txBody>
+              <a:bodyPr rtlCol="0" anchor="ctr"/>
+              <a:lstStyle/>
+              <a:p>
+                <a:pPr algn="ctr"/>
+                <a:endParaRPr lang="en-US"/>
+              </a:p>
+            </p:txBody>
+          </p:sp>
+          <p:cxnSp>
+            <p:nvCxnSpPr>
+              <p:cNvPr id="93" name="Straight Connector 92">
+                <a:extLst>
+                  <a:ext uri="{FF2B5EF4-FFF2-40B4-BE49-F238E27FC236}">
+                    <a16:creationId xmlns:a16="http://schemas.microsoft.com/office/drawing/2014/main" id="{98152E51-D69F-46FC-858C-47DDF1A7BBBE}"/>
+                  </a:ext>
+                </a:extLst>
+              </p:cNvPr>
+              <p:cNvCxnSpPr>
+                <a:cxnSpLocks/>
+                <a:stCxn id="89" idx="6"/>
+                <a:endCxn id="92" idx="2"/>
+              </p:cNvCxnSpPr>
+              <p:nvPr/>
+            </p:nvCxnSpPr>
+            <p:spPr>
+              <a:xfrm>
+                <a:off x="7884640" y="2990765"/>
+                <a:ext cx="398356" cy="1030000"/>
+              </a:xfrm>
+              <a:prstGeom prst="line">
+                <a:avLst/>
+              </a:prstGeom>
+              <a:ln w="38100">
+                <a:solidFill>
+                  <a:schemeClr val="accent6">
+                    <a:lumMod val="75000"/>
+                  </a:schemeClr>
+                </a:solidFill>
+              </a:ln>
+            </p:spPr>
+            <p:style>
+              <a:lnRef idx="1">
+                <a:schemeClr val="accent1"/>
+              </a:lnRef>
+              <a:fillRef idx="0">
+                <a:schemeClr val="accent1"/>
+              </a:fillRef>
+              <a:effectRef idx="0">
+                <a:schemeClr val="accent1"/>
+              </a:effectRef>
+              <a:fontRef idx="minor">
+                <a:schemeClr val="tx1"/>
+              </a:fontRef>
+            </p:style>
+          </p:cxnSp>
+          <p:sp>
+            <p:nvSpPr>
+              <p:cNvPr id="94" name="Oval 93">
+                <a:extLst>
+                  <a:ext uri="{FF2B5EF4-FFF2-40B4-BE49-F238E27FC236}">
+                    <a16:creationId xmlns:a16="http://schemas.microsoft.com/office/drawing/2014/main" id="{11C3285E-CEB0-4580-98AF-CF11B0412A45}"/>
+                  </a:ext>
+                </a:extLst>
+              </p:cNvPr>
+              <p:cNvSpPr/>
+              <p:nvPr/>
+            </p:nvSpPr>
+            <p:spPr>
+              <a:xfrm>
+                <a:off x="9437815" y="3732862"/>
+                <a:ext cx="600502" cy="593678"/>
+              </a:xfrm>
+              <a:prstGeom prst="ellipse">
+                <a:avLst/>
+              </a:prstGeom>
+            </p:spPr>
+            <p:style>
+              <a:lnRef idx="2">
+                <a:schemeClr val="accent1">
+                  <a:shade val="50000"/>
+                </a:schemeClr>
+              </a:lnRef>
+              <a:fillRef idx="1">
+                <a:schemeClr val="accent1"/>
+              </a:fillRef>
+              <a:effectRef idx="0">
+                <a:schemeClr val="accent1"/>
+              </a:effectRef>
+              <a:fontRef idx="minor">
+                <a:schemeClr val="lt1"/>
+              </a:fontRef>
+            </p:style>
+            <p:txBody>
+              <a:bodyPr rtlCol="0" anchor="ctr"/>
+              <a:lstStyle/>
+              <a:p>
+                <a:pPr algn="ctr"/>
+                <a:endParaRPr lang="en-US"/>
+              </a:p>
+            </p:txBody>
+          </p:sp>
+          <p:cxnSp>
+            <p:nvCxnSpPr>
+              <p:cNvPr id="95" name="Straight Connector 94">
+                <a:extLst>
+                  <a:ext uri="{FF2B5EF4-FFF2-40B4-BE49-F238E27FC236}">
+                    <a16:creationId xmlns:a16="http://schemas.microsoft.com/office/drawing/2014/main" id="{15505034-6C3A-4845-83F9-A6D273B4561B}"/>
+                  </a:ext>
+                </a:extLst>
+              </p:cNvPr>
+              <p:cNvCxnSpPr>
+                <a:cxnSpLocks/>
+                <a:endCxn id="94" idx="2"/>
+              </p:cNvCxnSpPr>
+              <p:nvPr/>
+            </p:nvCxnSpPr>
+            <p:spPr>
+              <a:xfrm>
+                <a:off x="8889295" y="4029701"/>
+                <a:ext cx="548520" cy="0"/>
+              </a:xfrm>
+              <a:prstGeom prst="line">
+                <a:avLst/>
+              </a:prstGeom>
+              <a:ln w="38100"/>
+            </p:spPr>
+            <p:style>
+              <a:lnRef idx="1">
+                <a:schemeClr val="accent1"/>
+              </a:lnRef>
+              <a:fillRef idx="0">
+                <a:schemeClr val="accent1"/>
+              </a:fillRef>
+              <a:effectRef idx="0">
+                <a:schemeClr val="accent1"/>
+              </a:effectRef>
+              <a:fontRef idx="minor">
+                <a:schemeClr val="tx1"/>
+              </a:fontRef>
+            </p:style>
+          </p:cxnSp>
+        </p:grpSp>
+        <p:sp>
+          <p:nvSpPr>
+            <p:cNvPr id="98" name="TextBox 97">
+              <a:extLst>
+                <a:ext uri="{FF2B5EF4-FFF2-40B4-BE49-F238E27FC236}">
+                  <a16:creationId xmlns:a16="http://schemas.microsoft.com/office/drawing/2014/main" id="{C5790EAA-0941-4BD3-9E58-0BDA52A5E380}"/>
+                </a:ext>
+              </a:extLst>
+            </p:cNvPr>
+            <p:cNvSpPr txBox="1"/>
+            <p:nvPr/>
+          </p:nvSpPr>
+          <p:spPr>
+            <a:xfrm>
+              <a:off x="1447309" y="2881339"/>
+              <a:ext cx="2803019" cy="338554"/>
+            </a:xfrm>
+            <a:prstGeom prst="rect">
+              <a:avLst/>
+            </a:prstGeom>
+            <a:noFill/>
+          </p:spPr>
+          <p:txBody>
+            <a:bodyPr wrap="square" rtlCol="0">
+              <a:spAutoFit/>
+            </a:bodyPr>
+            <a:lstStyle/>
+            <a:p>
+              <a:r>
+                <a:rPr lang="en-US" sz="1600" dirty="0" err="1"/>
+                <a:t>chaedri</a:t>
+              </a:r>
+              <a:r>
+                <a:rPr lang="en-US" sz="1600" dirty="0"/>
+                <a:t>/GIS714-PR-tests</a:t>
+              </a:r>
+            </a:p>
+          </p:txBody>
+        </p:sp>
+      </p:grpSp>
+      <p:sp>
+        <p:nvSpPr>
+          <p:cNvPr id="99" name="Arrow: Down 98">
+            <a:extLst>
+              <a:ext uri="{FF2B5EF4-FFF2-40B4-BE49-F238E27FC236}">
+                <a16:creationId xmlns:a16="http://schemas.microsoft.com/office/drawing/2014/main" id="{FFB44D03-8FDD-4682-B5AE-421A786FFEE1}"/>
+              </a:ext>
+            </a:extLst>
+          </p:cNvPr>
+          <p:cNvSpPr/>
+          <p:nvPr/>
+        </p:nvSpPr>
+        <p:spPr>
+          <a:xfrm rot="16200000">
+            <a:off x="5811241" y="1601690"/>
+            <a:ext cx="425597" cy="2226772"/>
+          </a:xfrm>
+          <a:prstGeom prst="downArrow">
+            <a:avLst/>
+          </a:prstGeom>
+          <a:solidFill>
+            <a:schemeClr val="bg2">
+              <a:lumMod val="50000"/>
+            </a:schemeClr>
+          </a:solidFill>
+          <a:ln>
+            <a:solidFill>
+              <a:schemeClr val="bg2">
+                <a:lumMod val="10000"/>
+              </a:schemeClr>
+            </a:solidFill>
+          </a:ln>
+        </p:spPr>
+        <p:style>
+          <a:lnRef idx="2">
+            <a:schemeClr val="accent1">
+              <a:shade val="50000"/>
+            </a:schemeClr>
+          </a:lnRef>
+          <a:fillRef idx="1">
+            <a:schemeClr val="accent1"/>
+          </a:fillRef>
+          <a:effectRef idx="0">
+            <a:schemeClr val="accent1"/>
+          </a:effectRef>
+          <a:fontRef idx="minor">
+            <a:schemeClr val="lt1"/>
+          </a:fontRef>
+        </p:style>
+        <p:txBody>
+          <a:bodyPr rtlCol="0" anchor="ctr"/>
+          <a:lstStyle/>
+          <a:p>
+            <a:pPr algn="ctr"/>
+            <a:endParaRPr lang="en-US"/>
+          </a:p>
+        </p:txBody>
+      </p:sp>
+      <p:grpSp>
+        <p:nvGrpSpPr>
+          <p:cNvPr id="100" name="Group 99">
+            <a:extLst>
+              <a:ext uri="{FF2B5EF4-FFF2-40B4-BE49-F238E27FC236}">
+                <a16:creationId xmlns:a16="http://schemas.microsoft.com/office/drawing/2014/main" id="{7431E236-F044-4965-8092-514209C3D8E9}"/>
+              </a:ext>
+            </a:extLst>
+          </p:cNvPr>
+          <p:cNvGrpSpPr/>
+          <p:nvPr/>
+        </p:nvGrpSpPr>
+        <p:grpSpPr>
+          <a:xfrm>
+            <a:off x="7435129" y="2080795"/>
+            <a:ext cx="3530786" cy="1916447"/>
+            <a:chOff x="1288169" y="2742321"/>
+            <a:chExt cx="3530786" cy="1916447"/>
+          </a:xfrm>
+        </p:grpSpPr>
+        <p:sp>
+          <p:nvSpPr>
+            <p:cNvPr id="101" name="Rectangle: Rounded Corners 100">
+              <a:extLst>
+                <a:ext uri="{FF2B5EF4-FFF2-40B4-BE49-F238E27FC236}">
+                  <a16:creationId xmlns:a16="http://schemas.microsoft.com/office/drawing/2014/main" id="{E49858BB-05B9-477E-A597-FEA713E582C7}"/>
+                </a:ext>
+              </a:extLst>
+            </p:cNvPr>
+            <p:cNvSpPr/>
+            <p:nvPr/>
+          </p:nvSpPr>
+          <p:spPr>
+            <a:xfrm>
+              <a:off x="1288169" y="2742321"/>
+              <a:ext cx="3530786" cy="1916447"/>
+            </a:xfrm>
+            <a:prstGeom prst="roundRect">
+              <a:avLst/>
+            </a:prstGeom>
+            <a:solidFill>
+              <a:schemeClr val="accent4">
+                <a:lumMod val="20000"/>
+                <a:lumOff val="80000"/>
+              </a:schemeClr>
+            </a:solidFill>
+            <a:ln>
+              <a:solidFill>
+                <a:schemeClr val="accent4">
+                  <a:lumMod val="75000"/>
+                </a:schemeClr>
+              </a:solidFill>
+            </a:ln>
+          </p:spPr>
+          <p:style>
+            <a:lnRef idx="2">
+              <a:schemeClr val="accent1">
+                <a:shade val="50000"/>
+              </a:schemeClr>
+            </a:lnRef>
+            <a:fillRef idx="1">
+              <a:schemeClr val="accent1"/>
+            </a:fillRef>
+            <a:effectRef idx="0">
+              <a:schemeClr val="accent1"/>
+            </a:effectRef>
+            <a:fontRef idx="minor">
+              <a:schemeClr val="lt1"/>
+            </a:fontRef>
+          </p:style>
+          <p:txBody>
+            <a:bodyPr rtlCol="0" anchor="ctr"/>
+            <a:lstStyle/>
+            <a:p>
+              <a:pPr algn="ctr"/>
+              <a:endParaRPr lang="en-US" dirty="0"/>
+            </a:p>
+          </p:txBody>
+        </p:sp>
+        <p:grpSp>
+          <p:nvGrpSpPr>
+            <p:cNvPr id="102" name="Group 101">
+              <a:extLst>
+                <a:ext uri="{FF2B5EF4-FFF2-40B4-BE49-F238E27FC236}">
+                  <a16:creationId xmlns:a16="http://schemas.microsoft.com/office/drawing/2014/main" id="{AC059CE9-0014-4B84-AF8B-C87334D8CCCD}"/>
+                </a:ext>
+              </a:extLst>
+            </p:cNvPr>
+            <p:cNvGrpSpPr/>
+            <p:nvPr/>
+          </p:nvGrpSpPr>
+          <p:grpSpPr>
+            <a:xfrm>
+              <a:off x="1639219" y="3735940"/>
+              <a:ext cx="2832597" cy="544109"/>
+              <a:chOff x="1539028" y="2693926"/>
+              <a:chExt cx="8499289" cy="1632614"/>
+            </a:xfrm>
+          </p:grpSpPr>
+          <p:cxnSp>
+            <p:nvCxnSpPr>
+              <p:cNvPr id="104" name="Straight Connector 103">
+                <a:extLst>
+                  <a:ext uri="{FF2B5EF4-FFF2-40B4-BE49-F238E27FC236}">
+                    <a16:creationId xmlns:a16="http://schemas.microsoft.com/office/drawing/2014/main" id="{0DC5A7E9-4824-43A9-B90F-FAA219E243AB}"/>
+                  </a:ext>
+                </a:extLst>
+              </p:cNvPr>
+              <p:cNvCxnSpPr>
+                <a:cxnSpLocks/>
+                <a:stCxn id="106" idx="6"/>
+                <a:endCxn id="110" idx="2"/>
+              </p:cNvCxnSpPr>
+              <p:nvPr/>
+            </p:nvCxnSpPr>
+            <p:spPr>
+              <a:xfrm flipV="1">
+                <a:off x="3288552" y="2990765"/>
+                <a:ext cx="548520" cy="1038936"/>
+              </a:xfrm>
+              <a:prstGeom prst="line">
+                <a:avLst/>
+              </a:prstGeom>
+              <a:ln w="38100">
+                <a:solidFill>
+                  <a:schemeClr val="accent6"/>
+                </a:solidFill>
+              </a:ln>
+            </p:spPr>
+            <p:style>
+              <a:lnRef idx="1">
+                <a:schemeClr val="accent1"/>
+              </a:lnRef>
+              <a:fillRef idx="0">
+                <a:schemeClr val="accent1"/>
+              </a:fillRef>
+              <a:effectRef idx="0">
+                <a:schemeClr val="accent1"/>
+              </a:effectRef>
+              <a:fontRef idx="minor">
+                <a:schemeClr val="tx1"/>
+              </a:fontRef>
+            </p:style>
+          </p:cxnSp>
+          <p:sp>
+            <p:nvSpPr>
+              <p:cNvPr id="105" name="Oval 104">
+                <a:extLst>
+                  <a:ext uri="{FF2B5EF4-FFF2-40B4-BE49-F238E27FC236}">
+                    <a16:creationId xmlns:a16="http://schemas.microsoft.com/office/drawing/2014/main" id="{2DD9D372-E332-43D5-ACCA-F43F19E3335A}"/>
+                  </a:ext>
+                </a:extLst>
+              </p:cNvPr>
+              <p:cNvSpPr/>
+              <p:nvPr/>
+            </p:nvSpPr>
+            <p:spPr>
+              <a:xfrm>
+                <a:off x="1539028" y="3732862"/>
+                <a:ext cx="600502" cy="593678"/>
+              </a:xfrm>
+              <a:prstGeom prst="ellipse">
+                <a:avLst/>
+              </a:prstGeom>
+            </p:spPr>
+            <p:style>
+              <a:lnRef idx="2">
+                <a:schemeClr val="accent1">
+                  <a:shade val="50000"/>
+                </a:schemeClr>
+              </a:lnRef>
+              <a:fillRef idx="1">
+                <a:schemeClr val="accent1"/>
+              </a:fillRef>
+              <a:effectRef idx="0">
+                <a:schemeClr val="accent1"/>
+              </a:effectRef>
+              <a:fontRef idx="minor">
+                <a:schemeClr val="lt1"/>
+              </a:fontRef>
+            </p:style>
+            <p:txBody>
+              <a:bodyPr rtlCol="0" anchor="ctr"/>
+              <a:lstStyle/>
+              <a:p>
+                <a:pPr algn="ctr"/>
+                <a:endParaRPr lang="en-US"/>
+              </a:p>
+            </p:txBody>
+          </p:sp>
+          <p:sp>
+            <p:nvSpPr>
+              <p:cNvPr id="106" name="Oval 105">
+                <a:extLst>
+                  <a:ext uri="{FF2B5EF4-FFF2-40B4-BE49-F238E27FC236}">
+                    <a16:creationId xmlns:a16="http://schemas.microsoft.com/office/drawing/2014/main" id="{951DB16D-30A7-458A-B292-84493B9F4D18}"/>
+                  </a:ext>
+                </a:extLst>
+              </p:cNvPr>
+              <p:cNvSpPr/>
+              <p:nvPr/>
+            </p:nvSpPr>
+            <p:spPr>
+              <a:xfrm>
+                <a:off x="2688050" y="3732862"/>
+                <a:ext cx="600502" cy="593678"/>
+              </a:xfrm>
+              <a:prstGeom prst="ellipse">
+                <a:avLst/>
+              </a:prstGeom>
+            </p:spPr>
+            <p:style>
+              <a:lnRef idx="2">
+                <a:schemeClr val="accent1">
+                  <a:shade val="50000"/>
+                </a:schemeClr>
+              </a:lnRef>
+              <a:fillRef idx="1">
+                <a:schemeClr val="accent1"/>
+              </a:fillRef>
+              <a:effectRef idx="0">
+                <a:schemeClr val="accent1"/>
+              </a:effectRef>
+              <a:fontRef idx="minor">
+                <a:schemeClr val="lt1"/>
+              </a:fontRef>
+            </p:style>
+            <p:txBody>
+              <a:bodyPr rtlCol="0" anchor="ctr"/>
+              <a:lstStyle/>
+              <a:p>
+                <a:pPr algn="ctr"/>
+                <a:endParaRPr lang="en-US"/>
+              </a:p>
+            </p:txBody>
+          </p:sp>
+          <p:cxnSp>
+            <p:nvCxnSpPr>
+              <p:cNvPr id="107" name="Straight Connector 106">
+                <a:extLst>
+                  <a:ext uri="{FF2B5EF4-FFF2-40B4-BE49-F238E27FC236}">
+                    <a16:creationId xmlns:a16="http://schemas.microsoft.com/office/drawing/2014/main" id="{780E91B1-EEDD-4876-8BA3-2B4904FFDC63}"/>
+                  </a:ext>
+                </a:extLst>
+              </p:cNvPr>
+              <p:cNvCxnSpPr>
+                <a:stCxn id="105" idx="6"/>
+                <a:endCxn id="106" idx="2"/>
+              </p:cNvCxnSpPr>
+              <p:nvPr/>
+            </p:nvCxnSpPr>
+            <p:spPr>
+              <a:xfrm>
+                <a:off x="2139530" y="4029701"/>
+                <a:ext cx="548520" cy="0"/>
+              </a:xfrm>
+              <a:prstGeom prst="line">
+                <a:avLst/>
+              </a:prstGeom>
+              <a:ln w="38100"/>
+            </p:spPr>
+            <p:style>
+              <a:lnRef idx="1">
+                <a:schemeClr val="accent1"/>
+              </a:lnRef>
+              <a:fillRef idx="0">
+                <a:schemeClr val="accent1"/>
+              </a:fillRef>
+              <a:effectRef idx="0">
+                <a:schemeClr val="accent1"/>
+              </a:effectRef>
+              <a:fontRef idx="minor">
+                <a:schemeClr val="tx1"/>
+              </a:fontRef>
+            </p:style>
+          </p:cxnSp>
+          <p:sp>
+            <p:nvSpPr>
+              <p:cNvPr id="108" name="Oval 107">
+                <a:extLst>
+                  <a:ext uri="{FF2B5EF4-FFF2-40B4-BE49-F238E27FC236}">
+                    <a16:creationId xmlns:a16="http://schemas.microsoft.com/office/drawing/2014/main" id="{4FE342E7-6B08-423D-AB5F-5048624692F5}"/>
+                  </a:ext>
+                </a:extLst>
+              </p:cNvPr>
+              <p:cNvSpPr/>
+              <p:nvPr/>
+            </p:nvSpPr>
+            <p:spPr>
+              <a:xfrm>
+                <a:off x="3837072" y="3732862"/>
+                <a:ext cx="600502" cy="593678"/>
+              </a:xfrm>
+              <a:prstGeom prst="ellipse">
+                <a:avLst/>
+              </a:prstGeom>
+            </p:spPr>
+            <p:style>
+              <a:lnRef idx="2">
+                <a:schemeClr val="accent1">
+                  <a:shade val="50000"/>
+                </a:schemeClr>
+              </a:lnRef>
+              <a:fillRef idx="1">
+                <a:schemeClr val="accent1"/>
+              </a:fillRef>
+              <a:effectRef idx="0">
+                <a:schemeClr val="accent1"/>
+              </a:effectRef>
+              <a:fontRef idx="minor">
+                <a:schemeClr val="lt1"/>
+              </a:fontRef>
+            </p:style>
+            <p:txBody>
+              <a:bodyPr rtlCol="0" anchor="ctr"/>
+              <a:lstStyle/>
+              <a:p>
+                <a:pPr algn="ctr"/>
+                <a:endParaRPr lang="en-US"/>
+              </a:p>
+            </p:txBody>
+          </p:sp>
+          <p:cxnSp>
+            <p:nvCxnSpPr>
+              <p:cNvPr id="109" name="Straight Connector 108">
+                <a:extLst>
+                  <a:ext uri="{FF2B5EF4-FFF2-40B4-BE49-F238E27FC236}">
+                    <a16:creationId xmlns:a16="http://schemas.microsoft.com/office/drawing/2014/main" id="{73EF60A8-DE9F-46B9-9865-B549DFDF9C61}"/>
+                  </a:ext>
+                </a:extLst>
+              </p:cNvPr>
+              <p:cNvCxnSpPr>
+                <a:endCxn id="108" idx="2"/>
+              </p:cNvCxnSpPr>
+              <p:nvPr/>
+            </p:nvCxnSpPr>
+            <p:spPr>
+              <a:xfrm>
+                <a:off x="3288552" y="4029701"/>
+                <a:ext cx="548520" cy="0"/>
+              </a:xfrm>
+              <a:prstGeom prst="line">
+                <a:avLst/>
+              </a:prstGeom>
+              <a:ln w="38100"/>
+            </p:spPr>
+            <p:style>
+              <a:lnRef idx="1">
+                <a:schemeClr val="accent1"/>
+              </a:lnRef>
+              <a:fillRef idx="0">
+                <a:schemeClr val="accent1"/>
+              </a:fillRef>
+              <a:effectRef idx="0">
+                <a:schemeClr val="accent1"/>
+              </a:effectRef>
+              <a:fontRef idx="minor">
+                <a:schemeClr val="tx1"/>
+              </a:fontRef>
+            </p:style>
+          </p:cxnSp>
+          <p:sp>
+            <p:nvSpPr>
+              <p:cNvPr id="110" name="Oval 109">
+                <a:extLst>
+                  <a:ext uri="{FF2B5EF4-FFF2-40B4-BE49-F238E27FC236}">
+                    <a16:creationId xmlns:a16="http://schemas.microsoft.com/office/drawing/2014/main" id="{8271242A-C03A-418E-BD4C-A25EEFD2E8E5}"/>
+                  </a:ext>
+                </a:extLst>
+              </p:cNvPr>
+              <p:cNvSpPr/>
+              <p:nvPr/>
+            </p:nvSpPr>
+            <p:spPr>
+              <a:xfrm>
+                <a:off x="3837072" y="2693926"/>
+                <a:ext cx="600502" cy="593678"/>
+              </a:xfrm>
+              <a:prstGeom prst="ellipse">
+                <a:avLst/>
+              </a:prstGeom>
+              <a:solidFill>
+                <a:schemeClr val="accent6">
+                  <a:lumMod val="60000"/>
+                  <a:lumOff val="40000"/>
+                </a:schemeClr>
+              </a:solidFill>
+              <a:ln>
+                <a:solidFill>
+                  <a:schemeClr val="accent6">
+                    <a:lumMod val="75000"/>
+                  </a:schemeClr>
+                </a:solidFill>
+              </a:ln>
+            </p:spPr>
+            <p:style>
+              <a:lnRef idx="2">
+                <a:schemeClr val="accent1">
+                  <a:shade val="50000"/>
+                </a:schemeClr>
+              </a:lnRef>
+              <a:fillRef idx="1">
+                <a:schemeClr val="accent1"/>
+              </a:fillRef>
+              <a:effectRef idx="0">
+                <a:schemeClr val="accent1"/>
+              </a:effectRef>
+              <a:fontRef idx="minor">
+                <a:schemeClr val="lt1"/>
+              </a:fontRef>
+            </p:style>
+            <p:txBody>
+              <a:bodyPr rtlCol="0" anchor="ctr"/>
+              <a:lstStyle/>
+              <a:p>
+                <a:pPr algn="ctr"/>
+                <a:endParaRPr lang="en-US"/>
+              </a:p>
+            </p:txBody>
+          </p:sp>
+          <p:sp>
+            <p:nvSpPr>
+              <p:cNvPr id="111" name="Oval 110">
+                <a:extLst>
+                  <a:ext uri="{FF2B5EF4-FFF2-40B4-BE49-F238E27FC236}">
+                    <a16:creationId xmlns:a16="http://schemas.microsoft.com/office/drawing/2014/main" id="{A89118AC-B456-412C-8AE8-4F5E8A978B76}"/>
+                  </a:ext>
+                </a:extLst>
+              </p:cNvPr>
+              <p:cNvSpPr/>
+              <p:nvPr/>
+            </p:nvSpPr>
+            <p:spPr>
+              <a:xfrm>
+                <a:off x="4986094" y="2693926"/>
+                <a:ext cx="600502" cy="593678"/>
+              </a:xfrm>
+              <a:prstGeom prst="ellipse">
+                <a:avLst/>
+              </a:prstGeom>
+              <a:solidFill>
+                <a:schemeClr val="accent6">
+                  <a:lumMod val="60000"/>
+                  <a:lumOff val="40000"/>
+                </a:schemeClr>
+              </a:solidFill>
+              <a:ln>
+                <a:solidFill>
+                  <a:schemeClr val="accent6">
+                    <a:lumMod val="75000"/>
+                  </a:schemeClr>
+                </a:solidFill>
+              </a:ln>
+            </p:spPr>
+            <p:style>
+              <a:lnRef idx="2">
+                <a:schemeClr val="accent1">
+                  <a:shade val="50000"/>
+                </a:schemeClr>
+              </a:lnRef>
+              <a:fillRef idx="1">
+                <a:schemeClr val="accent1"/>
+              </a:fillRef>
+              <a:effectRef idx="0">
+                <a:schemeClr val="accent1"/>
+              </a:effectRef>
+              <a:fontRef idx="minor">
+                <a:schemeClr val="lt1"/>
+              </a:fontRef>
+            </p:style>
+            <p:txBody>
+              <a:bodyPr rtlCol="0" anchor="ctr"/>
+              <a:lstStyle/>
+              <a:p>
+                <a:pPr algn="ctr"/>
+                <a:endParaRPr lang="en-US"/>
+              </a:p>
+            </p:txBody>
+          </p:sp>
+          <p:cxnSp>
+            <p:nvCxnSpPr>
+              <p:cNvPr id="112" name="Straight Connector 111">
+                <a:extLst>
+                  <a:ext uri="{FF2B5EF4-FFF2-40B4-BE49-F238E27FC236}">
+                    <a16:creationId xmlns:a16="http://schemas.microsoft.com/office/drawing/2014/main" id="{45C93CD7-0577-46CA-BDBF-E7A036CBA48B}"/>
+                  </a:ext>
+                </a:extLst>
+              </p:cNvPr>
+              <p:cNvCxnSpPr>
+                <a:endCxn id="111" idx="2"/>
+              </p:cNvCxnSpPr>
+              <p:nvPr/>
+            </p:nvCxnSpPr>
+            <p:spPr>
+              <a:xfrm>
+                <a:off x="4437574" y="2990765"/>
+                <a:ext cx="548520" cy="0"/>
+              </a:xfrm>
+              <a:prstGeom prst="line">
+                <a:avLst/>
+              </a:prstGeom>
+              <a:ln w="38100">
+                <a:solidFill>
+                  <a:schemeClr val="accent6">
+                    <a:lumMod val="75000"/>
+                  </a:schemeClr>
+                </a:solidFill>
+              </a:ln>
+            </p:spPr>
+            <p:style>
+              <a:lnRef idx="1">
+                <a:schemeClr val="accent1"/>
+              </a:lnRef>
+              <a:fillRef idx="0">
+                <a:schemeClr val="accent1"/>
+              </a:fillRef>
+              <a:effectRef idx="0">
+                <a:schemeClr val="accent1"/>
+              </a:effectRef>
+              <a:fontRef idx="minor">
+                <a:schemeClr val="tx1"/>
+              </a:fontRef>
+            </p:style>
+          </p:cxnSp>
+          <p:sp>
+            <p:nvSpPr>
+              <p:cNvPr id="113" name="Oval 112">
+                <a:extLst>
+                  <a:ext uri="{FF2B5EF4-FFF2-40B4-BE49-F238E27FC236}">
+                    <a16:creationId xmlns:a16="http://schemas.microsoft.com/office/drawing/2014/main" id="{CED8D365-B746-4FB4-AB42-E2882D88695B}"/>
+                  </a:ext>
+                </a:extLst>
+              </p:cNvPr>
+              <p:cNvSpPr/>
+              <p:nvPr/>
+            </p:nvSpPr>
+            <p:spPr>
+              <a:xfrm>
+                <a:off x="4986094" y="3732862"/>
+                <a:ext cx="600502" cy="593678"/>
+              </a:xfrm>
+              <a:prstGeom prst="ellipse">
+                <a:avLst/>
+              </a:prstGeom>
+            </p:spPr>
+            <p:style>
+              <a:lnRef idx="2">
+                <a:schemeClr val="accent1">
+                  <a:shade val="50000"/>
+                </a:schemeClr>
+              </a:lnRef>
+              <a:fillRef idx="1">
+                <a:schemeClr val="accent1"/>
+              </a:fillRef>
+              <a:effectRef idx="0">
+                <a:schemeClr val="accent1"/>
+              </a:effectRef>
+              <a:fontRef idx="minor">
+                <a:schemeClr val="lt1"/>
+              </a:fontRef>
+            </p:style>
+            <p:txBody>
+              <a:bodyPr rtlCol="0" anchor="ctr"/>
+              <a:lstStyle/>
+              <a:p>
+                <a:pPr algn="ctr"/>
+                <a:endParaRPr lang="en-US"/>
+              </a:p>
+            </p:txBody>
+          </p:sp>
+          <p:cxnSp>
+            <p:nvCxnSpPr>
+              <p:cNvPr id="114" name="Straight Connector 113">
+                <a:extLst>
+                  <a:ext uri="{FF2B5EF4-FFF2-40B4-BE49-F238E27FC236}">
+                    <a16:creationId xmlns:a16="http://schemas.microsoft.com/office/drawing/2014/main" id="{15E63A53-DE67-496A-A10C-B28C34A8B7DA}"/>
+                  </a:ext>
+                </a:extLst>
+              </p:cNvPr>
+              <p:cNvCxnSpPr>
+                <a:cxnSpLocks/>
+                <a:stCxn id="108" idx="6"/>
+                <a:endCxn id="113" idx="2"/>
+              </p:cNvCxnSpPr>
+              <p:nvPr/>
+            </p:nvCxnSpPr>
+            <p:spPr>
+              <a:xfrm>
+                <a:off x="4437574" y="4029701"/>
+                <a:ext cx="548520" cy="0"/>
+              </a:xfrm>
+              <a:prstGeom prst="line">
+                <a:avLst/>
+              </a:prstGeom>
+              <a:ln w="38100"/>
+            </p:spPr>
+            <p:style>
+              <a:lnRef idx="1">
+                <a:schemeClr val="accent1"/>
+              </a:lnRef>
+              <a:fillRef idx="0">
+                <a:schemeClr val="accent1"/>
+              </a:fillRef>
+              <a:effectRef idx="0">
+                <a:schemeClr val="accent1"/>
+              </a:effectRef>
+              <a:fontRef idx="minor">
+                <a:schemeClr val="tx1"/>
+              </a:fontRef>
+            </p:style>
+          </p:cxnSp>
+          <p:sp>
+            <p:nvSpPr>
+              <p:cNvPr id="115" name="Oval 114">
+                <a:extLst>
+                  <a:ext uri="{FF2B5EF4-FFF2-40B4-BE49-F238E27FC236}">
+                    <a16:creationId xmlns:a16="http://schemas.microsoft.com/office/drawing/2014/main" id="{4BFAE558-DEBD-44BB-8851-9D1A3F319D54}"/>
+                  </a:ext>
+                </a:extLst>
+              </p:cNvPr>
+              <p:cNvSpPr/>
+              <p:nvPr/>
+            </p:nvSpPr>
+            <p:spPr>
+              <a:xfrm>
+                <a:off x="6135116" y="2693926"/>
+                <a:ext cx="600502" cy="593678"/>
+              </a:xfrm>
+              <a:prstGeom prst="ellipse">
+                <a:avLst/>
+              </a:prstGeom>
+              <a:solidFill>
+                <a:schemeClr val="accent6">
+                  <a:lumMod val="60000"/>
+                  <a:lumOff val="40000"/>
+                </a:schemeClr>
+              </a:solidFill>
+              <a:ln>
+                <a:solidFill>
+                  <a:schemeClr val="accent6">
+                    <a:lumMod val="75000"/>
+                  </a:schemeClr>
+                </a:solidFill>
+              </a:ln>
+            </p:spPr>
+            <p:style>
+              <a:lnRef idx="2">
+                <a:schemeClr val="accent1">
+                  <a:shade val="50000"/>
+                </a:schemeClr>
+              </a:lnRef>
+              <a:fillRef idx="1">
+                <a:schemeClr val="accent1"/>
+              </a:fillRef>
+              <a:effectRef idx="0">
+                <a:schemeClr val="accent1"/>
+              </a:effectRef>
+              <a:fontRef idx="minor">
+                <a:schemeClr val="lt1"/>
+              </a:fontRef>
+            </p:style>
+            <p:txBody>
+              <a:bodyPr rtlCol="0" anchor="ctr"/>
+              <a:lstStyle/>
+              <a:p>
+                <a:pPr algn="ctr"/>
+                <a:endParaRPr lang="en-US"/>
+              </a:p>
+            </p:txBody>
+          </p:sp>
+          <p:cxnSp>
+            <p:nvCxnSpPr>
+              <p:cNvPr id="116" name="Straight Connector 115">
+                <a:extLst>
+                  <a:ext uri="{FF2B5EF4-FFF2-40B4-BE49-F238E27FC236}">
+                    <a16:creationId xmlns:a16="http://schemas.microsoft.com/office/drawing/2014/main" id="{C409ADA0-2704-410A-BCC1-562FB0208D48}"/>
+                  </a:ext>
+                </a:extLst>
+              </p:cNvPr>
+              <p:cNvCxnSpPr>
+                <a:endCxn id="115" idx="2"/>
+              </p:cNvCxnSpPr>
+              <p:nvPr/>
+            </p:nvCxnSpPr>
+            <p:spPr>
+              <a:xfrm>
+                <a:off x="5586596" y="2990765"/>
+                <a:ext cx="548520" cy="0"/>
+              </a:xfrm>
+              <a:prstGeom prst="line">
+                <a:avLst/>
+              </a:prstGeom>
+              <a:ln w="38100">
+                <a:solidFill>
+                  <a:schemeClr val="accent6">
+                    <a:lumMod val="75000"/>
+                  </a:schemeClr>
+                </a:solidFill>
+              </a:ln>
+            </p:spPr>
+            <p:style>
+              <a:lnRef idx="1">
+                <a:schemeClr val="accent1"/>
+              </a:lnRef>
+              <a:fillRef idx="0">
+                <a:schemeClr val="accent1"/>
+              </a:fillRef>
+              <a:effectRef idx="0">
+                <a:schemeClr val="accent1"/>
+              </a:effectRef>
+              <a:fontRef idx="minor">
+                <a:schemeClr val="tx1"/>
+              </a:fontRef>
+            </p:style>
+          </p:cxnSp>
+          <p:sp>
+            <p:nvSpPr>
+              <p:cNvPr id="117" name="Oval 116">
+                <a:extLst>
+                  <a:ext uri="{FF2B5EF4-FFF2-40B4-BE49-F238E27FC236}">
+                    <a16:creationId xmlns:a16="http://schemas.microsoft.com/office/drawing/2014/main" id="{48A620CB-4DE5-488E-8668-E175C0192409}"/>
+                  </a:ext>
+                </a:extLst>
+              </p:cNvPr>
+              <p:cNvSpPr/>
+              <p:nvPr/>
+            </p:nvSpPr>
+            <p:spPr>
+              <a:xfrm>
+                <a:off x="7284138" y="2693926"/>
+                <a:ext cx="600502" cy="593678"/>
+              </a:xfrm>
+              <a:prstGeom prst="ellipse">
+                <a:avLst/>
+              </a:prstGeom>
+              <a:solidFill>
+                <a:schemeClr val="accent6">
+                  <a:lumMod val="60000"/>
+                  <a:lumOff val="40000"/>
+                </a:schemeClr>
+              </a:solidFill>
+              <a:ln>
+                <a:solidFill>
+                  <a:schemeClr val="accent6">
+                    <a:lumMod val="75000"/>
+                  </a:schemeClr>
+                </a:solidFill>
+              </a:ln>
+            </p:spPr>
+            <p:style>
+              <a:lnRef idx="2">
+                <a:schemeClr val="accent1">
+                  <a:shade val="50000"/>
+                </a:schemeClr>
+              </a:lnRef>
+              <a:fillRef idx="1">
+                <a:schemeClr val="accent1"/>
+              </a:fillRef>
+              <a:effectRef idx="0">
+                <a:schemeClr val="accent1"/>
+              </a:effectRef>
+              <a:fontRef idx="minor">
+                <a:schemeClr val="lt1"/>
+              </a:fontRef>
+            </p:style>
+            <p:txBody>
+              <a:bodyPr rtlCol="0" anchor="ctr"/>
+              <a:lstStyle/>
+              <a:p>
+                <a:pPr algn="ctr"/>
+                <a:endParaRPr lang="en-US"/>
+              </a:p>
+            </p:txBody>
+          </p:sp>
+          <p:cxnSp>
+            <p:nvCxnSpPr>
+              <p:cNvPr id="118" name="Straight Connector 117">
+                <a:extLst>
+                  <a:ext uri="{FF2B5EF4-FFF2-40B4-BE49-F238E27FC236}">
+                    <a16:creationId xmlns:a16="http://schemas.microsoft.com/office/drawing/2014/main" id="{DAC3E80F-97D5-4E8A-9194-91D9F5C1654B}"/>
+                  </a:ext>
+                </a:extLst>
+              </p:cNvPr>
+              <p:cNvCxnSpPr>
+                <a:endCxn id="117" idx="2"/>
+              </p:cNvCxnSpPr>
+              <p:nvPr/>
+            </p:nvCxnSpPr>
+            <p:spPr>
+              <a:xfrm>
+                <a:off x="6735618" y="2990765"/>
+                <a:ext cx="548520" cy="0"/>
+              </a:xfrm>
+              <a:prstGeom prst="line">
+                <a:avLst/>
+              </a:prstGeom>
+              <a:ln w="38100">
+                <a:solidFill>
+                  <a:schemeClr val="accent6">
+                    <a:lumMod val="75000"/>
+                  </a:schemeClr>
+                </a:solidFill>
+              </a:ln>
+            </p:spPr>
+            <p:style>
+              <a:lnRef idx="1">
+                <a:schemeClr val="accent1"/>
+              </a:lnRef>
+              <a:fillRef idx="0">
+                <a:schemeClr val="accent1"/>
+              </a:fillRef>
+              <a:effectRef idx="0">
+                <a:schemeClr val="accent1"/>
+              </a:effectRef>
+              <a:fontRef idx="minor">
+                <a:schemeClr val="tx1"/>
+              </a:fontRef>
+            </p:style>
+          </p:cxnSp>
+          <p:cxnSp>
+            <p:nvCxnSpPr>
+              <p:cNvPr id="119" name="Straight Connector 118">
+                <a:extLst>
+                  <a:ext uri="{FF2B5EF4-FFF2-40B4-BE49-F238E27FC236}">
+                    <a16:creationId xmlns:a16="http://schemas.microsoft.com/office/drawing/2014/main" id="{5D4160DE-AB79-4FF1-9471-5BC0B4480E4E}"/>
+                  </a:ext>
+                </a:extLst>
+              </p:cNvPr>
+              <p:cNvCxnSpPr>
+                <a:cxnSpLocks/>
+                <a:stCxn id="113" idx="6"/>
+                <a:endCxn id="120" idx="2"/>
+              </p:cNvCxnSpPr>
+              <p:nvPr/>
+            </p:nvCxnSpPr>
+            <p:spPr>
+              <a:xfrm flipV="1">
+                <a:off x="5586596" y="4020765"/>
+                <a:ext cx="2696400" cy="8936"/>
+              </a:xfrm>
+              <a:prstGeom prst="line">
+                <a:avLst/>
+              </a:prstGeom>
+              <a:ln w="38100"/>
+            </p:spPr>
+            <p:style>
+              <a:lnRef idx="1">
+                <a:schemeClr val="accent1"/>
+              </a:lnRef>
+              <a:fillRef idx="0">
+                <a:schemeClr val="accent1"/>
+              </a:fillRef>
+              <a:effectRef idx="0">
+                <a:schemeClr val="accent1"/>
+              </a:effectRef>
+              <a:fontRef idx="minor">
+                <a:schemeClr val="tx1"/>
+              </a:fontRef>
+            </p:style>
+          </p:cxnSp>
+          <p:sp>
+            <p:nvSpPr>
+              <p:cNvPr id="120" name="Oval 119">
+                <a:extLst>
+                  <a:ext uri="{FF2B5EF4-FFF2-40B4-BE49-F238E27FC236}">
+                    <a16:creationId xmlns:a16="http://schemas.microsoft.com/office/drawing/2014/main" id="{5B2465EC-07A1-4178-8470-7ECC8FD05872}"/>
+                  </a:ext>
+                </a:extLst>
+              </p:cNvPr>
+              <p:cNvSpPr/>
+              <p:nvPr/>
+            </p:nvSpPr>
+            <p:spPr>
+              <a:xfrm>
+                <a:off x="8282996" y="3723926"/>
+                <a:ext cx="600502" cy="593678"/>
+              </a:xfrm>
+              <a:prstGeom prst="ellipse">
+                <a:avLst/>
+              </a:prstGeom>
+            </p:spPr>
+            <p:style>
+              <a:lnRef idx="2">
+                <a:schemeClr val="accent1">
+                  <a:shade val="50000"/>
+                </a:schemeClr>
+              </a:lnRef>
+              <a:fillRef idx="1">
+                <a:schemeClr val="accent1"/>
+              </a:fillRef>
+              <a:effectRef idx="0">
+                <a:schemeClr val="accent1"/>
+              </a:effectRef>
+              <a:fontRef idx="minor">
+                <a:schemeClr val="lt1"/>
+              </a:fontRef>
+            </p:style>
+            <p:txBody>
+              <a:bodyPr rtlCol="0" anchor="ctr"/>
+              <a:lstStyle/>
+              <a:p>
+                <a:pPr algn="ctr"/>
+                <a:endParaRPr lang="en-US"/>
+              </a:p>
+            </p:txBody>
+          </p:sp>
+          <p:cxnSp>
+            <p:nvCxnSpPr>
+              <p:cNvPr id="121" name="Straight Connector 120">
+                <a:extLst>
+                  <a:ext uri="{FF2B5EF4-FFF2-40B4-BE49-F238E27FC236}">
+                    <a16:creationId xmlns:a16="http://schemas.microsoft.com/office/drawing/2014/main" id="{350FCE1C-3113-4A9B-A9B7-6B7CDE32099F}"/>
+                  </a:ext>
+                </a:extLst>
+              </p:cNvPr>
+              <p:cNvCxnSpPr>
+                <a:cxnSpLocks/>
+                <a:stCxn id="117" idx="6"/>
+                <a:endCxn id="120" idx="2"/>
+              </p:cNvCxnSpPr>
+              <p:nvPr/>
+            </p:nvCxnSpPr>
+            <p:spPr>
+              <a:xfrm>
+                <a:off x="7884640" y="2990765"/>
+                <a:ext cx="398356" cy="1030000"/>
+              </a:xfrm>
+              <a:prstGeom prst="line">
+                <a:avLst/>
+              </a:prstGeom>
+              <a:ln w="38100">
+                <a:solidFill>
+                  <a:schemeClr val="accent6">
+                    <a:lumMod val="75000"/>
+                  </a:schemeClr>
+                </a:solidFill>
+              </a:ln>
+            </p:spPr>
+            <p:style>
+              <a:lnRef idx="1">
+                <a:schemeClr val="accent1"/>
+              </a:lnRef>
+              <a:fillRef idx="0">
+                <a:schemeClr val="accent1"/>
+              </a:fillRef>
+              <a:effectRef idx="0">
+                <a:schemeClr val="accent1"/>
+              </a:effectRef>
+              <a:fontRef idx="minor">
+                <a:schemeClr val="tx1"/>
+              </a:fontRef>
+            </p:style>
+          </p:cxnSp>
+          <p:sp>
+            <p:nvSpPr>
+              <p:cNvPr id="122" name="Oval 121">
+                <a:extLst>
+                  <a:ext uri="{FF2B5EF4-FFF2-40B4-BE49-F238E27FC236}">
+                    <a16:creationId xmlns:a16="http://schemas.microsoft.com/office/drawing/2014/main" id="{58B8406B-4DC3-4BE7-9E5B-66223441A106}"/>
+                  </a:ext>
+                </a:extLst>
+              </p:cNvPr>
+              <p:cNvSpPr/>
+              <p:nvPr/>
+            </p:nvSpPr>
+            <p:spPr>
+              <a:xfrm>
+                <a:off x="9437815" y="3732862"/>
+                <a:ext cx="600502" cy="593678"/>
+              </a:xfrm>
+              <a:prstGeom prst="ellipse">
+                <a:avLst/>
+              </a:prstGeom>
+            </p:spPr>
+            <p:style>
+              <a:lnRef idx="2">
+                <a:schemeClr val="accent1">
+                  <a:shade val="50000"/>
+                </a:schemeClr>
+              </a:lnRef>
+              <a:fillRef idx="1">
+                <a:schemeClr val="accent1"/>
+              </a:fillRef>
+              <a:effectRef idx="0">
+                <a:schemeClr val="accent1"/>
+              </a:effectRef>
+              <a:fontRef idx="minor">
+                <a:schemeClr val="lt1"/>
+              </a:fontRef>
+            </p:style>
+            <p:txBody>
+              <a:bodyPr rtlCol="0" anchor="ctr"/>
+              <a:lstStyle/>
+              <a:p>
+                <a:pPr algn="ctr"/>
+                <a:endParaRPr lang="en-US"/>
+              </a:p>
+            </p:txBody>
+          </p:sp>
+          <p:cxnSp>
+            <p:nvCxnSpPr>
+              <p:cNvPr id="123" name="Straight Connector 122">
+                <a:extLst>
+                  <a:ext uri="{FF2B5EF4-FFF2-40B4-BE49-F238E27FC236}">
+                    <a16:creationId xmlns:a16="http://schemas.microsoft.com/office/drawing/2014/main" id="{9C4764D1-9230-4D2C-8967-1B1D878577BC}"/>
+                  </a:ext>
+                </a:extLst>
+              </p:cNvPr>
+              <p:cNvCxnSpPr>
+                <a:cxnSpLocks/>
+                <a:endCxn id="122" idx="2"/>
+              </p:cNvCxnSpPr>
+              <p:nvPr/>
+            </p:nvCxnSpPr>
+            <p:spPr>
+              <a:xfrm>
+                <a:off x="8889295" y="4029701"/>
+                <a:ext cx="548520" cy="0"/>
+              </a:xfrm>
+              <a:prstGeom prst="line">
+                <a:avLst/>
+              </a:prstGeom>
+              <a:ln w="38100"/>
+            </p:spPr>
+            <p:style>
+              <a:lnRef idx="1">
+                <a:schemeClr val="accent1"/>
+              </a:lnRef>
+              <a:fillRef idx="0">
+                <a:schemeClr val="accent1"/>
+              </a:fillRef>
+              <a:effectRef idx="0">
+                <a:schemeClr val="accent1"/>
+              </a:effectRef>
+              <a:fontRef idx="minor">
+                <a:schemeClr val="tx1"/>
+              </a:fontRef>
+            </p:style>
+          </p:cxnSp>
+        </p:grpSp>
+        <p:sp>
+          <p:nvSpPr>
+            <p:cNvPr id="103" name="TextBox 102">
+              <a:extLst>
+                <a:ext uri="{FF2B5EF4-FFF2-40B4-BE49-F238E27FC236}">
+                  <a16:creationId xmlns:a16="http://schemas.microsoft.com/office/drawing/2014/main" id="{F403C7DE-3CF6-4CF1-8EA4-746CACFDA08E}"/>
+                </a:ext>
+              </a:extLst>
+            </p:cNvPr>
+            <p:cNvSpPr txBox="1"/>
+            <p:nvPr/>
+          </p:nvSpPr>
+          <p:spPr>
+            <a:xfrm>
+              <a:off x="1447309" y="2881339"/>
+              <a:ext cx="3024507" cy="338554"/>
+            </a:xfrm>
+            <a:prstGeom prst="rect">
+              <a:avLst/>
+            </a:prstGeom>
+            <a:noFill/>
+          </p:spPr>
+          <p:txBody>
+            <a:bodyPr wrap="square" rtlCol="0">
+              <a:spAutoFit/>
+            </a:bodyPr>
+            <a:lstStyle/>
+            <a:p>
+              <a:r>
+                <a:rPr lang="en-US" sz="1600" dirty="0"/>
+                <a:t>your-name/GIS714-PR-tests</a:t>
+              </a:r>
+            </a:p>
+          </p:txBody>
+        </p:sp>
+      </p:grpSp>
+      <p:sp>
+        <p:nvSpPr>
+          <p:cNvPr id="124" name="TextBox 123">
+            <a:extLst>
+              <a:ext uri="{FF2B5EF4-FFF2-40B4-BE49-F238E27FC236}">
+                <a16:creationId xmlns:a16="http://schemas.microsoft.com/office/drawing/2014/main" id="{5BBFF968-1236-410E-9715-3EC06965886F}"/>
+              </a:ext>
+            </a:extLst>
+          </p:cNvPr>
+          <p:cNvSpPr txBox="1"/>
+          <p:nvPr/>
+        </p:nvSpPr>
+        <p:spPr>
+          <a:xfrm>
+            <a:off x="5630380" y="2132945"/>
+            <a:ext cx="702082" cy="369332"/>
+          </a:xfrm>
+          <a:prstGeom prst="rect">
+            <a:avLst/>
+          </a:prstGeom>
+          <a:noFill/>
+        </p:spPr>
+        <p:txBody>
+          <a:bodyPr wrap="square" rtlCol="0">
+            <a:spAutoFit/>
+          </a:bodyPr>
+          <a:lstStyle/>
+          <a:p>
+            <a:r>
+              <a:rPr lang="en-US" dirty="0"/>
+              <a:t>Fork</a:t>
+            </a:r>
+          </a:p>
+        </p:txBody>
+      </p:sp>
+      <p:grpSp>
+        <p:nvGrpSpPr>
+          <p:cNvPr id="20" name="Group 19">
+            <a:extLst>
+              <a:ext uri="{FF2B5EF4-FFF2-40B4-BE49-F238E27FC236}">
+                <a16:creationId xmlns:a16="http://schemas.microsoft.com/office/drawing/2014/main" id="{C5DC829B-3740-4FFD-8A62-F8E2A1786018}"/>
+              </a:ext>
+            </a:extLst>
+          </p:cNvPr>
+          <p:cNvGrpSpPr/>
+          <p:nvPr/>
+        </p:nvGrpSpPr>
+        <p:grpSpPr>
+          <a:xfrm>
+            <a:off x="7722494" y="4059105"/>
+            <a:ext cx="3508387" cy="719080"/>
+            <a:chOff x="6971029" y="4430871"/>
+            <a:chExt cx="3508387" cy="719080"/>
+          </a:xfrm>
+        </p:grpSpPr>
+        <p:sp>
+          <p:nvSpPr>
+            <p:cNvPr id="125" name="TextBox 124">
+              <a:extLst>
+                <a:ext uri="{FF2B5EF4-FFF2-40B4-BE49-F238E27FC236}">
+                  <a16:creationId xmlns:a16="http://schemas.microsoft.com/office/drawing/2014/main" id="{025350BC-A404-45DE-B0E2-286331D8755D}"/>
+                </a:ext>
+              </a:extLst>
+            </p:cNvPr>
+            <p:cNvSpPr txBox="1"/>
+            <p:nvPr/>
+          </p:nvSpPr>
+          <p:spPr>
+            <a:xfrm>
+              <a:off x="7429192" y="4430871"/>
+              <a:ext cx="3050224" cy="646331"/>
+            </a:xfrm>
+            <a:prstGeom prst="rect">
+              <a:avLst/>
+            </a:prstGeom>
+            <a:noFill/>
+          </p:spPr>
+          <p:txBody>
+            <a:bodyPr wrap="square" rtlCol="0">
+              <a:spAutoFit/>
+            </a:bodyPr>
+            <a:lstStyle/>
+            <a:p>
+              <a:r>
+                <a:rPr lang="en-US" dirty="0"/>
+                <a:t>You add your file (clone, add, commit, push)</a:t>
+              </a:r>
+            </a:p>
+          </p:txBody>
+        </p:sp>
+        <p:sp>
+          <p:nvSpPr>
+            <p:cNvPr id="126" name="Arrow: Down 125">
+              <a:extLst>
+                <a:ext uri="{FF2B5EF4-FFF2-40B4-BE49-F238E27FC236}">
+                  <a16:creationId xmlns:a16="http://schemas.microsoft.com/office/drawing/2014/main" id="{3363F3C8-4DA4-4A7A-B6CA-A898BBD5DAFE}"/>
+                </a:ext>
+              </a:extLst>
+            </p:cNvPr>
+            <p:cNvSpPr/>
+            <p:nvPr/>
+          </p:nvSpPr>
+          <p:spPr>
+            <a:xfrm>
+              <a:off x="6971029" y="4454661"/>
+              <a:ext cx="425597" cy="695290"/>
+            </a:xfrm>
+            <a:prstGeom prst="downArrow">
+              <a:avLst/>
+            </a:prstGeom>
+            <a:solidFill>
+              <a:schemeClr val="bg2">
+                <a:lumMod val="50000"/>
+              </a:schemeClr>
+            </a:solidFill>
+            <a:ln>
+              <a:solidFill>
+                <a:schemeClr val="bg2">
+                  <a:lumMod val="10000"/>
+                </a:schemeClr>
+              </a:solidFill>
+            </a:ln>
+          </p:spPr>
+          <p:style>
+            <a:lnRef idx="2">
+              <a:schemeClr val="accent1">
+                <a:shade val="50000"/>
+              </a:schemeClr>
+            </a:lnRef>
+            <a:fillRef idx="1">
+              <a:schemeClr val="accent1"/>
+            </a:fillRef>
+            <a:effectRef idx="0">
+              <a:schemeClr val="accent1"/>
+            </a:effectRef>
+            <a:fontRef idx="minor">
+              <a:schemeClr val="lt1"/>
+            </a:fontRef>
+          </p:style>
+          <p:txBody>
+            <a:bodyPr rtlCol="0" anchor="ctr"/>
+            <a:lstStyle/>
+            <a:p>
+              <a:pPr algn="ctr"/>
+              <a:endParaRPr lang="en-US"/>
+            </a:p>
+          </p:txBody>
+        </p:sp>
+      </p:grpSp>
+      <p:sp>
+        <p:nvSpPr>
+          <p:cNvPr id="128" name="Rectangle: Rounded Corners 127">
+            <a:extLst>
+              <a:ext uri="{FF2B5EF4-FFF2-40B4-BE49-F238E27FC236}">
+                <a16:creationId xmlns:a16="http://schemas.microsoft.com/office/drawing/2014/main" id="{84E38945-DCF6-4633-A7F0-9A9360AF2E0B}"/>
+              </a:ext>
+            </a:extLst>
+          </p:cNvPr>
+          <p:cNvSpPr/>
+          <p:nvPr/>
+        </p:nvSpPr>
+        <p:spPr>
+          <a:xfrm>
+            <a:off x="7461142" y="4853508"/>
+            <a:ext cx="3530786" cy="1809449"/>
+          </a:xfrm>
+          <a:prstGeom prst="roundRect">
+            <a:avLst/>
+          </a:prstGeom>
+          <a:solidFill>
+            <a:schemeClr val="accent4">
+              <a:lumMod val="20000"/>
+              <a:lumOff val="80000"/>
+            </a:schemeClr>
+          </a:solidFill>
+          <a:ln>
+            <a:solidFill>
+              <a:schemeClr val="accent4">
+                <a:lumMod val="75000"/>
+              </a:schemeClr>
+            </a:solidFill>
+          </a:ln>
+        </p:spPr>
+        <p:style>
+          <a:lnRef idx="2">
+            <a:schemeClr val="accent1">
+              <a:shade val="50000"/>
+            </a:schemeClr>
+          </a:lnRef>
+          <a:fillRef idx="1">
+            <a:schemeClr val="accent1"/>
+          </a:fillRef>
+          <a:effectRef idx="0">
+            <a:schemeClr val="accent1"/>
+          </a:effectRef>
+          <a:fontRef idx="minor">
+            <a:schemeClr val="lt1"/>
+          </a:fontRef>
+        </p:style>
+        <p:txBody>
+          <a:bodyPr rtlCol="0" anchor="ctr"/>
+          <a:lstStyle/>
+          <a:p>
+            <a:pPr algn="ctr"/>
+            <a:endParaRPr lang="en-US" dirty="0"/>
+          </a:p>
+        </p:txBody>
+      </p:sp>
+      <p:sp>
+        <p:nvSpPr>
+          <p:cNvPr id="130" name="TextBox 129">
+            <a:extLst>
+              <a:ext uri="{FF2B5EF4-FFF2-40B4-BE49-F238E27FC236}">
+                <a16:creationId xmlns:a16="http://schemas.microsoft.com/office/drawing/2014/main" id="{21C851D0-70F0-4B45-A72B-27631C92A15E}"/>
+              </a:ext>
+            </a:extLst>
+          </p:cNvPr>
+          <p:cNvSpPr txBox="1"/>
+          <p:nvPr/>
+        </p:nvSpPr>
+        <p:spPr>
+          <a:xfrm>
+            <a:off x="7620282" y="4961728"/>
+            <a:ext cx="2998494" cy="338554"/>
+          </a:xfrm>
+          <a:prstGeom prst="rect">
+            <a:avLst/>
+          </a:prstGeom>
+          <a:noFill/>
+        </p:spPr>
+        <p:txBody>
+          <a:bodyPr wrap="square" rtlCol="0">
+            <a:spAutoFit/>
+          </a:bodyPr>
+          <a:lstStyle/>
+          <a:p>
+            <a:r>
+              <a:rPr lang="en-US" sz="1600" dirty="0"/>
+              <a:t>your-name/GIS714-PR-tests</a:t>
+            </a:r>
+          </a:p>
+        </p:txBody>
+      </p:sp>
+      <p:grpSp>
+        <p:nvGrpSpPr>
+          <p:cNvPr id="26" name="Group 25">
+            <a:extLst>
+              <a:ext uri="{FF2B5EF4-FFF2-40B4-BE49-F238E27FC236}">
+                <a16:creationId xmlns:a16="http://schemas.microsoft.com/office/drawing/2014/main" id="{BE63165A-5B4A-40DE-AA0E-6C7B797F6A8E}"/>
+              </a:ext>
+            </a:extLst>
+          </p:cNvPr>
+          <p:cNvGrpSpPr/>
+          <p:nvPr/>
+        </p:nvGrpSpPr>
+        <p:grpSpPr>
+          <a:xfrm>
+            <a:off x="7670671" y="5828177"/>
+            <a:ext cx="2933903" cy="634084"/>
+            <a:chOff x="7261096" y="5904377"/>
+            <a:chExt cx="2933903" cy="634084"/>
+          </a:xfrm>
+        </p:grpSpPr>
+        <p:cxnSp>
+          <p:nvCxnSpPr>
+            <p:cNvPr id="154" name="Straight Connector 153">
+              <a:extLst>
+                <a:ext uri="{FF2B5EF4-FFF2-40B4-BE49-F238E27FC236}">
+                  <a16:creationId xmlns:a16="http://schemas.microsoft.com/office/drawing/2014/main" id="{4C6A5940-686C-4029-B99C-D646E41C1157}"/>
+                </a:ext>
+              </a:extLst>
+            </p:cNvPr>
+            <p:cNvCxnSpPr>
+              <a:endCxn id="153" idx="2"/>
+            </p:cNvCxnSpPr>
+            <p:nvPr/>
+          </p:nvCxnSpPr>
+          <p:spPr>
+            <a:xfrm>
+              <a:off x="9628891" y="6464827"/>
+              <a:ext cx="136065" cy="0"/>
+            </a:xfrm>
+            <a:prstGeom prst="line">
+              <a:avLst/>
+            </a:prstGeom>
+            <a:ln w="38100">
+              <a:solidFill>
+                <a:schemeClr val="tx2">
+                  <a:lumMod val="75000"/>
+                  <a:lumOff val="25000"/>
+                </a:schemeClr>
+              </a:solidFill>
+            </a:ln>
+          </p:spPr>
+          <p:style>
+            <a:lnRef idx="1">
+              <a:schemeClr val="accent1"/>
+            </a:lnRef>
+            <a:fillRef idx="0">
+              <a:schemeClr val="accent1"/>
+            </a:fillRef>
+            <a:effectRef idx="0">
+              <a:schemeClr val="accent1"/>
+            </a:effectRef>
+            <a:fontRef idx="minor">
+              <a:schemeClr val="tx1"/>
+            </a:fontRef>
+          </p:style>
+        </p:cxnSp>
+        <p:cxnSp>
+          <p:nvCxnSpPr>
+            <p:cNvPr id="131" name="Straight Connector 130">
+              <a:extLst>
+                <a:ext uri="{FF2B5EF4-FFF2-40B4-BE49-F238E27FC236}">
+                  <a16:creationId xmlns:a16="http://schemas.microsoft.com/office/drawing/2014/main" id="{76436C51-74D7-49D4-A05A-DEF3CCD259D3}"/>
+                </a:ext>
+              </a:extLst>
+            </p:cNvPr>
+            <p:cNvCxnSpPr>
+              <a:cxnSpLocks/>
+              <a:stCxn id="133" idx="6"/>
+              <a:endCxn id="137" idx="2"/>
+            </p:cNvCxnSpPr>
+            <p:nvPr/>
+          </p:nvCxnSpPr>
+          <p:spPr>
+            <a:xfrm flipV="1">
+              <a:off x="7695079" y="5978010"/>
+              <a:ext cx="136065" cy="257716"/>
+            </a:xfrm>
+            <a:prstGeom prst="line">
+              <a:avLst/>
+            </a:prstGeom>
+            <a:ln w="38100">
+              <a:solidFill>
+                <a:schemeClr val="accent6"/>
+              </a:solidFill>
+            </a:ln>
+          </p:spPr>
+          <p:style>
+            <a:lnRef idx="1">
+              <a:schemeClr val="accent1"/>
+            </a:lnRef>
+            <a:fillRef idx="0">
+              <a:schemeClr val="accent1"/>
+            </a:fillRef>
+            <a:effectRef idx="0">
+              <a:schemeClr val="accent1"/>
+            </a:effectRef>
+            <a:fontRef idx="minor">
+              <a:schemeClr val="tx1"/>
+            </a:fontRef>
+          </p:style>
+        </p:cxnSp>
+        <p:sp>
+          <p:nvSpPr>
+            <p:cNvPr id="132" name="Oval 131">
+              <a:extLst>
+                <a:ext uri="{FF2B5EF4-FFF2-40B4-BE49-F238E27FC236}">
+                  <a16:creationId xmlns:a16="http://schemas.microsoft.com/office/drawing/2014/main" id="{9E46E7CE-8A36-49A6-B042-08F2BC864D31}"/>
+                </a:ext>
+              </a:extLst>
+            </p:cNvPr>
+            <p:cNvSpPr/>
+            <p:nvPr/>
+          </p:nvSpPr>
+          <p:spPr>
+            <a:xfrm>
+              <a:off x="7261096" y="6162093"/>
+              <a:ext cx="148959" cy="147267"/>
+            </a:xfrm>
+            <a:prstGeom prst="ellipse">
+              <a:avLst/>
+            </a:prstGeom>
+          </p:spPr>
+          <p:style>
+            <a:lnRef idx="2">
+              <a:schemeClr val="accent1">
+                <a:shade val="50000"/>
+              </a:schemeClr>
+            </a:lnRef>
+            <a:fillRef idx="1">
+              <a:schemeClr val="accent1"/>
+            </a:fillRef>
+            <a:effectRef idx="0">
+              <a:schemeClr val="accent1"/>
+            </a:effectRef>
+            <a:fontRef idx="minor">
+              <a:schemeClr val="lt1"/>
+            </a:fontRef>
+          </p:style>
+          <p:txBody>
+            <a:bodyPr rtlCol="0" anchor="ctr"/>
+            <a:lstStyle/>
+            <a:p>
+              <a:pPr algn="ctr"/>
+              <a:endParaRPr lang="en-US"/>
+            </a:p>
+          </p:txBody>
+        </p:sp>
+        <p:sp>
+          <p:nvSpPr>
+            <p:cNvPr id="133" name="Oval 132">
+              <a:extLst>
+                <a:ext uri="{FF2B5EF4-FFF2-40B4-BE49-F238E27FC236}">
+                  <a16:creationId xmlns:a16="http://schemas.microsoft.com/office/drawing/2014/main" id="{60C442A8-F308-4790-AEB0-A8B93EDA74FA}"/>
+                </a:ext>
+              </a:extLst>
+            </p:cNvPr>
+            <p:cNvSpPr/>
+            <p:nvPr/>
+          </p:nvSpPr>
+          <p:spPr>
+            <a:xfrm>
+              <a:off x="7546120" y="6162093"/>
+              <a:ext cx="148959" cy="147267"/>
+            </a:xfrm>
+            <a:prstGeom prst="ellipse">
+              <a:avLst/>
+            </a:prstGeom>
+          </p:spPr>
+          <p:style>
+            <a:lnRef idx="2">
+              <a:schemeClr val="accent1">
+                <a:shade val="50000"/>
+              </a:schemeClr>
+            </a:lnRef>
+            <a:fillRef idx="1">
+              <a:schemeClr val="accent1"/>
+            </a:fillRef>
+            <a:effectRef idx="0">
+              <a:schemeClr val="accent1"/>
+            </a:effectRef>
+            <a:fontRef idx="minor">
+              <a:schemeClr val="lt1"/>
+            </a:fontRef>
+          </p:style>
+          <p:txBody>
+            <a:bodyPr rtlCol="0" anchor="ctr"/>
+            <a:lstStyle/>
+            <a:p>
+              <a:pPr algn="ctr"/>
+              <a:endParaRPr lang="en-US"/>
+            </a:p>
+          </p:txBody>
+        </p:sp>
+        <p:cxnSp>
+          <p:nvCxnSpPr>
+            <p:cNvPr id="134" name="Straight Connector 133">
+              <a:extLst>
+                <a:ext uri="{FF2B5EF4-FFF2-40B4-BE49-F238E27FC236}">
+                  <a16:creationId xmlns:a16="http://schemas.microsoft.com/office/drawing/2014/main" id="{64E16847-1F54-4C87-9A5D-676D8BA10639}"/>
+                </a:ext>
+              </a:extLst>
+            </p:cNvPr>
+            <p:cNvCxnSpPr>
+              <a:stCxn id="132" idx="6"/>
+              <a:endCxn id="133" idx="2"/>
+            </p:cNvCxnSpPr>
+            <p:nvPr/>
+          </p:nvCxnSpPr>
+          <p:spPr>
+            <a:xfrm>
+              <a:off x="7410055" y="6235727"/>
+              <a:ext cx="136065" cy="0"/>
+            </a:xfrm>
+            <a:prstGeom prst="line">
+              <a:avLst/>
+            </a:prstGeom>
+            <a:ln w="38100"/>
+          </p:spPr>
+          <p:style>
+            <a:lnRef idx="1">
+              <a:schemeClr val="accent1"/>
+            </a:lnRef>
+            <a:fillRef idx="0">
+              <a:schemeClr val="accent1"/>
+            </a:fillRef>
+            <a:effectRef idx="0">
+              <a:schemeClr val="accent1"/>
+            </a:effectRef>
+            <a:fontRef idx="minor">
+              <a:schemeClr val="tx1"/>
+            </a:fontRef>
+          </p:style>
+        </p:cxnSp>
+        <p:sp>
+          <p:nvSpPr>
+            <p:cNvPr id="135" name="Oval 134">
+              <a:extLst>
+                <a:ext uri="{FF2B5EF4-FFF2-40B4-BE49-F238E27FC236}">
+                  <a16:creationId xmlns:a16="http://schemas.microsoft.com/office/drawing/2014/main" id="{7462949D-1099-481D-BA9B-50FF088D28B0}"/>
+                </a:ext>
+              </a:extLst>
+            </p:cNvPr>
+            <p:cNvSpPr/>
+            <p:nvPr/>
+          </p:nvSpPr>
+          <p:spPr>
+            <a:xfrm>
+              <a:off x="7831144" y="6162093"/>
+              <a:ext cx="148959" cy="147267"/>
+            </a:xfrm>
+            <a:prstGeom prst="ellipse">
+              <a:avLst/>
+            </a:prstGeom>
+          </p:spPr>
+          <p:style>
+            <a:lnRef idx="2">
+              <a:schemeClr val="accent1">
+                <a:shade val="50000"/>
+              </a:schemeClr>
+            </a:lnRef>
+            <a:fillRef idx="1">
+              <a:schemeClr val="accent1"/>
+            </a:fillRef>
+            <a:effectRef idx="0">
+              <a:schemeClr val="accent1"/>
+            </a:effectRef>
+            <a:fontRef idx="minor">
+              <a:schemeClr val="lt1"/>
+            </a:fontRef>
+          </p:style>
+          <p:txBody>
+            <a:bodyPr rtlCol="0" anchor="ctr"/>
+            <a:lstStyle/>
+            <a:p>
+              <a:pPr algn="ctr"/>
+              <a:endParaRPr lang="en-US"/>
+            </a:p>
+          </p:txBody>
+        </p:sp>
+        <p:cxnSp>
+          <p:nvCxnSpPr>
+            <p:cNvPr id="136" name="Straight Connector 135">
+              <a:extLst>
+                <a:ext uri="{FF2B5EF4-FFF2-40B4-BE49-F238E27FC236}">
+                  <a16:creationId xmlns:a16="http://schemas.microsoft.com/office/drawing/2014/main" id="{A857D40A-DFAC-4F4D-B5F5-B04BD1250103}"/>
+                </a:ext>
+              </a:extLst>
+            </p:cNvPr>
+            <p:cNvCxnSpPr>
+              <a:endCxn id="135" idx="2"/>
+            </p:cNvCxnSpPr>
+            <p:nvPr/>
+          </p:nvCxnSpPr>
+          <p:spPr>
+            <a:xfrm>
+              <a:off x="7695079" y="6235727"/>
+              <a:ext cx="136065" cy="0"/>
+            </a:xfrm>
+            <a:prstGeom prst="line">
+              <a:avLst/>
+            </a:prstGeom>
+            <a:ln w="38100"/>
+          </p:spPr>
+          <p:style>
+            <a:lnRef idx="1">
+              <a:schemeClr val="accent1"/>
+            </a:lnRef>
+            <a:fillRef idx="0">
+              <a:schemeClr val="accent1"/>
+            </a:fillRef>
+            <a:effectRef idx="0">
+              <a:schemeClr val="accent1"/>
+            </a:effectRef>
+            <a:fontRef idx="minor">
+              <a:schemeClr val="tx1"/>
+            </a:fontRef>
+          </p:style>
+        </p:cxnSp>
+        <p:sp>
+          <p:nvSpPr>
+            <p:cNvPr id="137" name="Oval 136">
+              <a:extLst>
+                <a:ext uri="{FF2B5EF4-FFF2-40B4-BE49-F238E27FC236}">
+                  <a16:creationId xmlns:a16="http://schemas.microsoft.com/office/drawing/2014/main" id="{204C92BF-27BA-4DC3-8AF2-8826A09F1478}"/>
+                </a:ext>
+              </a:extLst>
+            </p:cNvPr>
+            <p:cNvSpPr/>
+            <p:nvPr/>
+          </p:nvSpPr>
+          <p:spPr>
+            <a:xfrm>
+              <a:off x="7831144" y="5904377"/>
+              <a:ext cx="148959" cy="147267"/>
+            </a:xfrm>
+            <a:prstGeom prst="ellipse">
+              <a:avLst/>
+            </a:prstGeom>
+            <a:solidFill>
+              <a:schemeClr val="accent6">
+                <a:lumMod val="60000"/>
+                <a:lumOff val="40000"/>
+              </a:schemeClr>
+            </a:solidFill>
+            <a:ln>
+              <a:solidFill>
+                <a:schemeClr val="accent6">
+                  <a:lumMod val="75000"/>
+                </a:schemeClr>
+              </a:solidFill>
+            </a:ln>
+          </p:spPr>
+          <p:style>
+            <a:lnRef idx="2">
+              <a:schemeClr val="accent1">
+                <a:shade val="50000"/>
+              </a:schemeClr>
+            </a:lnRef>
+            <a:fillRef idx="1">
+              <a:schemeClr val="accent1"/>
+            </a:fillRef>
+            <a:effectRef idx="0">
+              <a:schemeClr val="accent1"/>
+            </a:effectRef>
+            <a:fontRef idx="minor">
+              <a:schemeClr val="lt1"/>
+            </a:fontRef>
+          </p:style>
+          <p:txBody>
+            <a:bodyPr rtlCol="0" anchor="ctr"/>
+            <a:lstStyle/>
+            <a:p>
+              <a:pPr algn="ctr"/>
+              <a:endParaRPr lang="en-US"/>
+            </a:p>
+          </p:txBody>
+        </p:sp>
+        <p:sp>
+          <p:nvSpPr>
+            <p:cNvPr id="138" name="Oval 137">
+              <a:extLst>
+                <a:ext uri="{FF2B5EF4-FFF2-40B4-BE49-F238E27FC236}">
+                  <a16:creationId xmlns:a16="http://schemas.microsoft.com/office/drawing/2014/main" id="{63507B14-B0D8-4FCC-8021-FAFD63389CD4}"/>
+                </a:ext>
+              </a:extLst>
+            </p:cNvPr>
+            <p:cNvSpPr/>
+            <p:nvPr/>
+          </p:nvSpPr>
+          <p:spPr>
+            <a:xfrm>
+              <a:off x="8116168" y="5904377"/>
+              <a:ext cx="148959" cy="147267"/>
+            </a:xfrm>
+            <a:prstGeom prst="ellipse">
+              <a:avLst/>
+            </a:prstGeom>
+            <a:solidFill>
+              <a:schemeClr val="accent6">
+                <a:lumMod val="60000"/>
+                <a:lumOff val="40000"/>
+              </a:schemeClr>
+            </a:solidFill>
+            <a:ln>
+              <a:solidFill>
+                <a:schemeClr val="accent6">
+                  <a:lumMod val="75000"/>
+                </a:schemeClr>
+              </a:solidFill>
+            </a:ln>
+          </p:spPr>
+          <p:style>
+            <a:lnRef idx="2">
+              <a:schemeClr val="accent1">
+                <a:shade val="50000"/>
+              </a:schemeClr>
+            </a:lnRef>
+            <a:fillRef idx="1">
+              <a:schemeClr val="accent1"/>
+            </a:fillRef>
+            <a:effectRef idx="0">
+              <a:schemeClr val="accent1"/>
+            </a:effectRef>
+            <a:fontRef idx="minor">
+              <a:schemeClr val="lt1"/>
+            </a:fontRef>
+          </p:style>
+          <p:txBody>
+            <a:bodyPr rtlCol="0" anchor="ctr"/>
+            <a:lstStyle/>
+            <a:p>
+              <a:pPr algn="ctr"/>
+              <a:endParaRPr lang="en-US"/>
+            </a:p>
+          </p:txBody>
+        </p:sp>
+        <p:cxnSp>
+          <p:nvCxnSpPr>
+            <p:cNvPr id="139" name="Straight Connector 138">
+              <a:extLst>
+                <a:ext uri="{FF2B5EF4-FFF2-40B4-BE49-F238E27FC236}">
+                  <a16:creationId xmlns:a16="http://schemas.microsoft.com/office/drawing/2014/main" id="{15C10614-B94A-4A9F-9316-E96F6B8049E0}"/>
+                </a:ext>
+              </a:extLst>
+            </p:cNvPr>
+            <p:cNvCxnSpPr>
+              <a:endCxn id="138" idx="2"/>
+            </p:cNvCxnSpPr>
+            <p:nvPr/>
+          </p:nvCxnSpPr>
+          <p:spPr>
+            <a:xfrm>
+              <a:off x="7980103" y="5978010"/>
+              <a:ext cx="136065" cy="0"/>
+            </a:xfrm>
+            <a:prstGeom prst="line">
+              <a:avLst/>
+            </a:prstGeom>
+            <a:ln w="38100">
+              <a:solidFill>
+                <a:schemeClr val="accent6">
+                  <a:lumMod val="75000"/>
+                </a:schemeClr>
+              </a:solidFill>
+            </a:ln>
+          </p:spPr>
+          <p:style>
+            <a:lnRef idx="1">
+              <a:schemeClr val="accent1"/>
+            </a:lnRef>
+            <a:fillRef idx="0">
+              <a:schemeClr val="accent1"/>
+            </a:fillRef>
+            <a:effectRef idx="0">
+              <a:schemeClr val="accent1"/>
+            </a:effectRef>
+            <a:fontRef idx="minor">
+              <a:schemeClr val="tx1"/>
+            </a:fontRef>
+          </p:style>
+        </p:cxnSp>
+        <p:sp>
+          <p:nvSpPr>
+            <p:cNvPr id="140" name="Oval 139">
+              <a:extLst>
+                <a:ext uri="{FF2B5EF4-FFF2-40B4-BE49-F238E27FC236}">
+                  <a16:creationId xmlns:a16="http://schemas.microsoft.com/office/drawing/2014/main" id="{D947C393-836A-45B9-9607-C60E08665707}"/>
+                </a:ext>
+              </a:extLst>
+            </p:cNvPr>
+            <p:cNvSpPr/>
+            <p:nvPr/>
+          </p:nvSpPr>
+          <p:spPr>
+            <a:xfrm>
+              <a:off x="8116168" y="6162093"/>
+              <a:ext cx="148959" cy="147267"/>
+            </a:xfrm>
+            <a:prstGeom prst="ellipse">
+              <a:avLst/>
+            </a:prstGeom>
+          </p:spPr>
+          <p:style>
+            <a:lnRef idx="2">
+              <a:schemeClr val="accent1">
+                <a:shade val="50000"/>
+              </a:schemeClr>
+            </a:lnRef>
+            <a:fillRef idx="1">
+              <a:schemeClr val="accent1"/>
+            </a:fillRef>
+            <a:effectRef idx="0">
+              <a:schemeClr val="accent1"/>
+            </a:effectRef>
+            <a:fontRef idx="minor">
+              <a:schemeClr val="lt1"/>
+            </a:fontRef>
+          </p:style>
+          <p:txBody>
+            <a:bodyPr rtlCol="0" anchor="ctr"/>
+            <a:lstStyle/>
+            <a:p>
+              <a:pPr algn="ctr"/>
+              <a:endParaRPr lang="en-US"/>
+            </a:p>
+          </p:txBody>
+        </p:sp>
+        <p:cxnSp>
+          <p:nvCxnSpPr>
+            <p:cNvPr id="141" name="Straight Connector 140">
+              <a:extLst>
+                <a:ext uri="{FF2B5EF4-FFF2-40B4-BE49-F238E27FC236}">
+                  <a16:creationId xmlns:a16="http://schemas.microsoft.com/office/drawing/2014/main" id="{F33CA8E9-A14B-4E3A-BBD4-50EA9525F7BF}"/>
+                </a:ext>
+              </a:extLst>
+            </p:cNvPr>
+            <p:cNvCxnSpPr>
+              <a:cxnSpLocks/>
+              <a:stCxn id="135" idx="6"/>
+              <a:endCxn id="140" idx="2"/>
+            </p:cNvCxnSpPr>
+            <p:nvPr/>
+          </p:nvCxnSpPr>
+          <p:spPr>
+            <a:xfrm>
+              <a:off x="7980103" y="6235727"/>
+              <a:ext cx="136065" cy="0"/>
+            </a:xfrm>
+            <a:prstGeom prst="line">
+              <a:avLst/>
+            </a:prstGeom>
+            <a:ln w="38100"/>
+          </p:spPr>
+          <p:style>
+            <a:lnRef idx="1">
+              <a:schemeClr val="accent1"/>
+            </a:lnRef>
+            <a:fillRef idx="0">
+              <a:schemeClr val="accent1"/>
+            </a:fillRef>
+            <a:effectRef idx="0">
+              <a:schemeClr val="accent1"/>
+            </a:effectRef>
+            <a:fontRef idx="minor">
+              <a:schemeClr val="tx1"/>
+            </a:fontRef>
+          </p:style>
+        </p:cxnSp>
+        <p:sp>
+          <p:nvSpPr>
+            <p:cNvPr id="142" name="Oval 141">
+              <a:extLst>
+                <a:ext uri="{FF2B5EF4-FFF2-40B4-BE49-F238E27FC236}">
+                  <a16:creationId xmlns:a16="http://schemas.microsoft.com/office/drawing/2014/main" id="{D590B584-0879-4930-B6E3-D9790AD59881}"/>
+                </a:ext>
+              </a:extLst>
+            </p:cNvPr>
+            <p:cNvSpPr/>
+            <p:nvPr/>
+          </p:nvSpPr>
+          <p:spPr>
+            <a:xfrm>
+              <a:off x="8401192" y="5904377"/>
+              <a:ext cx="148959" cy="147267"/>
+            </a:xfrm>
+            <a:prstGeom prst="ellipse">
+              <a:avLst/>
+            </a:prstGeom>
+            <a:solidFill>
+              <a:schemeClr val="accent6">
+                <a:lumMod val="60000"/>
+                <a:lumOff val="40000"/>
+              </a:schemeClr>
+            </a:solidFill>
+            <a:ln>
+              <a:solidFill>
+                <a:schemeClr val="accent6">
+                  <a:lumMod val="75000"/>
+                </a:schemeClr>
+              </a:solidFill>
+            </a:ln>
+          </p:spPr>
+          <p:style>
+            <a:lnRef idx="2">
+              <a:schemeClr val="accent1">
+                <a:shade val="50000"/>
+              </a:schemeClr>
+            </a:lnRef>
+            <a:fillRef idx="1">
+              <a:schemeClr val="accent1"/>
+            </a:fillRef>
+            <a:effectRef idx="0">
+              <a:schemeClr val="accent1"/>
+            </a:effectRef>
+            <a:fontRef idx="minor">
+              <a:schemeClr val="lt1"/>
+            </a:fontRef>
+          </p:style>
+          <p:txBody>
+            <a:bodyPr rtlCol="0" anchor="ctr"/>
+            <a:lstStyle/>
+            <a:p>
+              <a:pPr algn="ctr"/>
+              <a:endParaRPr lang="en-US"/>
+            </a:p>
+          </p:txBody>
+        </p:sp>
+        <p:cxnSp>
+          <p:nvCxnSpPr>
+            <p:cNvPr id="143" name="Straight Connector 142">
+              <a:extLst>
+                <a:ext uri="{FF2B5EF4-FFF2-40B4-BE49-F238E27FC236}">
+                  <a16:creationId xmlns:a16="http://schemas.microsoft.com/office/drawing/2014/main" id="{C24D76FA-2881-46B9-836A-EA051BB4DE63}"/>
+                </a:ext>
+              </a:extLst>
+            </p:cNvPr>
+            <p:cNvCxnSpPr>
+              <a:endCxn id="142" idx="2"/>
+            </p:cNvCxnSpPr>
+            <p:nvPr/>
+          </p:nvCxnSpPr>
+          <p:spPr>
+            <a:xfrm>
+              <a:off x="8265127" y="5978010"/>
+              <a:ext cx="136065" cy="0"/>
+            </a:xfrm>
+            <a:prstGeom prst="line">
+              <a:avLst/>
+            </a:prstGeom>
+            <a:ln w="38100">
+              <a:solidFill>
+                <a:schemeClr val="accent6">
+                  <a:lumMod val="75000"/>
+                </a:schemeClr>
+              </a:solidFill>
+            </a:ln>
+          </p:spPr>
+          <p:style>
+            <a:lnRef idx="1">
+              <a:schemeClr val="accent1"/>
+            </a:lnRef>
+            <a:fillRef idx="0">
+              <a:schemeClr val="accent1"/>
+            </a:fillRef>
+            <a:effectRef idx="0">
+              <a:schemeClr val="accent1"/>
+            </a:effectRef>
+            <a:fontRef idx="minor">
+              <a:schemeClr val="tx1"/>
+            </a:fontRef>
+          </p:style>
+        </p:cxnSp>
+        <p:sp>
+          <p:nvSpPr>
+            <p:cNvPr id="144" name="Oval 143">
+              <a:extLst>
+                <a:ext uri="{FF2B5EF4-FFF2-40B4-BE49-F238E27FC236}">
+                  <a16:creationId xmlns:a16="http://schemas.microsoft.com/office/drawing/2014/main" id="{2C2A3BAD-9644-4434-A5FB-4DCDCE8CA1DC}"/>
+                </a:ext>
+              </a:extLst>
+            </p:cNvPr>
+            <p:cNvSpPr/>
+            <p:nvPr/>
+          </p:nvSpPr>
+          <p:spPr>
+            <a:xfrm>
+              <a:off x="8686216" y="5904377"/>
+              <a:ext cx="148959" cy="147267"/>
+            </a:xfrm>
+            <a:prstGeom prst="ellipse">
+              <a:avLst/>
+            </a:prstGeom>
+            <a:solidFill>
+              <a:schemeClr val="accent6">
+                <a:lumMod val="60000"/>
+                <a:lumOff val="40000"/>
+              </a:schemeClr>
+            </a:solidFill>
+            <a:ln>
+              <a:solidFill>
+                <a:schemeClr val="accent6">
+                  <a:lumMod val="75000"/>
+                </a:schemeClr>
+              </a:solidFill>
+            </a:ln>
+          </p:spPr>
+          <p:style>
+            <a:lnRef idx="2">
+              <a:schemeClr val="accent1">
+                <a:shade val="50000"/>
+              </a:schemeClr>
+            </a:lnRef>
+            <a:fillRef idx="1">
+              <a:schemeClr val="accent1"/>
+            </a:fillRef>
+            <a:effectRef idx="0">
+              <a:schemeClr val="accent1"/>
+            </a:effectRef>
+            <a:fontRef idx="minor">
+              <a:schemeClr val="lt1"/>
+            </a:fontRef>
+          </p:style>
+          <p:txBody>
+            <a:bodyPr rtlCol="0" anchor="ctr"/>
+            <a:lstStyle/>
+            <a:p>
+              <a:pPr algn="ctr"/>
+              <a:endParaRPr lang="en-US"/>
+            </a:p>
+          </p:txBody>
+        </p:sp>
+        <p:cxnSp>
+          <p:nvCxnSpPr>
+            <p:cNvPr id="145" name="Straight Connector 144">
+              <a:extLst>
+                <a:ext uri="{FF2B5EF4-FFF2-40B4-BE49-F238E27FC236}">
+                  <a16:creationId xmlns:a16="http://schemas.microsoft.com/office/drawing/2014/main" id="{08E7C607-92A2-45A1-8949-778EBE189095}"/>
+                </a:ext>
+              </a:extLst>
+            </p:cNvPr>
+            <p:cNvCxnSpPr>
+              <a:endCxn id="144" idx="2"/>
+            </p:cNvCxnSpPr>
+            <p:nvPr/>
+          </p:nvCxnSpPr>
+          <p:spPr>
+            <a:xfrm>
+              <a:off x="8550151" y="5978010"/>
+              <a:ext cx="136065" cy="0"/>
+            </a:xfrm>
+            <a:prstGeom prst="line">
+              <a:avLst/>
+            </a:prstGeom>
+            <a:ln w="38100">
+              <a:solidFill>
+                <a:schemeClr val="accent6">
+                  <a:lumMod val="75000"/>
+                </a:schemeClr>
+              </a:solidFill>
+            </a:ln>
+          </p:spPr>
+          <p:style>
+            <a:lnRef idx="1">
+              <a:schemeClr val="accent1"/>
+            </a:lnRef>
+            <a:fillRef idx="0">
+              <a:schemeClr val="accent1"/>
+            </a:fillRef>
+            <a:effectRef idx="0">
+              <a:schemeClr val="accent1"/>
+            </a:effectRef>
+            <a:fontRef idx="minor">
+              <a:schemeClr val="tx1"/>
+            </a:fontRef>
+          </p:style>
+        </p:cxnSp>
+        <p:cxnSp>
+          <p:nvCxnSpPr>
+            <p:cNvPr id="146" name="Straight Connector 145">
+              <a:extLst>
+                <a:ext uri="{FF2B5EF4-FFF2-40B4-BE49-F238E27FC236}">
+                  <a16:creationId xmlns:a16="http://schemas.microsoft.com/office/drawing/2014/main" id="{6A86DD75-8BDF-4030-95AF-D039FB07EDF0}"/>
+                </a:ext>
+              </a:extLst>
+            </p:cNvPr>
+            <p:cNvCxnSpPr>
+              <a:cxnSpLocks/>
+              <a:stCxn id="140" idx="6"/>
+              <a:endCxn id="147" idx="2"/>
+            </p:cNvCxnSpPr>
+            <p:nvPr/>
+          </p:nvCxnSpPr>
+          <p:spPr>
+            <a:xfrm flipV="1">
+              <a:off x="8265127" y="6233510"/>
+              <a:ext cx="668863" cy="2217"/>
+            </a:xfrm>
+            <a:prstGeom prst="line">
+              <a:avLst/>
+            </a:prstGeom>
+            <a:ln w="38100"/>
+          </p:spPr>
+          <p:style>
+            <a:lnRef idx="1">
+              <a:schemeClr val="accent1"/>
+            </a:lnRef>
+            <a:fillRef idx="0">
+              <a:schemeClr val="accent1"/>
+            </a:fillRef>
+            <a:effectRef idx="0">
+              <a:schemeClr val="accent1"/>
+            </a:effectRef>
+            <a:fontRef idx="minor">
+              <a:schemeClr val="tx1"/>
+            </a:fontRef>
+          </p:style>
+        </p:cxnSp>
+        <p:sp>
+          <p:nvSpPr>
+            <p:cNvPr id="147" name="Oval 146">
+              <a:extLst>
+                <a:ext uri="{FF2B5EF4-FFF2-40B4-BE49-F238E27FC236}">
+                  <a16:creationId xmlns:a16="http://schemas.microsoft.com/office/drawing/2014/main" id="{B31C13E1-3963-4E2E-93C0-BAFD63A17741}"/>
+                </a:ext>
+              </a:extLst>
+            </p:cNvPr>
+            <p:cNvSpPr/>
+            <p:nvPr/>
+          </p:nvSpPr>
+          <p:spPr>
+            <a:xfrm>
+              <a:off x="8933991" y="6159877"/>
+              <a:ext cx="148959" cy="147267"/>
+            </a:xfrm>
+            <a:prstGeom prst="ellipse">
+              <a:avLst/>
+            </a:prstGeom>
+          </p:spPr>
+          <p:style>
+            <a:lnRef idx="2">
+              <a:schemeClr val="accent1">
+                <a:shade val="50000"/>
+              </a:schemeClr>
+            </a:lnRef>
+            <a:fillRef idx="1">
+              <a:schemeClr val="accent1"/>
+            </a:fillRef>
+            <a:effectRef idx="0">
+              <a:schemeClr val="accent1"/>
+            </a:effectRef>
+            <a:fontRef idx="minor">
+              <a:schemeClr val="lt1"/>
+            </a:fontRef>
+          </p:style>
+          <p:txBody>
+            <a:bodyPr rtlCol="0" anchor="ctr"/>
+            <a:lstStyle/>
+            <a:p>
+              <a:pPr algn="ctr"/>
+              <a:endParaRPr lang="en-US" dirty="0"/>
+            </a:p>
+          </p:txBody>
+        </p:sp>
+        <p:cxnSp>
+          <p:nvCxnSpPr>
+            <p:cNvPr id="148" name="Straight Connector 147">
+              <a:extLst>
+                <a:ext uri="{FF2B5EF4-FFF2-40B4-BE49-F238E27FC236}">
+                  <a16:creationId xmlns:a16="http://schemas.microsoft.com/office/drawing/2014/main" id="{97E00E69-15B0-42BF-8362-4A5618B313B1}"/>
+                </a:ext>
+              </a:extLst>
+            </p:cNvPr>
+            <p:cNvCxnSpPr>
+              <a:cxnSpLocks/>
+              <a:stCxn id="144" idx="6"/>
+              <a:endCxn id="147" idx="2"/>
+            </p:cNvCxnSpPr>
+            <p:nvPr/>
+          </p:nvCxnSpPr>
+          <p:spPr>
+            <a:xfrm>
+              <a:off x="8835175" y="5978010"/>
+              <a:ext cx="98815" cy="255500"/>
+            </a:xfrm>
+            <a:prstGeom prst="line">
+              <a:avLst/>
+            </a:prstGeom>
+            <a:ln w="38100">
+              <a:solidFill>
+                <a:schemeClr val="accent6">
+                  <a:lumMod val="75000"/>
+                </a:schemeClr>
+              </a:solidFill>
+            </a:ln>
+          </p:spPr>
+          <p:style>
+            <a:lnRef idx="1">
+              <a:schemeClr val="accent1"/>
+            </a:lnRef>
+            <a:fillRef idx="0">
+              <a:schemeClr val="accent1"/>
+            </a:fillRef>
+            <a:effectRef idx="0">
+              <a:schemeClr val="accent1"/>
+            </a:effectRef>
+            <a:fontRef idx="minor">
+              <a:schemeClr val="tx1"/>
+            </a:fontRef>
+          </p:style>
+        </p:cxnSp>
+        <p:cxnSp>
+          <p:nvCxnSpPr>
+            <p:cNvPr id="150" name="Straight Connector 149">
+              <a:extLst>
+                <a:ext uri="{FF2B5EF4-FFF2-40B4-BE49-F238E27FC236}">
+                  <a16:creationId xmlns:a16="http://schemas.microsoft.com/office/drawing/2014/main" id="{F8172BE1-6082-40C1-B53E-99840BB50170}"/>
+                </a:ext>
+              </a:extLst>
+            </p:cNvPr>
+            <p:cNvCxnSpPr>
+              <a:cxnSpLocks/>
+              <a:endCxn id="149" idx="2"/>
+            </p:cNvCxnSpPr>
+            <p:nvPr/>
+          </p:nvCxnSpPr>
+          <p:spPr>
+            <a:xfrm>
+              <a:off x="9084388" y="6235727"/>
+              <a:ext cx="136065" cy="0"/>
+            </a:xfrm>
+            <a:prstGeom prst="line">
+              <a:avLst/>
+            </a:prstGeom>
+            <a:ln w="38100"/>
+          </p:spPr>
+          <p:style>
+            <a:lnRef idx="1">
+              <a:schemeClr val="accent1"/>
+            </a:lnRef>
+            <a:fillRef idx="0">
+              <a:schemeClr val="accent1"/>
+            </a:fillRef>
+            <a:effectRef idx="0">
+              <a:schemeClr val="accent1"/>
+            </a:effectRef>
+            <a:fontRef idx="minor">
+              <a:schemeClr val="tx1"/>
+            </a:fontRef>
+          </p:style>
+        </p:cxnSp>
+        <p:cxnSp>
+          <p:nvCxnSpPr>
+            <p:cNvPr id="151" name="Straight Connector 150">
+              <a:extLst>
+                <a:ext uri="{FF2B5EF4-FFF2-40B4-BE49-F238E27FC236}">
+                  <a16:creationId xmlns:a16="http://schemas.microsoft.com/office/drawing/2014/main" id="{874FF0E4-0513-4A56-87E3-4387215AFF23}"/>
+                </a:ext>
+              </a:extLst>
+            </p:cNvPr>
+            <p:cNvCxnSpPr>
+              <a:cxnSpLocks/>
+              <a:stCxn id="149" idx="6"/>
+              <a:endCxn id="152" idx="2"/>
+            </p:cNvCxnSpPr>
+            <p:nvPr/>
+          </p:nvCxnSpPr>
+          <p:spPr>
+            <a:xfrm>
+              <a:off x="9369412" y="6235727"/>
+              <a:ext cx="109082" cy="229101"/>
+            </a:xfrm>
+            <a:prstGeom prst="line">
+              <a:avLst/>
+            </a:prstGeom>
+            <a:ln w="38100">
+              <a:solidFill>
+                <a:schemeClr val="tx2">
+                  <a:lumMod val="75000"/>
+                  <a:lumOff val="25000"/>
+                </a:schemeClr>
+              </a:solidFill>
+            </a:ln>
+          </p:spPr>
+          <p:style>
+            <a:lnRef idx="1">
+              <a:schemeClr val="accent1"/>
+            </a:lnRef>
+            <a:fillRef idx="0">
+              <a:schemeClr val="accent1"/>
+            </a:fillRef>
+            <a:effectRef idx="0">
+              <a:schemeClr val="accent1"/>
+            </a:effectRef>
+            <a:fontRef idx="minor">
+              <a:schemeClr val="tx1"/>
+            </a:fontRef>
+          </p:style>
+        </p:cxnSp>
+        <p:sp>
+          <p:nvSpPr>
+            <p:cNvPr id="152" name="Oval 151">
+              <a:extLst>
+                <a:ext uri="{FF2B5EF4-FFF2-40B4-BE49-F238E27FC236}">
+                  <a16:creationId xmlns:a16="http://schemas.microsoft.com/office/drawing/2014/main" id="{DE319B22-0F72-43FF-8EAB-4EAB26E7B974}"/>
+                </a:ext>
+              </a:extLst>
+            </p:cNvPr>
+            <p:cNvSpPr/>
+            <p:nvPr/>
+          </p:nvSpPr>
+          <p:spPr>
+            <a:xfrm>
+              <a:off x="9478494" y="6391194"/>
+              <a:ext cx="148959" cy="147267"/>
+            </a:xfrm>
+            <a:prstGeom prst="ellipse">
+              <a:avLst/>
+            </a:prstGeom>
+            <a:solidFill>
+              <a:schemeClr val="tx2">
+                <a:lumMod val="50000"/>
+                <a:lumOff val="50000"/>
+              </a:schemeClr>
+            </a:solidFill>
+            <a:ln>
+              <a:solidFill>
+                <a:schemeClr val="tx2">
+                  <a:lumMod val="75000"/>
+                  <a:lumOff val="25000"/>
+                </a:schemeClr>
+              </a:solidFill>
+            </a:ln>
+          </p:spPr>
+          <p:style>
+            <a:lnRef idx="2">
+              <a:schemeClr val="accent1">
+                <a:shade val="50000"/>
+              </a:schemeClr>
+            </a:lnRef>
+            <a:fillRef idx="1">
+              <a:schemeClr val="accent1"/>
+            </a:fillRef>
+            <a:effectRef idx="0">
+              <a:schemeClr val="accent1"/>
+            </a:effectRef>
+            <a:fontRef idx="minor">
+              <a:schemeClr val="lt1"/>
+            </a:fontRef>
+          </p:style>
+          <p:txBody>
+            <a:bodyPr rtlCol="0" anchor="ctr"/>
+            <a:lstStyle/>
+            <a:p>
+              <a:pPr algn="ctr"/>
+              <a:endParaRPr lang="en-US"/>
+            </a:p>
+          </p:txBody>
+        </p:sp>
+        <p:sp>
+          <p:nvSpPr>
+            <p:cNvPr id="149" name="Oval 148">
+              <a:extLst>
+                <a:ext uri="{FF2B5EF4-FFF2-40B4-BE49-F238E27FC236}">
+                  <a16:creationId xmlns:a16="http://schemas.microsoft.com/office/drawing/2014/main" id="{E364F437-CA09-4DFE-A519-B45A85F0C4F4}"/>
+                </a:ext>
+              </a:extLst>
+            </p:cNvPr>
+            <p:cNvSpPr/>
+            <p:nvPr/>
+          </p:nvSpPr>
+          <p:spPr>
+            <a:xfrm>
+              <a:off x="9220453" y="6162093"/>
+              <a:ext cx="148959" cy="147267"/>
+            </a:xfrm>
+            <a:prstGeom prst="ellipse">
+              <a:avLst/>
+            </a:prstGeom>
+          </p:spPr>
+          <p:style>
+            <a:lnRef idx="2">
+              <a:schemeClr val="accent1">
+                <a:shade val="50000"/>
+              </a:schemeClr>
+            </a:lnRef>
+            <a:fillRef idx="1">
+              <a:schemeClr val="accent1"/>
+            </a:fillRef>
+            <a:effectRef idx="0">
+              <a:schemeClr val="accent1"/>
+            </a:effectRef>
+            <a:fontRef idx="minor">
+              <a:schemeClr val="lt1"/>
+            </a:fontRef>
+          </p:style>
+          <p:txBody>
+            <a:bodyPr rtlCol="0" anchor="ctr"/>
+            <a:lstStyle/>
+            <a:p>
+              <a:pPr algn="ctr"/>
+              <a:endParaRPr lang="en-US"/>
+            </a:p>
+          </p:txBody>
+        </p:sp>
+        <p:sp>
+          <p:nvSpPr>
+            <p:cNvPr id="153" name="Oval 152">
+              <a:extLst>
+                <a:ext uri="{FF2B5EF4-FFF2-40B4-BE49-F238E27FC236}">
+                  <a16:creationId xmlns:a16="http://schemas.microsoft.com/office/drawing/2014/main" id="{D037BB64-F1BF-489A-9114-9F7C8470EF04}"/>
+                </a:ext>
+              </a:extLst>
+            </p:cNvPr>
+            <p:cNvSpPr/>
+            <p:nvPr/>
+          </p:nvSpPr>
+          <p:spPr>
+            <a:xfrm>
+              <a:off x="9764956" y="6391194"/>
+              <a:ext cx="148959" cy="147267"/>
+            </a:xfrm>
+            <a:prstGeom prst="ellipse">
+              <a:avLst/>
+            </a:prstGeom>
+            <a:solidFill>
+              <a:schemeClr val="tx2">
+                <a:lumMod val="50000"/>
+                <a:lumOff val="50000"/>
+              </a:schemeClr>
+            </a:solidFill>
+            <a:ln>
+              <a:solidFill>
+                <a:schemeClr val="tx2">
+                  <a:lumMod val="75000"/>
+                  <a:lumOff val="25000"/>
+                </a:schemeClr>
+              </a:solidFill>
+            </a:ln>
+          </p:spPr>
+          <p:style>
+            <a:lnRef idx="2">
+              <a:schemeClr val="accent1">
+                <a:shade val="50000"/>
+              </a:schemeClr>
+            </a:lnRef>
+            <a:fillRef idx="1">
+              <a:schemeClr val="accent1"/>
+            </a:fillRef>
+            <a:effectRef idx="0">
+              <a:schemeClr val="accent1"/>
+            </a:effectRef>
+            <a:fontRef idx="minor">
+              <a:schemeClr val="lt1"/>
+            </a:fontRef>
+          </p:style>
+          <p:txBody>
+            <a:bodyPr rtlCol="0" anchor="ctr"/>
+            <a:lstStyle/>
+            <a:p>
+              <a:pPr algn="ctr"/>
+              <a:endParaRPr lang="en-US"/>
+            </a:p>
+          </p:txBody>
+        </p:sp>
+        <p:sp>
+          <p:nvSpPr>
+            <p:cNvPr id="155" name="Oval 154">
+              <a:extLst>
+                <a:ext uri="{FF2B5EF4-FFF2-40B4-BE49-F238E27FC236}">
+                  <a16:creationId xmlns:a16="http://schemas.microsoft.com/office/drawing/2014/main" id="{9D882F5A-C715-47A9-9CC1-3D4F563714EC}"/>
+                </a:ext>
+              </a:extLst>
+            </p:cNvPr>
+            <p:cNvSpPr/>
+            <p:nvPr/>
+          </p:nvSpPr>
+          <p:spPr>
+            <a:xfrm>
+              <a:off x="10046040" y="6391193"/>
+              <a:ext cx="148959" cy="147267"/>
+            </a:xfrm>
+            <a:prstGeom prst="ellipse">
+              <a:avLst/>
+            </a:prstGeom>
+            <a:solidFill>
+              <a:schemeClr val="tx2">
+                <a:lumMod val="50000"/>
+                <a:lumOff val="50000"/>
+              </a:schemeClr>
+            </a:solidFill>
+            <a:ln>
+              <a:solidFill>
+                <a:schemeClr val="tx2">
+                  <a:lumMod val="75000"/>
+                  <a:lumOff val="25000"/>
+                </a:schemeClr>
+              </a:solidFill>
+            </a:ln>
+          </p:spPr>
+          <p:style>
+            <a:lnRef idx="2">
+              <a:schemeClr val="accent1">
+                <a:shade val="50000"/>
+              </a:schemeClr>
+            </a:lnRef>
+            <a:fillRef idx="1">
+              <a:schemeClr val="accent1"/>
+            </a:fillRef>
+            <a:effectRef idx="0">
+              <a:schemeClr val="accent1"/>
+            </a:effectRef>
+            <a:fontRef idx="minor">
+              <a:schemeClr val="lt1"/>
+            </a:fontRef>
+          </p:style>
+          <p:txBody>
+            <a:bodyPr rtlCol="0" anchor="ctr"/>
+            <a:lstStyle/>
+            <a:p>
+              <a:pPr algn="ctr"/>
+              <a:endParaRPr lang="en-US"/>
+            </a:p>
+          </p:txBody>
+        </p:sp>
+        <p:cxnSp>
+          <p:nvCxnSpPr>
+            <p:cNvPr id="156" name="Straight Connector 155">
+              <a:extLst>
+                <a:ext uri="{FF2B5EF4-FFF2-40B4-BE49-F238E27FC236}">
+                  <a16:creationId xmlns:a16="http://schemas.microsoft.com/office/drawing/2014/main" id="{DEC78D7F-7D4B-4DB0-922E-8634F9487386}"/>
+                </a:ext>
+              </a:extLst>
+            </p:cNvPr>
+            <p:cNvCxnSpPr>
+              <a:endCxn id="155" idx="2"/>
+            </p:cNvCxnSpPr>
+            <p:nvPr/>
+          </p:nvCxnSpPr>
+          <p:spPr>
+            <a:xfrm>
+              <a:off x="9909975" y="6464826"/>
+              <a:ext cx="136065" cy="0"/>
+            </a:xfrm>
+            <a:prstGeom prst="line">
+              <a:avLst/>
+            </a:prstGeom>
+            <a:ln w="38100">
+              <a:solidFill>
+                <a:schemeClr val="tx2">
+                  <a:lumMod val="75000"/>
+                  <a:lumOff val="25000"/>
+                </a:schemeClr>
+              </a:solidFill>
+            </a:ln>
+          </p:spPr>
+          <p:style>
+            <a:lnRef idx="1">
+              <a:schemeClr val="accent1"/>
+            </a:lnRef>
+            <a:fillRef idx="0">
+              <a:schemeClr val="accent1"/>
+            </a:fillRef>
+            <a:effectRef idx="0">
+              <a:schemeClr val="accent1"/>
+            </a:effectRef>
+            <a:fontRef idx="minor">
+              <a:schemeClr val="tx1"/>
+            </a:fontRef>
+          </p:style>
+        </p:cxnSp>
+      </p:grpSp>
+      <p:sp>
+        <p:nvSpPr>
+          <p:cNvPr id="157" name="Arrow: Down 156">
+            <a:extLst>
+              <a:ext uri="{FF2B5EF4-FFF2-40B4-BE49-F238E27FC236}">
+                <a16:creationId xmlns:a16="http://schemas.microsoft.com/office/drawing/2014/main" id="{1767DE2C-9EEE-477C-A7C1-4A396BD51113}"/>
+              </a:ext>
+            </a:extLst>
+          </p:cNvPr>
+          <p:cNvSpPr/>
+          <p:nvPr/>
+        </p:nvSpPr>
+        <p:spPr>
+          <a:xfrm rot="5400000">
+            <a:off x="5815000" y="4459005"/>
+            <a:ext cx="425597" cy="2226772"/>
+          </a:xfrm>
+          <a:prstGeom prst="downArrow">
+            <a:avLst/>
+          </a:prstGeom>
+          <a:solidFill>
+            <a:schemeClr val="bg2">
+              <a:lumMod val="50000"/>
+            </a:schemeClr>
+          </a:solidFill>
+          <a:ln>
+            <a:solidFill>
+              <a:schemeClr val="bg2">
+                <a:lumMod val="10000"/>
+              </a:schemeClr>
+            </a:solidFill>
+          </a:ln>
+        </p:spPr>
+        <p:style>
+          <a:lnRef idx="2">
+            <a:schemeClr val="accent1">
+              <a:shade val="50000"/>
+            </a:schemeClr>
+          </a:lnRef>
+          <a:fillRef idx="1">
+            <a:schemeClr val="accent1"/>
+          </a:fillRef>
+          <a:effectRef idx="0">
+            <a:schemeClr val="accent1"/>
+          </a:effectRef>
+          <a:fontRef idx="minor">
+            <a:schemeClr val="lt1"/>
+          </a:fontRef>
+        </p:style>
+        <p:txBody>
+          <a:bodyPr rtlCol="0" anchor="ctr"/>
+          <a:lstStyle/>
+          <a:p>
+            <a:pPr algn="ctr"/>
+            <a:endParaRPr lang="en-US"/>
+          </a:p>
+        </p:txBody>
+      </p:sp>
+      <p:sp>
+        <p:nvSpPr>
+          <p:cNvPr id="158" name="TextBox 157">
+            <a:extLst>
+              <a:ext uri="{FF2B5EF4-FFF2-40B4-BE49-F238E27FC236}">
+                <a16:creationId xmlns:a16="http://schemas.microsoft.com/office/drawing/2014/main" id="{485DB051-F294-4BE5-B179-8B41582FA92B}"/>
+              </a:ext>
+            </a:extLst>
+          </p:cNvPr>
+          <p:cNvSpPr txBox="1"/>
+          <p:nvPr/>
+        </p:nvSpPr>
+        <p:spPr>
+          <a:xfrm>
+            <a:off x="5227898" y="5047111"/>
+            <a:ext cx="1507046" cy="369332"/>
+          </a:xfrm>
+          <a:prstGeom prst="rect">
+            <a:avLst/>
+          </a:prstGeom>
+          <a:noFill/>
+        </p:spPr>
+        <p:txBody>
+          <a:bodyPr wrap="square" rtlCol="0">
+            <a:spAutoFit/>
+          </a:bodyPr>
+          <a:lstStyle/>
+          <a:p>
+            <a:r>
+              <a:rPr lang="en-US" dirty="0"/>
+              <a:t>Pull Request</a:t>
+            </a:r>
+          </a:p>
+        </p:txBody>
+      </p:sp>
+      <p:sp>
+        <p:nvSpPr>
+          <p:cNvPr id="160" name="Rectangle: Rounded Corners 159">
+            <a:extLst>
+              <a:ext uri="{FF2B5EF4-FFF2-40B4-BE49-F238E27FC236}">
+                <a16:creationId xmlns:a16="http://schemas.microsoft.com/office/drawing/2014/main" id="{CD55F46E-8F18-4144-AC71-21C861D94C85}"/>
+              </a:ext>
+            </a:extLst>
+          </p:cNvPr>
+          <p:cNvSpPr/>
+          <p:nvPr/>
+        </p:nvSpPr>
+        <p:spPr>
+          <a:xfrm>
+            <a:off x="996927" y="4746510"/>
+            <a:ext cx="3530786" cy="1916447"/>
+          </a:xfrm>
+          <a:prstGeom prst="roundRect">
+            <a:avLst/>
+          </a:prstGeom>
+          <a:solidFill>
+            <a:schemeClr val="accent4">
+              <a:lumMod val="20000"/>
+              <a:lumOff val="80000"/>
+            </a:schemeClr>
+          </a:solidFill>
+          <a:ln>
+            <a:solidFill>
+              <a:schemeClr val="accent4">
+                <a:lumMod val="75000"/>
+              </a:schemeClr>
+            </a:solidFill>
+          </a:ln>
+        </p:spPr>
+        <p:style>
+          <a:lnRef idx="2">
+            <a:schemeClr val="accent1">
+              <a:shade val="50000"/>
+            </a:schemeClr>
+          </a:lnRef>
+          <a:fillRef idx="1">
+            <a:schemeClr val="accent1"/>
+          </a:fillRef>
+          <a:effectRef idx="0">
+            <a:schemeClr val="accent1"/>
+          </a:effectRef>
+          <a:fontRef idx="minor">
+            <a:schemeClr val="lt1"/>
+          </a:fontRef>
+        </p:style>
+        <p:txBody>
+          <a:bodyPr rtlCol="0" anchor="ctr"/>
+          <a:lstStyle/>
+          <a:p>
+            <a:pPr algn="ctr"/>
+            <a:endParaRPr lang="en-US" dirty="0"/>
+          </a:p>
+        </p:txBody>
+      </p:sp>
+      <p:sp>
+        <p:nvSpPr>
+          <p:cNvPr id="162" name="TextBox 161">
+            <a:extLst>
+              <a:ext uri="{FF2B5EF4-FFF2-40B4-BE49-F238E27FC236}">
+                <a16:creationId xmlns:a16="http://schemas.microsoft.com/office/drawing/2014/main" id="{A94F4DC6-E4CF-4567-82E4-4ABC991021D2}"/>
+              </a:ext>
+            </a:extLst>
+          </p:cNvPr>
+          <p:cNvSpPr txBox="1"/>
+          <p:nvPr/>
+        </p:nvSpPr>
+        <p:spPr>
+          <a:xfrm>
+            <a:off x="1156067" y="4885528"/>
+            <a:ext cx="2803019" cy="584775"/>
+          </a:xfrm>
+          <a:prstGeom prst="rect">
+            <a:avLst/>
+          </a:prstGeom>
+          <a:noFill/>
+        </p:spPr>
+        <p:txBody>
+          <a:bodyPr wrap="square" rtlCol="0">
+            <a:spAutoFit/>
+          </a:bodyPr>
+          <a:lstStyle/>
+          <a:p>
+            <a:r>
+              <a:rPr lang="en-US" sz="1600" dirty="0" err="1"/>
+              <a:t>chaedri</a:t>
+            </a:r>
+            <a:r>
+              <a:rPr lang="en-US" sz="1600" dirty="0"/>
+              <a:t>/GIS714-PR-tests</a:t>
+            </a:r>
+          </a:p>
+          <a:p>
+            <a:r>
+              <a:rPr lang="en-US" sz="1600" dirty="0"/>
+              <a:t>with your new additions!</a:t>
+            </a:r>
+          </a:p>
+        </p:txBody>
+      </p:sp>
+      <p:grpSp>
+        <p:nvGrpSpPr>
+          <p:cNvPr id="271" name="Group 270">
+            <a:extLst>
+              <a:ext uri="{FF2B5EF4-FFF2-40B4-BE49-F238E27FC236}">
+                <a16:creationId xmlns:a16="http://schemas.microsoft.com/office/drawing/2014/main" id="{9DE97D16-1BBC-4725-B48A-55B163061F3D}"/>
+              </a:ext>
+            </a:extLst>
+          </p:cNvPr>
+          <p:cNvGrpSpPr/>
+          <p:nvPr/>
+        </p:nvGrpSpPr>
+        <p:grpSpPr>
+          <a:xfrm>
+            <a:off x="1088583" y="5766635"/>
+            <a:ext cx="3407031" cy="634084"/>
+            <a:chOff x="679008" y="5842835"/>
+            <a:chExt cx="3407031" cy="634084"/>
+          </a:xfrm>
+        </p:grpSpPr>
+        <p:cxnSp>
+          <p:nvCxnSpPr>
+            <p:cNvPr id="234" name="Straight Connector 233">
+              <a:extLst>
+                <a:ext uri="{FF2B5EF4-FFF2-40B4-BE49-F238E27FC236}">
+                  <a16:creationId xmlns:a16="http://schemas.microsoft.com/office/drawing/2014/main" id="{56EEF166-3B44-44B5-93FC-64CF1B47DC9A}"/>
+                </a:ext>
+              </a:extLst>
+            </p:cNvPr>
+            <p:cNvCxnSpPr>
+              <a:endCxn id="257" idx="2"/>
+            </p:cNvCxnSpPr>
+            <p:nvPr/>
+          </p:nvCxnSpPr>
+          <p:spPr>
+            <a:xfrm>
+              <a:off x="3046803" y="6403285"/>
+              <a:ext cx="136065" cy="0"/>
+            </a:xfrm>
+            <a:prstGeom prst="line">
+              <a:avLst/>
+            </a:prstGeom>
+            <a:ln w="38100">
+              <a:solidFill>
+                <a:schemeClr val="tx2">
+                  <a:lumMod val="75000"/>
+                  <a:lumOff val="25000"/>
+                </a:schemeClr>
+              </a:solidFill>
+            </a:ln>
+          </p:spPr>
+          <p:style>
+            <a:lnRef idx="1">
+              <a:schemeClr val="accent1"/>
+            </a:lnRef>
+            <a:fillRef idx="0">
+              <a:schemeClr val="accent1"/>
+            </a:fillRef>
+            <a:effectRef idx="0">
+              <a:schemeClr val="accent1"/>
+            </a:effectRef>
+            <a:fontRef idx="minor">
+              <a:schemeClr val="tx1"/>
+            </a:fontRef>
+          </p:style>
+        </p:cxnSp>
+        <p:cxnSp>
+          <p:nvCxnSpPr>
+            <p:cNvPr id="235" name="Straight Connector 234">
+              <a:extLst>
+                <a:ext uri="{FF2B5EF4-FFF2-40B4-BE49-F238E27FC236}">
+                  <a16:creationId xmlns:a16="http://schemas.microsoft.com/office/drawing/2014/main" id="{45483802-3647-45D2-8E8E-43AB5D09A8D1}"/>
+                </a:ext>
+              </a:extLst>
+            </p:cNvPr>
+            <p:cNvCxnSpPr>
+              <a:cxnSpLocks/>
+              <a:stCxn id="237" idx="6"/>
+              <a:endCxn id="241" idx="2"/>
+            </p:cNvCxnSpPr>
+            <p:nvPr/>
+          </p:nvCxnSpPr>
+          <p:spPr>
+            <a:xfrm flipV="1">
+              <a:off x="1112991" y="5916468"/>
+              <a:ext cx="136065" cy="257716"/>
+            </a:xfrm>
+            <a:prstGeom prst="line">
+              <a:avLst/>
+            </a:prstGeom>
+            <a:ln w="38100">
+              <a:solidFill>
+                <a:schemeClr val="accent6"/>
+              </a:solidFill>
+            </a:ln>
+          </p:spPr>
+          <p:style>
+            <a:lnRef idx="1">
+              <a:schemeClr val="accent1"/>
+            </a:lnRef>
+            <a:fillRef idx="0">
+              <a:schemeClr val="accent1"/>
+            </a:fillRef>
+            <a:effectRef idx="0">
+              <a:schemeClr val="accent1"/>
+            </a:effectRef>
+            <a:fontRef idx="minor">
+              <a:schemeClr val="tx1"/>
+            </a:fontRef>
+          </p:style>
+        </p:cxnSp>
+        <p:sp>
+          <p:nvSpPr>
+            <p:cNvPr id="236" name="Oval 235">
+              <a:extLst>
+                <a:ext uri="{FF2B5EF4-FFF2-40B4-BE49-F238E27FC236}">
+                  <a16:creationId xmlns:a16="http://schemas.microsoft.com/office/drawing/2014/main" id="{5861EB0E-D707-49AD-AA74-E7EB1B1B223A}"/>
+                </a:ext>
+              </a:extLst>
+            </p:cNvPr>
+            <p:cNvSpPr/>
+            <p:nvPr/>
+          </p:nvSpPr>
+          <p:spPr>
+            <a:xfrm>
+              <a:off x="679008" y="6100551"/>
+              <a:ext cx="148959" cy="147267"/>
+            </a:xfrm>
+            <a:prstGeom prst="ellipse">
+              <a:avLst/>
+            </a:prstGeom>
+          </p:spPr>
+          <p:style>
+            <a:lnRef idx="2">
+              <a:schemeClr val="accent1">
+                <a:shade val="50000"/>
+              </a:schemeClr>
+            </a:lnRef>
+            <a:fillRef idx="1">
+              <a:schemeClr val="accent1"/>
+            </a:fillRef>
+            <a:effectRef idx="0">
+              <a:schemeClr val="accent1"/>
+            </a:effectRef>
+            <a:fontRef idx="minor">
+              <a:schemeClr val="lt1"/>
+            </a:fontRef>
+          </p:style>
+          <p:txBody>
+            <a:bodyPr rtlCol="0" anchor="ctr"/>
+            <a:lstStyle/>
+            <a:p>
+              <a:pPr algn="ctr"/>
+              <a:endParaRPr lang="en-US"/>
+            </a:p>
+          </p:txBody>
+        </p:sp>
+        <p:sp>
+          <p:nvSpPr>
+            <p:cNvPr id="237" name="Oval 236">
+              <a:extLst>
+                <a:ext uri="{FF2B5EF4-FFF2-40B4-BE49-F238E27FC236}">
+                  <a16:creationId xmlns:a16="http://schemas.microsoft.com/office/drawing/2014/main" id="{1242FFE0-5BA7-450F-9FD7-2B9FCB989F88}"/>
+                </a:ext>
+              </a:extLst>
+            </p:cNvPr>
+            <p:cNvSpPr/>
+            <p:nvPr/>
+          </p:nvSpPr>
+          <p:spPr>
+            <a:xfrm>
+              <a:off x="964032" y="6100551"/>
+              <a:ext cx="148959" cy="147267"/>
+            </a:xfrm>
+            <a:prstGeom prst="ellipse">
+              <a:avLst/>
+            </a:prstGeom>
+          </p:spPr>
+          <p:style>
+            <a:lnRef idx="2">
+              <a:schemeClr val="accent1">
+                <a:shade val="50000"/>
+              </a:schemeClr>
+            </a:lnRef>
+            <a:fillRef idx="1">
+              <a:schemeClr val="accent1"/>
+            </a:fillRef>
+            <a:effectRef idx="0">
+              <a:schemeClr val="accent1"/>
+            </a:effectRef>
+            <a:fontRef idx="minor">
+              <a:schemeClr val="lt1"/>
+            </a:fontRef>
+          </p:style>
+          <p:txBody>
+            <a:bodyPr rtlCol="0" anchor="ctr"/>
+            <a:lstStyle/>
+            <a:p>
+              <a:pPr algn="ctr"/>
+              <a:endParaRPr lang="en-US"/>
+            </a:p>
+          </p:txBody>
+        </p:sp>
+        <p:cxnSp>
+          <p:nvCxnSpPr>
+            <p:cNvPr id="238" name="Straight Connector 237">
+              <a:extLst>
+                <a:ext uri="{FF2B5EF4-FFF2-40B4-BE49-F238E27FC236}">
+                  <a16:creationId xmlns:a16="http://schemas.microsoft.com/office/drawing/2014/main" id="{3B8783AA-FBBF-48A7-98FB-281141B82159}"/>
+                </a:ext>
+              </a:extLst>
+            </p:cNvPr>
+            <p:cNvCxnSpPr>
+              <a:stCxn id="236" idx="6"/>
+              <a:endCxn id="237" idx="2"/>
+            </p:cNvCxnSpPr>
+            <p:nvPr/>
+          </p:nvCxnSpPr>
+          <p:spPr>
+            <a:xfrm>
+              <a:off x="827967" y="6174185"/>
+              <a:ext cx="136065" cy="0"/>
+            </a:xfrm>
+            <a:prstGeom prst="line">
+              <a:avLst/>
+            </a:prstGeom>
+            <a:ln w="38100"/>
+          </p:spPr>
+          <p:style>
+            <a:lnRef idx="1">
+              <a:schemeClr val="accent1"/>
+            </a:lnRef>
+            <a:fillRef idx="0">
+              <a:schemeClr val="accent1"/>
+            </a:fillRef>
+            <a:effectRef idx="0">
+              <a:schemeClr val="accent1"/>
+            </a:effectRef>
+            <a:fontRef idx="minor">
+              <a:schemeClr val="tx1"/>
+            </a:fontRef>
+          </p:style>
+        </p:cxnSp>
+        <p:sp>
+          <p:nvSpPr>
+            <p:cNvPr id="239" name="Oval 238">
+              <a:extLst>
+                <a:ext uri="{FF2B5EF4-FFF2-40B4-BE49-F238E27FC236}">
+                  <a16:creationId xmlns:a16="http://schemas.microsoft.com/office/drawing/2014/main" id="{0C7E8C3A-28BA-430A-BAE9-576499CC30CF}"/>
+                </a:ext>
+              </a:extLst>
+            </p:cNvPr>
+            <p:cNvSpPr/>
+            <p:nvPr/>
+          </p:nvSpPr>
+          <p:spPr>
+            <a:xfrm>
+              <a:off x="1249056" y="6100551"/>
+              <a:ext cx="148959" cy="147267"/>
+            </a:xfrm>
+            <a:prstGeom prst="ellipse">
+              <a:avLst/>
+            </a:prstGeom>
+          </p:spPr>
+          <p:style>
+            <a:lnRef idx="2">
+              <a:schemeClr val="accent1">
+                <a:shade val="50000"/>
+              </a:schemeClr>
+            </a:lnRef>
+            <a:fillRef idx="1">
+              <a:schemeClr val="accent1"/>
+            </a:fillRef>
+            <a:effectRef idx="0">
+              <a:schemeClr val="accent1"/>
+            </a:effectRef>
+            <a:fontRef idx="minor">
+              <a:schemeClr val="lt1"/>
+            </a:fontRef>
+          </p:style>
+          <p:txBody>
+            <a:bodyPr rtlCol="0" anchor="ctr"/>
+            <a:lstStyle/>
+            <a:p>
+              <a:pPr algn="ctr"/>
+              <a:endParaRPr lang="en-US"/>
+            </a:p>
+          </p:txBody>
+        </p:sp>
+        <p:cxnSp>
+          <p:nvCxnSpPr>
+            <p:cNvPr id="240" name="Straight Connector 239">
+              <a:extLst>
+                <a:ext uri="{FF2B5EF4-FFF2-40B4-BE49-F238E27FC236}">
+                  <a16:creationId xmlns:a16="http://schemas.microsoft.com/office/drawing/2014/main" id="{332D8BE8-1C44-4470-8535-AECEC938FFB8}"/>
+                </a:ext>
+              </a:extLst>
+            </p:cNvPr>
+            <p:cNvCxnSpPr>
+              <a:endCxn id="239" idx="2"/>
+            </p:cNvCxnSpPr>
+            <p:nvPr/>
+          </p:nvCxnSpPr>
+          <p:spPr>
+            <a:xfrm>
+              <a:off x="1112991" y="6174185"/>
+              <a:ext cx="136065" cy="0"/>
+            </a:xfrm>
+            <a:prstGeom prst="line">
+              <a:avLst/>
+            </a:prstGeom>
+            <a:ln w="38100"/>
+          </p:spPr>
+          <p:style>
+            <a:lnRef idx="1">
+              <a:schemeClr val="accent1"/>
+            </a:lnRef>
+            <a:fillRef idx="0">
+              <a:schemeClr val="accent1"/>
+            </a:fillRef>
+            <a:effectRef idx="0">
+              <a:schemeClr val="accent1"/>
+            </a:effectRef>
+            <a:fontRef idx="minor">
+              <a:schemeClr val="tx1"/>
+            </a:fontRef>
+          </p:style>
+        </p:cxnSp>
+        <p:sp>
+          <p:nvSpPr>
+            <p:cNvPr id="241" name="Oval 240">
+              <a:extLst>
+                <a:ext uri="{FF2B5EF4-FFF2-40B4-BE49-F238E27FC236}">
+                  <a16:creationId xmlns:a16="http://schemas.microsoft.com/office/drawing/2014/main" id="{A13A6B28-262D-4E67-9836-008515DFB1C9}"/>
+                </a:ext>
+              </a:extLst>
+            </p:cNvPr>
+            <p:cNvSpPr/>
+            <p:nvPr/>
+          </p:nvSpPr>
+          <p:spPr>
+            <a:xfrm>
+              <a:off x="1249056" y="5842835"/>
+              <a:ext cx="148959" cy="147267"/>
+            </a:xfrm>
+            <a:prstGeom prst="ellipse">
+              <a:avLst/>
+            </a:prstGeom>
+            <a:solidFill>
+              <a:schemeClr val="accent6">
+                <a:lumMod val="60000"/>
+                <a:lumOff val="40000"/>
+              </a:schemeClr>
+            </a:solidFill>
+            <a:ln>
+              <a:solidFill>
+                <a:schemeClr val="accent6">
+                  <a:lumMod val="75000"/>
+                </a:schemeClr>
+              </a:solidFill>
+            </a:ln>
+          </p:spPr>
+          <p:style>
+            <a:lnRef idx="2">
+              <a:schemeClr val="accent1">
+                <a:shade val="50000"/>
+              </a:schemeClr>
+            </a:lnRef>
+            <a:fillRef idx="1">
+              <a:schemeClr val="accent1"/>
+            </a:fillRef>
+            <a:effectRef idx="0">
+              <a:schemeClr val="accent1"/>
+            </a:effectRef>
+            <a:fontRef idx="minor">
+              <a:schemeClr val="lt1"/>
+            </a:fontRef>
+          </p:style>
+          <p:txBody>
+            <a:bodyPr rtlCol="0" anchor="ctr"/>
+            <a:lstStyle/>
+            <a:p>
+              <a:pPr algn="ctr"/>
+              <a:endParaRPr lang="en-US"/>
+            </a:p>
+          </p:txBody>
+        </p:sp>
+        <p:sp>
+          <p:nvSpPr>
+            <p:cNvPr id="242" name="Oval 241">
+              <a:extLst>
+                <a:ext uri="{FF2B5EF4-FFF2-40B4-BE49-F238E27FC236}">
+                  <a16:creationId xmlns:a16="http://schemas.microsoft.com/office/drawing/2014/main" id="{52E8D5AA-BE2E-4AE6-918E-349CF9B77E7C}"/>
+                </a:ext>
+              </a:extLst>
+            </p:cNvPr>
+            <p:cNvSpPr/>
+            <p:nvPr/>
+          </p:nvSpPr>
+          <p:spPr>
+            <a:xfrm>
+              <a:off x="1534080" y="5842835"/>
+              <a:ext cx="148959" cy="147267"/>
+            </a:xfrm>
+            <a:prstGeom prst="ellipse">
+              <a:avLst/>
+            </a:prstGeom>
+            <a:solidFill>
+              <a:schemeClr val="accent6">
+                <a:lumMod val="60000"/>
+                <a:lumOff val="40000"/>
+              </a:schemeClr>
+            </a:solidFill>
+            <a:ln>
+              <a:solidFill>
+                <a:schemeClr val="accent6">
+                  <a:lumMod val="75000"/>
+                </a:schemeClr>
+              </a:solidFill>
+            </a:ln>
+          </p:spPr>
+          <p:style>
+            <a:lnRef idx="2">
+              <a:schemeClr val="accent1">
+                <a:shade val="50000"/>
+              </a:schemeClr>
+            </a:lnRef>
+            <a:fillRef idx="1">
+              <a:schemeClr val="accent1"/>
+            </a:fillRef>
+            <a:effectRef idx="0">
+              <a:schemeClr val="accent1"/>
+            </a:effectRef>
+            <a:fontRef idx="minor">
+              <a:schemeClr val="lt1"/>
+            </a:fontRef>
+          </p:style>
+          <p:txBody>
+            <a:bodyPr rtlCol="0" anchor="ctr"/>
+            <a:lstStyle/>
+            <a:p>
+              <a:pPr algn="ctr"/>
+              <a:endParaRPr lang="en-US"/>
+            </a:p>
+          </p:txBody>
+        </p:sp>
+        <p:cxnSp>
+          <p:nvCxnSpPr>
+            <p:cNvPr id="243" name="Straight Connector 242">
+              <a:extLst>
+                <a:ext uri="{FF2B5EF4-FFF2-40B4-BE49-F238E27FC236}">
+                  <a16:creationId xmlns:a16="http://schemas.microsoft.com/office/drawing/2014/main" id="{8233B1F2-1C1A-42C2-83E4-B961EA3564F0}"/>
+                </a:ext>
+              </a:extLst>
+            </p:cNvPr>
+            <p:cNvCxnSpPr>
+              <a:endCxn id="242" idx="2"/>
+            </p:cNvCxnSpPr>
+            <p:nvPr/>
+          </p:nvCxnSpPr>
+          <p:spPr>
+            <a:xfrm>
+              <a:off x="1398015" y="5916468"/>
+              <a:ext cx="136065" cy="0"/>
+            </a:xfrm>
+            <a:prstGeom prst="line">
+              <a:avLst/>
+            </a:prstGeom>
+            <a:ln w="38100">
+              <a:solidFill>
+                <a:schemeClr val="accent6">
+                  <a:lumMod val="75000"/>
+                </a:schemeClr>
+              </a:solidFill>
+            </a:ln>
+          </p:spPr>
+          <p:style>
+            <a:lnRef idx="1">
+              <a:schemeClr val="accent1"/>
+            </a:lnRef>
+            <a:fillRef idx="0">
+              <a:schemeClr val="accent1"/>
+            </a:fillRef>
+            <a:effectRef idx="0">
+              <a:schemeClr val="accent1"/>
+            </a:effectRef>
+            <a:fontRef idx="minor">
+              <a:schemeClr val="tx1"/>
+            </a:fontRef>
+          </p:style>
+        </p:cxnSp>
+        <p:sp>
+          <p:nvSpPr>
+            <p:cNvPr id="244" name="Oval 243">
+              <a:extLst>
+                <a:ext uri="{FF2B5EF4-FFF2-40B4-BE49-F238E27FC236}">
+                  <a16:creationId xmlns:a16="http://schemas.microsoft.com/office/drawing/2014/main" id="{02EA5FA4-50F5-400A-85FE-2F0B7B8FB8AC}"/>
+                </a:ext>
+              </a:extLst>
+            </p:cNvPr>
+            <p:cNvSpPr/>
+            <p:nvPr/>
+          </p:nvSpPr>
+          <p:spPr>
+            <a:xfrm>
+              <a:off x="1534080" y="6100551"/>
+              <a:ext cx="148959" cy="147267"/>
+            </a:xfrm>
+            <a:prstGeom prst="ellipse">
+              <a:avLst/>
+            </a:prstGeom>
+          </p:spPr>
+          <p:style>
+            <a:lnRef idx="2">
+              <a:schemeClr val="accent1">
+                <a:shade val="50000"/>
+              </a:schemeClr>
+            </a:lnRef>
+            <a:fillRef idx="1">
+              <a:schemeClr val="accent1"/>
+            </a:fillRef>
+            <a:effectRef idx="0">
+              <a:schemeClr val="accent1"/>
+            </a:effectRef>
+            <a:fontRef idx="minor">
+              <a:schemeClr val="lt1"/>
+            </a:fontRef>
+          </p:style>
+          <p:txBody>
+            <a:bodyPr rtlCol="0" anchor="ctr"/>
+            <a:lstStyle/>
+            <a:p>
+              <a:pPr algn="ctr"/>
+              <a:endParaRPr lang="en-US"/>
+            </a:p>
+          </p:txBody>
+        </p:sp>
+        <p:cxnSp>
+          <p:nvCxnSpPr>
+            <p:cNvPr id="245" name="Straight Connector 244">
+              <a:extLst>
+                <a:ext uri="{FF2B5EF4-FFF2-40B4-BE49-F238E27FC236}">
+                  <a16:creationId xmlns:a16="http://schemas.microsoft.com/office/drawing/2014/main" id="{49B57F5D-DD92-486C-9267-69F00853EAB9}"/>
+                </a:ext>
+              </a:extLst>
+            </p:cNvPr>
+            <p:cNvCxnSpPr>
+              <a:cxnSpLocks/>
+              <a:stCxn id="239" idx="6"/>
+              <a:endCxn id="244" idx="2"/>
+            </p:cNvCxnSpPr>
+            <p:nvPr/>
+          </p:nvCxnSpPr>
+          <p:spPr>
+            <a:xfrm>
+              <a:off x="1398015" y="6174185"/>
+              <a:ext cx="136065" cy="0"/>
+            </a:xfrm>
+            <a:prstGeom prst="line">
+              <a:avLst/>
+            </a:prstGeom>
+            <a:ln w="38100"/>
+          </p:spPr>
+          <p:style>
+            <a:lnRef idx="1">
+              <a:schemeClr val="accent1"/>
+            </a:lnRef>
+            <a:fillRef idx="0">
+              <a:schemeClr val="accent1"/>
+            </a:fillRef>
+            <a:effectRef idx="0">
+              <a:schemeClr val="accent1"/>
+            </a:effectRef>
+            <a:fontRef idx="minor">
+              <a:schemeClr val="tx1"/>
+            </a:fontRef>
+          </p:style>
+        </p:cxnSp>
+        <p:sp>
+          <p:nvSpPr>
+            <p:cNvPr id="246" name="Oval 245">
+              <a:extLst>
+                <a:ext uri="{FF2B5EF4-FFF2-40B4-BE49-F238E27FC236}">
+                  <a16:creationId xmlns:a16="http://schemas.microsoft.com/office/drawing/2014/main" id="{C86918B5-2EBD-4497-B065-DED912A782F0}"/>
+                </a:ext>
+              </a:extLst>
+            </p:cNvPr>
+            <p:cNvSpPr/>
+            <p:nvPr/>
+          </p:nvSpPr>
+          <p:spPr>
+            <a:xfrm>
+              <a:off x="1819104" y="5842835"/>
+              <a:ext cx="148959" cy="147267"/>
+            </a:xfrm>
+            <a:prstGeom prst="ellipse">
+              <a:avLst/>
+            </a:prstGeom>
+            <a:solidFill>
+              <a:schemeClr val="accent6">
+                <a:lumMod val="60000"/>
+                <a:lumOff val="40000"/>
+              </a:schemeClr>
+            </a:solidFill>
+            <a:ln>
+              <a:solidFill>
+                <a:schemeClr val="accent6">
+                  <a:lumMod val="75000"/>
+                </a:schemeClr>
+              </a:solidFill>
+            </a:ln>
+          </p:spPr>
+          <p:style>
+            <a:lnRef idx="2">
+              <a:schemeClr val="accent1">
+                <a:shade val="50000"/>
+              </a:schemeClr>
+            </a:lnRef>
+            <a:fillRef idx="1">
+              <a:schemeClr val="accent1"/>
+            </a:fillRef>
+            <a:effectRef idx="0">
+              <a:schemeClr val="accent1"/>
+            </a:effectRef>
+            <a:fontRef idx="minor">
+              <a:schemeClr val="lt1"/>
+            </a:fontRef>
+          </p:style>
+          <p:txBody>
+            <a:bodyPr rtlCol="0" anchor="ctr"/>
+            <a:lstStyle/>
+            <a:p>
+              <a:pPr algn="ctr"/>
+              <a:endParaRPr lang="en-US"/>
+            </a:p>
+          </p:txBody>
+        </p:sp>
+        <p:cxnSp>
+          <p:nvCxnSpPr>
+            <p:cNvPr id="247" name="Straight Connector 246">
+              <a:extLst>
+                <a:ext uri="{FF2B5EF4-FFF2-40B4-BE49-F238E27FC236}">
+                  <a16:creationId xmlns:a16="http://schemas.microsoft.com/office/drawing/2014/main" id="{16AE0328-0BB8-4FF7-AB71-E54CBB598D6B}"/>
+                </a:ext>
+              </a:extLst>
+            </p:cNvPr>
+            <p:cNvCxnSpPr>
+              <a:endCxn id="246" idx="2"/>
+            </p:cNvCxnSpPr>
+            <p:nvPr/>
+          </p:nvCxnSpPr>
+          <p:spPr>
+            <a:xfrm>
+              <a:off x="1683039" y="5916468"/>
+              <a:ext cx="136065" cy="0"/>
+            </a:xfrm>
+            <a:prstGeom prst="line">
+              <a:avLst/>
+            </a:prstGeom>
+            <a:ln w="38100">
+              <a:solidFill>
+                <a:schemeClr val="accent6">
+                  <a:lumMod val="75000"/>
+                </a:schemeClr>
+              </a:solidFill>
+            </a:ln>
+          </p:spPr>
+          <p:style>
+            <a:lnRef idx="1">
+              <a:schemeClr val="accent1"/>
+            </a:lnRef>
+            <a:fillRef idx="0">
+              <a:schemeClr val="accent1"/>
+            </a:fillRef>
+            <a:effectRef idx="0">
+              <a:schemeClr val="accent1"/>
+            </a:effectRef>
+            <a:fontRef idx="minor">
+              <a:schemeClr val="tx1"/>
+            </a:fontRef>
+          </p:style>
+        </p:cxnSp>
+        <p:cxnSp>
+          <p:nvCxnSpPr>
+            <p:cNvPr id="249" name="Straight Connector 248">
+              <a:extLst>
+                <a:ext uri="{FF2B5EF4-FFF2-40B4-BE49-F238E27FC236}">
+                  <a16:creationId xmlns:a16="http://schemas.microsoft.com/office/drawing/2014/main" id="{6A9BD8BD-628C-4A01-B721-0334EA2E53A2}"/>
+                </a:ext>
+              </a:extLst>
+            </p:cNvPr>
+            <p:cNvCxnSpPr>
+              <a:endCxn id="248" idx="2"/>
+            </p:cNvCxnSpPr>
+            <p:nvPr/>
+          </p:nvCxnSpPr>
+          <p:spPr>
+            <a:xfrm>
+              <a:off x="1968063" y="5916468"/>
+              <a:ext cx="136065" cy="0"/>
+            </a:xfrm>
+            <a:prstGeom prst="line">
+              <a:avLst/>
+            </a:prstGeom>
+            <a:ln w="38100">
+              <a:solidFill>
+                <a:schemeClr val="accent6">
+                  <a:lumMod val="75000"/>
+                </a:schemeClr>
+              </a:solidFill>
+            </a:ln>
+          </p:spPr>
+          <p:style>
+            <a:lnRef idx="1">
+              <a:schemeClr val="accent1"/>
+            </a:lnRef>
+            <a:fillRef idx="0">
+              <a:schemeClr val="accent1"/>
+            </a:fillRef>
+            <a:effectRef idx="0">
+              <a:schemeClr val="accent1"/>
+            </a:effectRef>
+            <a:fontRef idx="minor">
+              <a:schemeClr val="tx1"/>
+            </a:fontRef>
+          </p:style>
+        </p:cxnSp>
+        <p:cxnSp>
+          <p:nvCxnSpPr>
+            <p:cNvPr id="250" name="Straight Connector 249">
+              <a:extLst>
+                <a:ext uri="{FF2B5EF4-FFF2-40B4-BE49-F238E27FC236}">
+                  <a16:creationId xmlns:a16="http://schemas.microsoft.com/office/drawing/2014/main" id="{2A3DF90E-21A6-4813-A2E8-0B6705E70764}"/>
+                </a:ext>
+              </a:extLst>
+            </p:cNvPr>
+            <p:cNvCxnSpPr>
+              <a:cxnSpLocks/>
+              <a:stCxn id="244" idx="6"/>
+              <a:endCxn id="251" idx="2"/>
+            </p:cNvCxnSpPr>
+            <p:nvPr/>
+          </p:nvCxnSpPr>
+          <p:spPr>
+            <a:xfrm flipV="1">
+              <a:off x="1683039" y="6171968"/>
+              <a:ext cx="668863" cy="2217"/>
+            </a:xfrm>
+            <a:prstGeom prst="line">
+              <a:avLst/>
+            </a:prstGeom>
+            <a:ln w="38100"/>
+          </p:spPr>
+          <p:style>
+            <a:lnRef idx="1">
+              <a:schemeClr val="accent1"/>
+            </a:lnRef>
+            <a:fillRef idx="0">
+              <a:schemeClr val="accent1"/>
+            </a:fillRef>
+            <a:effectRef idx="0">
+              <a:schemeClr val="accent1"/>
+            </a:effectRef>
+            <a:fontRef idx="minor">
+              <a:schemeClr val="tx1"/>
+            </a:fontRef>
+          </p:style>
+        </p:cxnSp>
+        <p:cxnSp>
+          <p:nvCxnSpPr>
+            <p:cNvPr id="252" name="Straight Connector 251">
+              <a:extLst>
+                <a:ext uri="{FF2B5EF4-FFF2-40B4-BE49-F238E27FC236}">
+                  <a16:creationId xmlns:a16="http://schemas.microsoft.com/office/drawing/2014/main" id="{0D7EF0B4-4474-434B-AEB9-BB9E7340BBCB}"/>
+                </a:ext>
+              </a:extLst>
+            </p:cNvPr>
+            <p:cNvCxnSpPr>
+              <a:cxnSpLocks/>
+              <a:stCxn id="248" idx="6"/>
+              <a:endCxn id="251" idx="2"/>
+            </p:cNvCxnSpPr>
+            <p:nvPr/>
+          </p:nvCxnSpPr>
+          <p:spPr>
+            <a:xfrm>
+              <a:off x="2253087" y="5916468"/>
+              <a:ext cx="98815" cy="255500"/>
+            </a:xfrm>
+            <a:prstGeom prst="line">
+              <a:avLst/>
+            </a:prstGeom>
+            <a:ln w="38100">
+              <a:solidFill>
+                <a:schemeClr val="accent6">
+                  <a:lumMod val="75000"/>
+                </a:schemeClr>
+              </a:solidFill>
+            </a:ln>
+          </p:spPr>
+          <p:style>
+            <a:lnRef idx="1">
+              <a:schemeClr val="accent1"/>
+            </a:lnRef>
+            <a:fillRef idx="0">
+              <a:schemeClr val="accent1"/>
+            </a:fillRef>
+            <a:effectRef idx="0">
+              <a:schemeClr val="accent1"/>
+            </a:effectRef>
+            <a:fontRef idx="minor">
+              <a:schemeClr val="tx1"/>
+            </a:fontRef>
+          </p:style>
+        </p:cxnSp>
+        <p:cxnSp>
+          <p:nvCxnSpPr>
+            <p:cNvPr id="253" name="Straight Connector 252">
+              <a:extLst>
+                <a:ext uri="{FF2B5EF4-FFF2-40B4-BE49-F238E27FC236}">
+                  <a16:creationId xmlns:a16="http://schemas.microsoft.com/office/drawing/2014/main" id="{8DC8BD6F-EB12-495B-8726-4C09D7A9E18F}"/>
+                </a:ext>
+              </a:extLst>
+            </p:cNvPr>
+            <p:cNvCxnSpPr>
+              <a:cxnSpLocks/>
+              <a:endCxn id="256" idx="2"/>
+            </p:cNvCxnSpPr>
+            <p:nvPr/>
+          </p:nvCxnSpPr>
+          <p:spPr>
+            <a:xfrm>
+              <a:off x="2502300" y="6174185"/>
+              <a:ext cx="136065" cy="0"/>
+            </a:xfrm>
+            <a:prstGeom prst="line">
+              <a:avLst/>
+            </a:prstGeom>
+            <a:ln w="38100"/>
+          </p:spPr>
+          <p:style>
+            <a:lnRef idx="1">
+              <a:schemeClr val="accent1"/>
+            </a:lnRef>
+            <a:fillRef idx="0">
+              <a:schemeClr val="accent1"/>
+            </a:fillRef>
+            <a:effectRef idx="0">
+              <a:schemeClr val="accent1"/>
+            </a:effectRef>
+            <a:fontRef idx="minor">
+              <a:schemeClr val="tx1"/>
+            </a:fontRef>
+          </p:style>
+        </p:cxnSp>
+        <p:cxnSp>
+          <p:nvCxnSpPr>
+            <p:cNvPr id="254" name="Straight Connector 253">
+              <a:extLst>
+                <a:ext uri="{FF2B5EF4-FFF2-40B4-BE49-F238E27FC236}">
+                  <a16:creationId xmlns:a16="http://schemas.microsoft.com/office/drawing/2014/main" id="{6F2C925D-D151-4C8A-8C43-542D83476045}"/>
+                </a:ext>
+              </a:extLst>
+            </p:cNvPr>
+            <p:cNvCxnSpPr>
+              <a:cxnSpLocks/>
+              <a:stCxn id="256" idx="6"/>
+              <a:endCxn id="255" idx="2"/>
+            </p:cNvCxnSpPr>
+            <p:nvPr/>
+          </p:nvCxnSpPr>
+          <p:spPr>
+            <a:xfrm>
+              <a:off x="2787324" y="6174185"/>
+              <a:ext cx="109082" cy="229101"/>
+            </a:xfrm>
+            <a:prstGeom prst="line">
+              <a:avLst/>
+            </a:prstGeom>
+            <a:ln w="38100">
+              <a:solidFill>
+                <a:schemeClr val="tx2">
+                  <a:lumMod val="75000"/>
+                  <a:lumOff val="25000"/>
+                </a:schemeClr>
+              </a:solidFill>
+            </a:ln>
+          </p:spPr>
+          <p:style>
+            <a:lnRef idx="1">
+              <a:schemeClr val="accent1"/>
+            </a:lnRef>
+            <a:fillRef idx="0">
+              <a:schemeClr val="accent1"/>
+            </a:fillRef>
+            <a:effectRef idx="0">
+              <a:schemeClr val="accent1"/>
+            </a:effectRef>
+            <a:fontRef idx="minor">
+              <a:schemeClr val="tx1"/>
+            </a:fontRef>
+          </p:style>
+        </p:cxnSp>
+        <p:sp>
+          <p:nvSpPr>
+            <p:cNvPr id="255" name="Oval 254">
+              <a:extLst>
+                <a:ext uri="{FF2B5EF4-FFF2-40B4-BE49-F238E27FC236}">
+                  <a16:creationId xmlns:a16="http://schemas.microsoft.com/office/drawing/2014/main" id="{2F8AF83B-B5C5-43ED-8490-95A2BB4BB2D3}"/>
+                </a:ext>
+              </a:extLst>
+            </p:cNvPr>
+            <p:cNvSpPr/>
+            <p:nvPr/>
+          </p:nvSpPr>
+          <p:spPr>
+            <a:xfrm>
+              <a:off x="2896406" y="6329652"/>
+              <a:ext cx="148959" cy="147267"/>
+            </a:xfrm>
+            <a:prstGeom prst="ellipse">
+              <a:avLst/>
+            </a:prstGeom>
+            <a:solidFill>
+              <a:schemeClr val="tx2">
+                <a:lumMod val="50000"/>
+                <a:lumOff val="50000"/>
+              </a:schemeClr>
+            </a:solidFill>
+            <a:ln>
+              <a:solidFill>
+                <a:schemeClr val="tx2">
+                  <a:lumMod val="75000"/>
+                  <a:lumOff val="25000"/>
+                </a:schemeClr>
+              </a:solidFill>
+            </a:ln>
+          </p:spPr>
+          <p:style>
+            <a:lnRef idx="2">
+              <a:schemeClr val="accent1">
+                <a:shade val="50000"/>
+              </a:schemeClr>
+            </a:lnRef>
+            <a:fillRef idx="1">
+              <a:schemeClr val="accent1"/>
+            </a:fillRef>
+            <a:effectRef idx="0">
+              <a:schemeClr val="accent1"/>
+            </a:effectRef>
+            <a:fontRef idx="minor">
+              <a:schemeClr val="lt1"/>
+            </a:fontRef>
+          </p:style>
+          <p:txBody>
+            <a:bodyPr rtlCol="0" anchor="ctr"/>
+            <a:lstStyle/>
+            <a:p>
+              <a:pPr algn="ctr"/>
+              <a:endParaRPr lang="en-US"/>
+            </a:p>
+          </p:txBody>
+        </p:sp>
+        <p:sp>
+          <p:nvSpPr>
+            <p:cNvPr id="256" name="Oval 255">
+              <a:extLst>
+                <a:ext uri="{FF2B5EF4-FFF2-40B4-BE49-F238E27FC236}">
+                  <a16:creationId xmlns:a16="http://schemas.microsoft.com/office/drawing/2014/main" id="{6086EEF1-F96C-403A-974E-0F4C8BD5D7BB}"/>
+                </a:ext>
+              </a:extLst>
+            </p:cNvPr>
+            <p:cNvSpPr/>
+            <p:nvPr/>
+          </p:nvSpPr>
+          <p:spPr>
+            <a:xfrm>
+              <a:off x="2638365" y="6100551"/>
+              <a:ext cx="148959" cy="147267"/>
+            </a:xfrm>
+            <a:prstGeom prst="ellipse">
+              <a:avLst/>
+            </a:prstGeom>
+          </p:spPr>
+          <p:style>
+            <a:lnRef idx="2">
+              <a:schemeClr val="accent1">
+                <a:shade val="50000"/>
+              </a:schemeClr>
+            </a:lnRef>
+            <a:fillRef idx="1">
+              <a:schemeClr val="accent1"/>
+            </a:fillRef>
+            <a:effectRef idx="0">
+              <a:schemeClr val="accent1"/>
+            </a:effectRef>
+            <a:fontRef idx="minor">
+              <a:schemeClr val="lt1"/>
+            </a:fontRef>
+          </p:style>
+          <p:txBody>
+            <a:bodyPr rtlCol="0" anchor="ctr"/>
+            <a:lstStyle/>
+            <a:p>
+              <a:pPr algn="ctr"/>
+              <a:endParaRPr lang="en-US"/>
+            </a:p>
+          </p:txBody>
+        </p:sp>
+        <p:sp>
+          <p:nvSpPr>
+            <p:cNvPr id="257" name="Oval 256">
+              <a:extLst>
+                <a:ext uri="{FF2B5EF4-FFF2-40B4-BE49-F238E27FC236}">
+                  <a16:creationId xmlns:a16="http://schemas.microsoft.com/office/drawing/2014/main" id="{42EF12BF-4632-4813-A678-A23166098ACF}"/>
+                </a:ext>
+              </a:extLst>
+            </p:cNvPr>
+            <p:cNvSpPr/>
+            <p:nvPr/>
+          </p:nvSpPr>
+          <p:spPr>
+            <a:xfrm>
+              <a:off x="3182868" y="6329652"/>
+              <a:ext cx="148959" cy="147267"/>
+            </a:xfrm>
+            <a:prstGeom prst="ellipse">
+              <a:avLst/>
+            </a:prstGeom>
+            <a:solidFill>
+              <a:schemeClr val="tx2">
+                <a:lumMod val="50000"/>
+                <a:lumOff val="50000"/>
+              </a:schemeClr>
+            </a:solidFill>
+            <a:ln>
+              <a:solidFill>
+                <a:schemeClr val="tx2">
+                  <a:lumMod val="75000"/>
+                  <a:lumOff val="25000"/>
+                </a:schemeClr>
+              </a:solidFill>
+            </a:ln>
+          </p:spPr>
+          <p:style>
+            <a:lnRef idx="2">
+              <a:schemeClr val="accent1">
+                <a:shade val="50000"/>
+              </a:schemeClr>
+            </a:lnRef>
+            <a:fillRef idx="1">
+              <a:schemeClr val="accent1"/>
+            </a:fillRef>
+            <a:effectRef idx="0">
+              <a:schemeClr val="accent1"/>
+            </a:effectRef>
+            <a:fontRef idx="minor">
+              <a:schemeClr val="lt1"/>
+            </a:fontRef>
+          </p:style>
+          <p:txBody>
+            <a:bodyPr rtlCol="0" anchor="ctr"/>
+            <a:lstStyle/>
+            <a:p>
+              <a:pPr algn="ctr"/>
+              <a:endParaRPr lang="en-US"/>
+            </a:p>
+          </p:txBody>
+        </p:sp>
+        <p:cxnSp>
+          <p:nvCxnSpPr>
+            <p:cNvPr id="259" name="Straight Connector 258">
+              <a:extLst>
+                <a:ext uri="{FF2B5EF4-FFF2-40B4-BE49-F238E27FC236}">
+                  <a16:creationId xmlns:a16="http://schemas.microsoft.com/office/drawing/2014/main" id="{34DF9C8A-7BD8-44F5-AFFC-EA11FBDC543D}"/>
+                </a:ext>
+              </a:extLst>
+            </p:cNvPr>
+            <p:cNvCxnSpPr>
+              <a:endCxn id="258" idx="2"/>
+            </p:cNvCxnSpPr>
+            <p:nvPr/>
+          </p:nvCxnSpPr>
+          <p:spPr>
+            <a:xfrm>
+              <a:off x="3327887" y="6403284"/>
+              <a:ext cx="136065" cy="0"/>
+            </a:xfrm>
+            <a:prstGeom prst="line">
+              <a:avLst/>
+            </a:prstGeom>
+            <a:ln w="38100">
+              <a:solidFill>
+                <a:schemeClr val="tx2">
+                  <a:lumMod val="75000"/>
+                  <a:lumOff val="25000"/>
+                </a:schemeClr>
+              </a:solidFill>
+            </a:ln>
+          </p:spPr>
+          <p:style>
+            <a:lnRef idx="1">
+              <a:schemeClr val="accent1"/>
+            </a:lnRef>
+            <a:fillRef idx="0">
+              <a:schemeClr val="accent1"/>
+            </a:fillRef>
+            <a:effectRef idx="0">
+              <a:schemeClr val="accent1"/>
+            </a:effectRef>
+            <a:fontRef idx="minor">
+              <a:schemeClr val="tx1"/>
+            </a:fontRef>
+          </p:style>
+        </p:cxnSp>
+        <p:cxnSp>
+          <p:nvCxnSpPr>
+            <p:cNvPr id="263" name="Straight Connector 262">
+              <a:extLst>
+                <a:ext uri="{FF2B5EF4-FFF2-40B4-BE49-F238E27FC236}">
+                  <a16:creationId xmlns:a16="http://schemas.microsoft.com/office/drawing/2014/main" id="{66AE52C7-3B0E-4B9F-BEAE-98340C4B1167}"/>
+                </a:ext>
+              </a:extLst>
+            </p:cNvPr>
+            <p:cNvCxnSpPr>
+              <a:cxnSpLocks/>
+              <a:stCxn id="256" idx="6"/>
+              <a:endCxn id="265" idx="2"/>
+            </p:cNvCxnSpPr>
+            <p:nvPr/>
+          </p:nvCxnSpPr>
+          <p:spPr>
+            <a:xfrm flipV="1">
+              <a:off x="2787324" y="6171968"/>
+              <a:ext cx="869235" cy="2217"/>
+            </a:xfrm>
+            <a:prstGeom prst="line">
+              <a:avLst/>
+            </a:prstGeom>
+            <a:ln w="38100"/>
+          </p:spPr>
+          <p:style>
+            <a:lnRef idx="1">
+              <a:schemeClr val="accent1"/>
+            </a:lnRef>
+            <a:fillRef idx="0">
+              <a:schemeClr val="accent1"/>
+            </a:fillRef>
+            <a:effectRef idx="0">
+              <a:schemeClr val="accent1"/>
+            </a:effectRef>
+            <a:fontRef idx="minor">
+              <a:schemeClr val="tx1"/>
+            </a:fontRef>
+          </p:style>
+        </p:cxnSp>
+        <p:cxnSp>
+          <p:nvCxnSpPr>
+            <p:cNvPr id="267" name="Straight Connector 266">
+              <a:extLst>
+                <a:ext uri="{FF2B5EF4-FFF2-40B4-BE49-F238E27FC236}">
+                  <a16:creationId xmlns:a16="http://schemas.microsoft.com/office/drawing/2014/main" id="{5C7ABBF7-251C-4963-A738-79E5CB696F2E}"/>
+                </a:ext>
+              </a:extLst>
+            </p:cNvPr>
+            <p:cNvCxnSpPr>
+              <a:cxnSpLocks/>
+              <a:stCxn id="258" idx="6"/>
+              <a:endCxn id="265" idx="2"/>
+            </p:cNvCxnSpPr>
+            <p:nvPr/>
+          </p:nvCxnSpPr>
+          <p:spPr>
+            <a:xfrm flipV="1">
+              <a:off x="3612911" y="6171968"/>
+              <a:ext cx="43648" cy="231317"/>
+            </a:xfrm>
+            <a:prstGeom prst="line">
+              <a:avLst/>
+            </a:prstGeom>
+            <a:ln w="38100">
+              <a:solidFill>
+                <a:schemeClr val="tx2">
+                  <a:lumMod val="75000"/>
+                  <a:lumOff val="25000"/>
+                </a:schemeClr>
+              </a:solidFill>
+            </a:ln>
+          </p:spPr>
+          <p:style>
+            <a:lnRef idx="1">
+              <a:schemeClr val="accent1"/>
+            </a:lnRef>
+            <a:fillRef idx="0">
+              <a:schemeClr val="accent1"/>
+            </a:fillRef>
+            <a:effectRef idx="0">
+              <a:schemeClr val="accent1"/>
+            </a:effectRef>
+            <a:fontRef idx="minor">
+              <a:schemeClr val="tx1"/>
+            </a:fontRef>
+          </p:style>
+        </p:cxnSp>
+        <p:sp>
+          <p:nvSpPr>
+            <p:cNvPr id="265" name="Oval 264">
+              <a:extLst>
+                <a:ext uri="{FF2B5EF4-FFF2-40B4-BE49-F238E27FC236}">
+                  <a16:creationId xmlns:a16="http://schemas.microsoft.com/office/drawing/2014/main" id="{5BD99BD1-4748-42FF-AC35-4176D2801632}"/>
+                </a:ext>
+              </a:extLst>
+            </p:cNvPr>
+            <p:cNvSpPr/>
+            <p:nvPr/>
+          </p:nvSpPr>
+          <p:spPr>
+            <a:xfrm>
+              <a:off x="3656559" y="6098334"/>
+              <a:ext cx="148959" cy="147267"/>
+            </a:xfrm>
+            <a:prstGeom prst="ellipse">
+              <a:avLst/>
+            </a:prstGeom>
+          </p:spPr>
+          <p:style>
+            <a:lnRef idx="2">
+              <a:schemeClr val="accent1">
+                <a:shade val="50000"/>
+              </a:schemeClr>
+            </a:lnRef>
+            <a:fillRef idx="1">
+              <a:schemeClr val="accent1"/>
+            </a:fillRef>
+            <a:effectRef idx="0">
+              <a:schemeClr val="accent1"/>
+            </a:effectRef>
+            <a:fontRef idx="minor">
+              <a:schemeClr val="lt1"/>
+            </a:fontRef>
+          </p:style>
+          <p:txBody>
+            <a:bodyPr rtlCol="0" anchor="ctr"/>
+            <a:lstStyle/>
+            <a:p>
+              <a:pPr algn="ctr"/>
+              <a:endParaRPr lang="en-US"/>
+            </a:p>
+          </p:txBody>
+        </p:sp>
+        <p:cxnSp>
+          <p:nvCxnSpPr>
+            <p:cNvPr id="268" name="Straight Connector 267">
+              <a:extLst>
+                <a:ext uri="{FF2B5EF4-FFF2-40B4-BE49-F238E27FC236}">
+                  <a16:creationId xmlns:a16="http://schemas.microsoft.com/office/drawing/2014/main" id="{FC07A2B0-E6DA-4AE4-94CE-1CEF587399A9}"/>
+                </a:ext>
+              </a:extLst>
+            </p:cNvPr>
+            <p:cNvCxnSpPr>
+              <a:cxnSpLocks/>
+              <a:stCxn id="265" idx="6"/>
+              <a:endCxn id="269" idx="2"/>
+            </p:cNvCxnSpPr>
+            <p:nvPr/>
+          </p:nvCxnSpPr>
+          <p:spPr>
+            <a:xfrm>
+              <a:off x="3805518" y="6171968"/>
+              <a:ext cx="131562" cy="0"/>
+            </a:xfrm>
+            <a:prstGeom prst="line">
+              <a:avLst/>
+            </a:prstGeom>
+            <a:ln w="38100"/>
+          </p:spPr>
+          <p:style>
+            <a:lnRef idx="1">
+              <a:schemeClr val="accent1"/>
+            </a:lnRef>
+            <a:fillRef idx="0">
+              <a:schemeClr val="accent1"/>
+            </a:fillRef>
+            <a:effectRef idx="0">
+              <a:schemeClr val="accent1"/>
+            </a:effectRef>
+            <a:fontRef idx="minor">
+              <a:schemeClr val="tx1"/>
+            </a:fontRef>
+          </p:style>
+        </p:cxnSp>
+        <p:sp>
+          <p:nvSpPr>
+            <p:cNvPr id="269" name="Oval 268">
+              <a:extLst>
+                <a:ext uri="{FF2B5EF4-FFF2-40B4-BE49-F238E27FC236}">
+                  <a16:creationId xmlns:a16="http://schemas.microsoft.com/office/drawing/2014/main" id="{9AF4E65B-EF49-40F9-AF88-623DA0BD11DA}"/>
+                </a:ext>
+              </a:extLst>
+            </p:cNvPr>
+            <p:cNvSpPr/>
+            <p:nvPr/>
+          </p:nvSpPr>
+          <p:spPr>
+            <a:xfrm>
+              <a:off x="3937080" y="6098334"/>
+              <a:ext cx="148959" cy="147267"/>
+            </a:xfrm>
+            <a:prstGeom prst="ellipse">
+              <a:avLst/>
+            </a:prstGeom>
+          </p:spPr>
+          <p:style>
+            <a:lnRef idx="2">
+              <a:schemeClr val="accent1">
+                <a:shade val="50000"/>
+              </a:schemeClr>
+            </a:lnRef>
+            <a:fillRef idx="1">
+              <a:schemeClr val="accent1"/>
+            </a:fillRef>
+            <a:effectRef idx="0">
+              <a:schemeClr val="accent1"/>
+            </a:effectRef>
+            <a:fontRef idx="minor">
+              <a:schemeClr val="lt1"/>
+            </a:fontRef>
+          </p:style>
+          <p:txBody>
+            <a:bodyPr rtlCol="0" anchor="ctr"/>
+            <a:lstStyle/>
+            <a:p>
+              <a:pPr algn="ctr"/>
+              <a:endParaRPr lang="en-US"/>
+            </a:p>
+          </p:txBody>
+        </p:sp>
+        <p:sp>
+          <p:nvSpPr>
+            <p:cNvPr id="248" name="Oval 247">
+              <a:extLst>
+                <a:ext uri="{FF2B5EF4-FFF2-40B4-BE49-F238E27FC236}">
+                  <a16:creationId xmlns:a16="http://schemas.microsoft.com/office/drawing/2014/main" id="{29F67E36-AB42-4812-A523-9ADE91957173}"/>
+                </a:ext>
+              </a:extLst>
+            </p:cNvPr>
+            <p:cNvSpPr/>
+            <p:nvPr/>
+          </p:nvSpPr>
+          <p:spPr>
+            <a:xfrm>
+              <a:off x="2104128" y="5842835"/>
+              <a:ext cx="148959" cy="147267"/>
+            </a:xfrm>
+            <a:prstGeom prst="ellipse">
+              <a:avLst/>
+            </a:prstGeom>
+            <a:solidFill>
+              <a:schemeClr val="accent6">
+                <a:lumMod val="60000"/>
+                <a:lumOff val="40000"/>
+              </a:schemeClr>
+            </a:solidFill>
+            <a:ln>
+              <a:solidFill>
+                <a:schemeClr val="accent6">
+                  <a:lumMod val="75000"/>
+                </a:schemeClr>
+              </a:solidFill>
+            </a:ln>
+          </p:spPr>
+          <p:style>
+            <a:lnRef idx="2">
+              <a:schemeClr val="accent1">
+                <a:shade val="50000"/>
+              </a:schemeClr>
+            </a:lnRef>
+            <a:fillRef idx="1">
+              <a:schemeClr val="accent1"/>
+            </a:fillRef>
+            <a:effectRef idx="0">
+              <a:schemeClr val="accent1"/>
+            </a:effectRef>
+            <a:fontRef idx="minor">
+              <a:schemeClr val="lt1"/>
+            </a:fontRef>
+          </p:style>
+          <p:txBody>
+            <a:bodyPr rtlCol="0" anchor="ctr"/>
+            <a:lstStyle/>
+            <a:p>
+              <a:pPr algn="ctr"/>
+              <a:endParaRPr lang="en-US"/>
+            </a:p>
+          </p:txBody>
+        </p:sp>
+        <p:sp>
+          <p:nvSpPr>
+            <p:cNvPr id="251" name="Oval 250">
+              <a:extLst>
+                <a:ext uri="{FF2B5EF4-FFF2-40B4-BE49-F238E27FC236}">
+                  <a16:creationId xmlns:a16="http://schemas.microsoft.com/office/drawing/2014/main" id="{99D6E645-78B0-417F-931C-65092396DF67}"/>
+                </a:ext>
+              </a:extLst>
+            </p:cNvPr>
+            <p:cNvSpPr/>
+            <p:nvPr/>
+          </p:nvSpPr>
+          <p:spPr>
+            <a:xfrm>
+              <a:off x="2351903" y="6098335"/>
+              <a:ext cx="148959" cy="147267"/>
+            </a:xfrm>
+            <a:prstGeom prst="ellipse">
+              <a:avLst/>
+            </a:prstGeom>
+          </p:spPr>
+          <p:style>
+            <a:lnRef idx="2">
+              <a:schemeClr val="accent1">
+                <a:shade val="50000"/>
+              </a:schemeClr>
+            </a:lnRef>
+            <a:fillRef idx="1">
+              <a:schemeClr val="accent1"/>
+            </a:fillRef>
+            <a:effectRef idx="0">
+              <a:schemeClr val="accent1"/>
+            </a:effectRef>
+            <a:fontRef idx="minor">
+              <a:schemeClr val="lt1"/>
+            </a:fontRef>
+          </p:style>
+          <p:txBody>
+            <a:bodyPr rtlCol="0" anchor="ctr"/>
+            <a:lstStyle/>
+            <a:p>
+              <a:pPr algn="ctr"/>
+              <a:endParaRPr lang="en-US" dirty="0"/>
+            </a:p>
+          </p:txBody>
+        </p:sp>
+        <p:sp>
+          <p:nvSpPr>
+            <p:cNvPr id="258" name="Oval 257">
+              <a:extLst>
+                <a:ext uri="{FF2B5EF4-FFF2-40B4-BE49-F238E27FC236}">
+                  <a16:creationId xmlns:a16="http://schemas.microsoft.com/office/drawing/2014/main" id="{AE21B469-14AA-44B3-9B24-47071088939D}"/>
+                </a:ext>
+              </a:extLst>
+            </p:cNvPr>
+            <p:cNvSpPr/>
+            <p:nvPr/>
+          </p:nvSpPr>
+          <p:spPr>
+            <a:xfrm>
+              <a:off x="3463952" y="6329651"/>
+              <a:ext cx="148959" cy="147267"/>
+            </a:xfrm>
+            <a:prstGeom prst="ellipse">
+              <a:avLst/>
+            </a:prstGeom>
+            <a:solidFill>
+              <a:schemeClr val="tx2">
+                <a:lumMod val="50000"/>
+                <a:lumOff val="50000"/>
+              </a:schemeClr>
+            </a:solidFill>
+            <a:ln>
+              <a:solidFill>
+                <a:schemeClr val="tx2">
+                  <a:lumMod val="75000"/>
+                  <a:lumOff val="25000"/>
+                </a:schemeClr>
+              </a:solidFill>
+            </a:ln>
+          </p:spPr>
+          <p:style>
+            <a:lnRef idx="2">
+              <a:schemeClr val="accent1">
+                <a:shade val="50000"/>
+              </a:schemeClr>
+            </a:lnRef>
+            <a:fillRef idx="1">
+              <a:schemeClr val="accent1"/>
+            </a:fillRef>
+            <a:effectRef idx="0">
+              <a:schemeClr val="accent1"/>
+            </a:effectRef>
+            <a:fontRef idx="minor">
+              <a:schemeClr val="lt1"/>
+            </a:fontRef>
+          </p:style>
+          <p:txBody>
+            <a:bodyPr rtlCol="0" anchor="ctr"/>
+            <a:lstStyle/>
+            <a:p>
+              <a:pPr algn="ctr"/>
+              <a:endParaRPr lang="en-US" dirty="0"/>
+            </a:p>
+          </p:txBody>
+        </p:sp>
+      </p:grpSp>
+      <p:pic>
+        <p:nvPicPr>
+          <p:cNvPr id="9" name="Picture 8">
+            <a:extLst>
+              <a:ext uri="{FF2B5EF4-FFF2-40B4-BE49-F238E27FC236}">
+                <a16:creationId xmlns:a16="http://schemas.microsoft.com/office/drawing/2014/main" id="{C861AD2A-612F-3D65-D340-BCEEBB1F4DA0}"/>
+              </a:ext>
+            </a:extLst>
+          </p:cNvPr>
+          <p:cNvPicPr>
+            <a:picLocks noChangeAspect="1"/>
+          </p:cNvPicPr>
+          <p:nvPr/>
+        </p:nvPicPr>
+        <p:blipFill>
+          <a:blip r:embed="rId2"/>
+          <a:stretch>
+            <a:fillRect/>
+          </a:stretch>
+        </p:blipFill>
+        <p:spPr>
+          <a:xfrm>
+            <a:off x="4706565" y="2968849"/>
+            <a:ext cx="2691309" cy="1078882"/>
+          </a:xfrm>
+          <a:prstGeom prst="rect">
+            <a:avLst/>
+          </a:prstGeom>
+        </p:spPr>
+      </p:pic>
+      <p:pic>
+        <p:nvPicPr>
+          <p:cNvPr id="11" name="Picture 10">
+            <a:extLst>
+              <a:ext uri="{FF2B5EF4-FFF2-40B4-BE49-F238E27FC236}">
+                <a16:creationId xmlns:a16="http://schemas.microsoft.com/office/drawing/2014/main" id="{87E7BE6F-E587-7DA2-E4BF-0365F471F698}"/>
+              </a:ext>
+            </a:extLst>
+          </p:cNvPr>
+          <p:cNvPicPr>
+            <a:picLocks noChangeAspect="1"/>
+          </p:cNvPicPr>
+          <p:nvPr/>
+        </p:nvPicPr>
+        <p:blipFill>
+          <a:blip r:embed="rId3"/>
+          <a:stretch>
+            <a:fillRect/>
+          </a:stretch>
+        </p:blipFill>
+        <p:spPr>
+          <a:xfrm>
+            <a:off x="4666612" y="5810869"/>
+            <a:ext cx="2743388" cy="936982"/>
+          </a:xfrm>
+          <a:prstGeom prst="rect">
+            <a:avLst/>
+          </a:prstGeom>
+        </p:spPr>
+      </p:pic>
+    </p:spTree>
+    <p:extLst>
+      <p:ext uri="{BB962C8B-B14F-4D97-AF65-F5344CB8AC3E}">
+        <p14:creationId xmlns:p14="http://schemas.microsoft.com/office/powerpoint/2010/main" val="886719640"/>
       </p:ext>
     </p:extLst>
   </p:cSld>
@@ -17369,7 +22966,7 @@
             </a:pPr>
             <a:r>
               <a:rPr lang="en-US" dirty="0"/>
-              <a:t>Part 2: Follow-along Demo on creating a repository</a:t>
+              <a:t>Part 2: Collaborating with GitHub Demo with Forking, Pull Requests</a:t>
             </a:r>
           </a:p>
           <a:p>
@@ -17384,8 +22981,14 @@
             </a:pPr>
             <a:r>
               <a:rPr lang="en-US" dirty="0"/>
-              <a:t>Part 3: Collaborating with GitHub Demo with Forking, Pull Requests</a:t>
+              <a:t>Part 3: Hands-on activity - Open your own Pull Request</a:t>
             </a:r>
+          </a:p>
+          <a:p>
+            <a:pPr marL="0" indent="0">
+              <a:buNone/>
+            </a:pPr>
+            <a:endParaRPr lang="en-US" dirty="0"/>
           </a:p>
         </p:txBody>
       </p:sp>
@@ -17592,7 +23195,7 @@
         <p:spPr>
           <a:xfrm>
             <a:off x="937494" y="2423324"/>
-            <a:ext cx="4330785" cy="876301"/>
+            <a:ext cx="4330785" cy="2530416"/>
           </a:xfrm>
         </p:spPr>
         <p:txBody>
@@ -17608,6 +23211,42 @@
               <a:rPr lang="en-US" sz="1800" dirty="0"/>
               <a:t>Open-source version-control software on your computer</a:t>
             </a:r>
+          </a:p>
+          <a:p>
+            <a:pPr marL="0" indent="0">
+              <a:buNone/>
+            </a:pPr>
+            <a:endParaRPr lang="en-US" sz="1800" dirty="0"/>
+          </a:p>
+          <a:p>
+            <a:pPr marL="0" indent="0">
+              <a:buNone/>
+            </a:pPr>
+            <a:r>
+              <a:rPr lang="en-US" sz="1800" dirty="0"/>
+              <a:t>Probably already installed on your OS:</a:t>
+            </a:r>
+          </a:p>
+          <a:p>
+            <a:pPr marL="0" indent="0">
+              <a:buNone/>
+            </a:pPr>
+            <a:r>
+              <a:rPr lang="en-US" sz="1800" dirty="0"/>
+              <a:t>	</a:t>
+            </a:r>
+            <a:r>
+              <a:rPr lang="en-US" sz="1800" dirty="0">
+                <a:latin typeface="Consolas" panose="020B0609020204030204" pitchFamily="49" charset="0"/>
+              </a:rPr>
+              <a:t>git --version</a:t>
+            </a:r>
+          </a:p>
+          <a:p>
+            <a:pPr marL="0" indent="0">
+              <a:buNone/>
+            </a:pPr>
+            <a:endParaRPr lang="en-US" sz="1800" dirty="0"/>
           </a:p>
         </p:txBody>
       </p:sp>
@@ -18130,7 +23769,7 @@
         </p:nvSpPr>
         <p:spPr>
           <a:xfrm>
-            <a:off x="1115568" y="4105762"/>
+            <a:off x="1115568" y="4727199"/>
             <a:ext cx="10168128" cy="461665"/>
           </a:xfrm>
           <a:prstGeom prst="rect">
@@ -18194,6 +23833,36 @@
           </a:p>
         </p:txBody>
       </p:sp>
+      <p:pic>
+        <p:nvPicPr>
+          <p:cNvPr id="7" name="Picture 6">
+            <a:extLst>
+              <a:ext uri="{FF2B5EF4-FFF2-40B4-BE49-F238E27FC236}">
+                <a16:creationId xmlns:a16="http://schemas.microsoft.com/office/drawing/2014/main" id="{F5ADD527-41B6-3443-66CC-D9D74F25EBDD}"/>
+              </a:ext>
+            </a:extLst>
+          </p:cNvPr>
+          <p:cNvPicPr>
+            <a:picLocks noChangeAspect="1"/>
+          </p:cNvPicPr>
+          <p:nvPr/>
+        </p:nvPicPr>
+        <p:blipFill>
+          <a:blip r:embed="rId2"/>
+          <a:stretch>
+            <a:fillRect/>
+          </a:stretch>
+        </p:blipFill>
+        <p:spPr>
+          <a:xfrm>
+            <a:off x="4152900" y="3668524"/>
+            <a:ext cx="3886200" cy="819150"/>
+          </a:xfrm>
+          <a:prstGeom prst="rect">
+            <a:avLst/>
+          </a:prstGeom>
+        </p:spPr>
+      </p:pic>
     </p:spTree>
     <p:extLst>
       <p:ext uri="{BB962C8B-B14F-4D97-AF65-F5344CB8AC3E}">
